--- a/Презентация5.pptx
+++ b/Презентация5.pptx
@@ -40,6 +40,13 @@
     <p:sldId id="297" r:id="rId34"/>
     <p:sldId id="298" r:id="rId35"/>
     <p:sldId id="299" r:id="rId36"/>
+    <p:sldId id="300" r:id="rId37"/>
+    <p:sldId id="301" r:id="rId38"/>
+    <p:sldId id="302" r:id="rId39"/>
+    <p:sldId id="303" r:id="rId40"/>
+    <p:sldId id="304" r:id="rId41"/>
+    <p:sldId id="305" r:id="rId42"/>
+    <p:sldId id="306" r:id="rId43"/>
   </p:sldIdLst>
   <p:sldSz cx="12192000" cy="6858000"/>
   <p:notesSz cx="6858000" cy="9144000"/>
@@ -178,6 +185,13 @@
             <p14:sldId id="297"/>
             <p14:sldId id="298"/>
             <p14:sldId id="299"/>
+            <p14:sldId id="300"/>
+            <p14:sldId id="301"/>
+            <p14:sldId id="302"/>
+            <p14:sldId id="303"/>
+            <p14:sldId id="304"/>
+            <p14:sldId id="305"/>
+            <p14:sldId id="306"/>
           </p14:sldIdLst>
         </p14:section>
       </p14:sectionLst>
@@ -320,7 +334,7 @@
           <a:p>
             <a:fld id="{4DFC802E-E380-4157-8B4B-9B0F0D44B88C}" type="datetimeFigureOut">
               <a:rPr lang="ru-RU" smtClean="0"/>
-              <a:t>14.11.2023</a:t>
+              <a:t>22.11.2023</a:t>
             </a:fld>
             <a:endParaRPr lang="ru-RU"/>
           </a:p>
@@ -490,7 +504,7 @@
           <a:p>
             <a:fld id="{4DFC802E-E380-4157-8B4B-9B0F0D44B88C}" type="datetimeFigureOut">
               <a:rPr lang="ru-RU" smtClean="0"/>
-              <a:t>14.11.2023</a:t>
+              <a:t>22.11.2023</a:t>
             </a:fld>
             <a:endParaRPr lang="ru-RU"/>
           </a:p>
@@ -670,7 +684,7 @@
           <a:p>
             <a:fld id="{4DFC802E-E380-4157-8B4B-9B0F0D44B88C}" type="datetimeFigureOut">
               <a:rPr lang="ru-RU" smtClean="0"/>
-              <a:t>14.11.2023</a:t>
+              <a:t>22.11.2023</a:t>
             </a:fld>
             <a:endParaRPr lang="ru-RU"/>
           </a:p>
@@ -840,7 +854,7 @@
           <a:p>
             <a:fld id="{4DFC802E-E380-4157-8B4B-9B0F0D44B88C}" type="datetimeFigureOut">
               <a:rPr lang="ru-RU" smtClean="0"/>
-              <a:t>14.11.2023</a:t>
+              <a:t>22.11.2023</a:t>
             </a:fld>
             <a:endParaRPr lang="ru-RU"/>
           </a:p>
@@ -1086,7 +1100,7 @@
           <a:p>
             <a:fld id="{4DFC802E-E380-4157-8B4B-9B0F0D44B88C}" type="datetimeFigureOut">
               <a:rPr lang="ru-RU" smtClean="0"/>
-              <a:t>14.11.2023</a:t>
+              <a:t>22.11.2023</a:t>
             </a:fld>
             <a:endParaRPr lang="ru-RU"/>
           </a:p>
@@ -1318,7 +1332,7 @@
           <a:p>
             <a:fld id="{4DFC802E-E380-4157-8B4B-9B0F0D44B88C}" type="datetimeFigureOut">
               <a:rPr lang="ru-RU" smtClean="0"/>
-              <a:t>14.11.2023</a:t>
+              <a:t>22.11.2023</a:t>
             </a:fld>
             <a:endParaRPr lang="ru-RU"/>
           </a:p>
@@ -1685,7 +1699,7 @@
           <a:p>
             <a:fld id="{4DFC802E-E380-4157-8B4B-9B0F0D44B88C}" type="datetimeFigureOut">
               <a:rPr lang="ru-RU" smtClean="0"/>
-              <a:t>14.11.2023</a:t>
+              <a:t>22.11.2023</a:t>
             </a:fld>
             <a:endParaRPr lang="ru-RU"/>
           </a:p>
@@ -1803,7 +1817,7 @@
           <a:p>
             <a:fld id="{4DFC802E-E380-4157-8B4B-9B0F0D44B88C}" type="datetimeFigureOut">
               <a:rPr lang="ru-RU" smtClean="0"/>
-              <a:t>14.11.2023</a:t>
+              <a:t>22.11.2023</a:t>
             </a:fld>
             <a:endParaRPr lang="ru-RU"/>
           </a:p>
@@ -1898,7 +1912,7 @@
           <a:p>
             <a:fld id="{4DFC802E-E380-4157-8B4B-9B0F0D44B88C}" type="datetimeFigureOut">
               <a:rPr lang="ru-RU" smtClean="0"/>
-              <a:t>14.11.2023</a:t>
+              <a:t>22.11.2023</a:t>
             </a:fld>
             <a:endParaRPr lang="ru-RU"/>
           </a:p>
@@ -2175,7 +2189,7 @@
           <a:p>
             <a:fld id="{4DFC802E-E380-4157-8B4B-9B0F0D44B88C}" type="datetimeFigureOut">
               <a:rPr lang="ru-RU" smtClean="0"/>
-              <a:t>14.11.2023</a:t>
+              <a:t>22.11.2023</a:t>
             </a:fld>
             <a:endParaRPr lang="ru-RU"/>
           </a:p>
@@ -2428,7 +2442,7 @@
           <a:p>
             <a:fld id="{4DFC802E-E380-4157-8B4B-9B0F0D44B88C}" type="datetimeFigureOut">
               <a:rPr lang="ru-RU" smtClean="0"/>
-              <a:t>14.11.2023</a:t>
+              <a:t>22.11.2023</a:t>
             </a:fld>
             <a:endParaRPr lang="ru-RU"/>
           </a:p>
@@ -2641,7 +2655,7 @@
           <a:p>
             <a:fld id="{4DFC802E-E380-4157-8B4B-9B0F0D44B88C}" type="datetimeFigureOut">
               <a:rPr lang="ru-RU" smtClean="0"/>
-              <a:t>14.11.2023</a:t>
+              <a:t>22.11.2023</a:t>
             </a:fld>
             <a:endParaRPr lang="ru-RU"/>
           </a:p>
@@ -4239,7 +4253,6 @@
               <a:rPr lang="ru-RU" sz="2400" dirty="0"/>
               <a:t>Это блок кода, который выполняется при вызове функции. Он начинается после заголовка функции и обычно отмечается отступами (обычно 4 пробелами или табуляцией). </a:t>
             </a:r>
-            <a:endParaRPr lang="ru-RU" sz="2400" dirty="0"/>
           </a:p>
         </p:txBody>
       </p:sp>
@@ -7744,7 +7757,6 @@
               <a:rPr lang="ru-RU" dirty="0"/>
               <a:t>Функция должна возвращать объем параллелепипеда.</a:t>
             </a:r>
-            <a:endParaRPr lang="ru-RU" dirty="0"/>
           </a:p>
         </p:txBody>
       </p:sp>
@@ -8861,7 +8873,6 @@
               <a:rPr lang="ru-RU" dirty="0"/>
               <a:t>— создадим функцию, которая умеет выводить результаты, набранные учеником в тесте:</a:t>
             </a:r>
-            <a:endParaRPr lang="ru-RU" dirty="0"/>
           </a:p>
         </p:txBody>
       </p:sp>
@@ -9122,7 +9133,6 @@
               <a:rPr lang="ru-RU" dirty="0"/>
               <a:t>Напишите функцию, которая принимает произвольное количество чисел в качестве аргументов и возвращает их сумму.</a:t>
             </a:r>
-            <a:endParaRPr lang="ru-RU" dirty="0"/>
           </a:p>
         </p:txBody>
       </p:sp>
@@ -9510,6 +9520,700 @@
 </p:sld>
 </file>
 
+<file path=ppt/slides/slide36.xml><?xml version="1.0" encoding="utf-8"?>
+<p:sld xmlns:a="http://schemas.openxmlformats.org/drawingml/2006/main" xmlns:r="http://schemas.openxmlformats.org/officeDocument/2006/relationships" xmlns:p="http://schemas.openxmlformats.org/presentationml/2006/main">
+  <p:cSld>
+    <p:spTree>
+      <p:nvGrpSpPr>
+        <p:cNvPr id="1" name=""/>
+        <p:cNvGrpSpPr/>
+        <p:nvPr/>
+      </p:nvGrpSpPr>
+      <p:grpSpPr>
+        <a:xfrm>
+          <a:off x="0" y="0"/>
+          <a:ext cx="0" cy="0"/>
+          <a:chOff x="0" y="0"/>
+          <a:chExt cx="0" cy="0"/>
+        </a:xfrm>
+      </p:grpSpPr>
+      <p:sp>
+        <p:nvSpPr>
+          <p:cNvPr id="2" name="Заголовок 1"/>
+          <p:cNvSpPr>
+            <a:spLocks noGrp="1"/>
+          </p:cNvSpPr>
+          <p:nvPr>
+            <p:ph type="title"/>
+          </p:nvPr>
+        </p:nvSpPr>
+        <p:spPr/>
+        <p:txBody>
+          <a:bodyPr/>
+          <a:lstStyle/>
+          <a:p>
+            <a:r>
+              <a:rPr lang="en-US" b="1" dirty="0"/>
+              <a:t>**</a:t>
+            </a:r>
+            <a:r>
+              <a:rPr lang="en-US" b="1" dirty="0" err="1"/>
+              <a:t>kwargs</a:t>
+            </a:r>
+            <a:endParaRPr lang="ru-RU" b="1" dirty="0"/>
+          </a:p>
+        </p:txBody>
+      </p:sp>
+      <p:sp>
+        <p:nvSpPr>
+          <p:cNvPr id="3" name="Объект 2"/>
+          <p:cNvSpPr>
+            <a:spLocks noGrp="1"/>
+          </p:cNvSpPr>
+          <p:nvPr>
+            <p:ph idx="1"/>
+          </p:nvPr>
+        </p:nvSpPr>
+        <p:spPr/>
+        <p:txBody>
+          <a:bodyPr/>
+          <a:lstStyle/>
+          <a:p>
+            <a:pPr marL="0" indent="0">
+              <a:buNone/>
+            </a:pPr>
+            <a:r>
+              <a:rPr lang="ru-RU" dirty="0" smtClean="0"/>
+              <a:t>Имя</a:t>
+            </a:r>
+            <a:r>
+              <a:rPr lang="en-US" dirty="0" smtClean="0"/>
+              <a:t> </a:t>
+            </a:r>
+            <a:r>
+              <a:rPr lang="ru-RU" dirty="0" smtClean="0"/>
+              <a:t>значения </a:t>
+            </a:r>
+            <a:r>
+              <a:rPr lang="ru-RU" dirty="0"/>
+              <a:t>не имеет. Главное — это два символа **. Благодаря им создаётся словарь, в котором содержатся именованные аргументы, переданные функции при её вызове.</a:t>
+            </a:r>
+          </a:p>
+        </p:txBody>
+      </p:sp>
+    </p:spTree>
+    <p:extLst>
+      <p:ext uri="{BB962C8B-B14F-4D97-AF65-F5344CB8AC3E}">
+        <p14:creationId xmlns:p14="http://schemas.microsoft.com/office/powerpoint/2010/main" val="566213443"/>
+      </p:ext>
+    </p:extLst>
+  </p:cSld>
+  <p:clrMapOvr>
+    <a:masterClrMapping/>
+  </p:clrMapOvr>
+</p:sld>
+</file>
+
+<file path=ppt/slides/slide37.xml><?xml version="1.0" encoding="utf-8"?>
+<p:sld xmlns:a="http://schemas.openxmlformats.org/drawingml/2006/main" xmlns:r="http://schemas.openxmlformats.org/officeDocument/2006/relationships" xmlns:p="http://schemas.openxmlformats.org/presentationml/2006/main">
+  <p:cSld>
+    <p:spTree>
+      <p:nvGrpSpPr>
+        <p:cNvPr id="1" name=""/>
+        <p:cNvGrpSpPr/>
+        <p:nvPr/>
+      </p:nvGrpSpPr>
+      <p:grpSpPr>
+        <a:xfrm>
+          <a:off x="0" y="0"/>
+          <a:ext cx="0" cy="0"/>
+          <a:chOff x="0" y="0"/>
+          <a:chExt cx="0" cy="0"/>
+        </a:xfrm>
+      </p:grpSpPr>
+      <p:sp>
+        <p:nvSpPr>
+          <p:cNvPr id="3" name="Объект 2"/>
+          <p:cNvSpPr>
+            <a:spLocks noGrp="1"/>
+          </p:cNvSpPr>
+          <p:nvPr>
+            <p:ph idx="1"/>
+          </p:nvPr>
+        </p:nvSpPr>
+        <p:spPr>
+          <a:xfrm>
+            <a:off x="923658" y="1782896"/>
+            <a:ext cx="10515600" cy="4351338"/>
+          </a:xfrm>
+        </p:spPr>
+        <p:txBody>
+          <a:bodyPr>
+            <a:normAutofit/>
+          </a:bodyPr>
+          <a:lstStyle/>
+          <a:p>
+            <a:pPr marL="0" indent="0">
+              <a:buNone/>
+            </a:pPr>
+            <a:r>
+              <a:rPr lang="en-US" sz="3600" dirty="0" err="1">
+                <a:solidFill>
+                  <a:srgbClr val="FF0000"/>
+                </a:solidFill>
+              </a:rPr>
+              <a:t>def</a:t>
+            </a:r>
+            <a:r>
+              <a:rPr lang="en-US" sz="3600" dirty="0">
+                <a:solidFill>
+                  <a:srgbClr val="FF0000"/>
+                </a:solidFill>
+              </a:rPr>
+              <a:t> </a:t>
+            </a:r>
+            <a:r>
+              <a:rPr lang="en-US" sz="3600" dirty="0" err="1">
+                <a:solidFill>
+                  <a:srgbClr val="FF0000"/>
+                </a:solidFill>
+              </a:rPr>
+              <a:t>printPetNames</a:t>
+            </a:r>
+            <a:r>
+              <a:rPr lang="en-US" sz="3600" dirty="0">
+                <a:solidFill>
+                  <a:srgbClr val="FF0000"/>
+                </a:solidFill>
+              </a:rPr>
+              <a:t>(owner, **pets):</a:t>
+            </a:r>
+          </a:p>
+          <a:p>
+            <a:pPr marL="457200" lvl="1" indent="0">
+              <a:buNone/>
+            </a:pPr>
+            <a:r>
+              <a:rPr lang="en-US" sz="3600" dirty="0">
+                <a:solidFill>
+                  <a:srgbClr val="FF0000"/>
+                </a:solidFill>
+              </a:rPr>
+              <a:t>   </a:t>
+            </a:r>
+            <a:r>
+              <a:rPr lang="en-US" sz="3600" dirty="0" smtClean="0">
+                <a:solidFill>
+                  <a:srgbClr val="FF0000"/>
+                </a:solidFill>
+              </a:rPr>
+              <a:t> print(</a:t>
+            </a:r>
+            <a:r>
+              <a:rPr lang="en-US" sz="3600" dirty="0" err="1" smtClean="0">
+                <a:solidFill>
+                  <a:srgbClr val="FF0000"/>
+                </a:solidFill>
+              </a:rPr>
+              <a:t>f"Owner</a:t>
+            </a:r>
+            <a:r>
+              <a:rPr lang="en-US" sz="3600" dirty="0" smtClean="0">
+                <a:solidFill>
+                  <a:srgbClr val="FF0000"/>
+                </a:solidFill>
+              </a:rPr>
+              <a:t> </a:t>
+            </a:r>
+            <a:r>
+              <a:rPr lang="en-US" sz="3600" dirty="0">
+                <a:solidFill>
+                  <a:srgbClr val="FF0000"/>
+                </a:solidFill>
+              </a:rPr>
+              <a:t>Name: {owner}")</a:t>
+            </a:r>
+          </a:p>
+          <a:p>
+            <a:pPr marL="457200" lvl="1" indent="0">
+              <a:buNone/>
+            </a:pPr>
+            <a:r>
+              <a:rPr lang="en-US" sz="3600" dirty="0">
+                <a:solidFill>
+                  <a:srgbClr val="FF0000"/>
+                </a:solidFill>
+              </a:rPr>
+              <a:t>   </a:t>
+            </a:r>
+            <a:r>
+              <a:rPr lang="en-US" sz="3600" dirty="0" smtClean="0">
+                <a:solidFill>
+                  <a:srgbClr val="FF0000"/>
+                </a:solidFill>
+              </a:rPr>
+              <a:t> for </a:t>
+            </a:r>
+            <a:r>
+              <a:rPr lang="en-US" sz="3600" dirty="0" err="1">
+                <a:solidFill>
+                  <a:srgbClr val="FF0000"/>
+                </a:solidFill>
+              </a:rPr>
+              <a:t>pet,name</a:t>
+            </a:r>
+            <a:r>
+              <a:rPr lang="en-US" sz="3600" dirty="0">
+                <a:solidFill>
+                  <a:srgbClr val="FF0000"/>
+                </a:solidFill>
+              </a:rPr>
+              <a:t> in </a:t>
+            </a:r>
+            <a:r>
+              <a:rPr lang="en-US" sz="3600" dirty="0" err="1">
+                <a:solidFill>
+                  <a:srgbClr val="FF0000"/>
+                </a:solidFill>
+              </a:rPr>
+              <a:t>pets.items</a:t>
+            </a:r>
+            <a:r>
+              <a:rPr lang="en-US" sz="3600" dirty="0" smtClean="0">
+                <a:solidFill>
+                  <a:srgbClr val="FF0000"/>
+                </a:solidFill>
+              </a:rPr>
+              <a:t>():</a:t>
+            </a:r>
+          </a:p>
+          <a:p>
+            <a:pPr marL="457200" lvl="1" indent="0">
+              <a:buNone/>
+            </a:pPr>
+            <a:r>
+              <a:rPr lang="en-US" sz="3600" dirty="0" smtClean="0">
+                <a:solidFill>
+                  <a:srgbClr val="FF0000"/>
+                </a:solidFill>
+              </a:rPr>
+              <a:t>	</a:t>
+            </a:r>
+            <a:r>
+              <a:rPr lang="en-US" sz="3600" dirty="0">
+                <a:solidFill>
+                  <a:srgbClr val="FF0000"/>
+                </a:solidFill>
+              </a:rPr>
+              <a:t>	</a:t>
+            </a:r>
+            <a:r>
+              <a:rPr lang="en-US" sz="3600" dirty="0" smtClean="0">
+                <a:solidFill>
+                  <a:srgbClr val="FF0000"/>
+                </a:solidFill>
+              </a:rPr>
+              <a:t>print(f</a:t>
+            </a:r>
+            <a:r>
+              <a:rPr lang="en-US" sz="3600" dirty="0">
+                <a:solidFill>
+                  <a:srgbClr val="FF0000"/>
+                </a:solidFill>
+              </a:rPr>
+              <a:t>"{pet}: {name</a:t>
+            </a:r>
+            <a:r>
+              <a:rPr lang="en-US" sz="3600" dirty="0" smtClean="0">
+                <a:solidFill>
+                  <a:srgbClr val="FF0000"/>
+                </a:solidFill>
+              </a:rPr>
+              <a:t>}")</a:t>
+            </a:r>
+          </a:p>
+          <a:p>
+            <a:pPr marL="457200" lvl="1" indent="0">
+              <a:buNone/>
+            </a:pPr>
+            <a:endParaRPr lang="en-US" sz="3600" dirty="0">
+              <a:solidFill>
+                <a:srgbClr val="FF0000"/>
+              </a:solidFill>
+            </a:endParaRPr>
+          </a:p>
+          <a:p>
+            <a:pPr marL="0" indent="0">
+              <a:buNone/>
+            </a:pPr>
+            <a:r>
+              <a:rPr lang="en-US" sz="3600" dirty="0" err="1">
+                <a:solidFill>
+                  <a:srgbClr val="FF0000"/>
+                </a:solidFill>
+              </a:rPr>
+              <a:t>printPetNames</a:t>
+            </a:r>
+            <a:r>
+              <a:rPr lang="en-US" sz="3600" dirty="0">
+                <a:solidFill>
+                  <a:srgbClr val="FF0000"/>
+                </a:solidFill>
+              </a:rPr>
+              <a:t>("Jonathan", dog="Brock", fish=["Larry", "Curly", "Moe"], turtle="</a:t>
+            </a:r>
+            <a:r>
+              <a:rPr lang="en-US" sz="3600" dirty="0" err="1">
+                <a:solidFill>
+                  <a:srgbClr val="FF0000"/>
+                </a:solidFill>
+              </a:rPr>
+              <a:t>Shelldon</a:t>
+            </a:r>
+            <a:r>
+              <a:rPr lang="en-US" sz="3600" dirty="0">
+                <a:solidFill>
+                  <a:srgbClr val="FF0000"/>
+                </a:solidFill>
+              </a:rPr>
+              <a:t>")</a:t>
+            </a:r>
+            <a:endParaRPr lang="ru-RU" sz="3600" dirty="0">
+              <a:solidFill>
+                <a:srgbClr val="FF0000"/>
+              </a:solidFill>
+            </a:endParaRPr>
+          </a:p>
+        </p:txBody>
+      </p:sp>
+    </p:spTree>
+    <p:extLst>
+      <p:ext uri="{BB962C8B-B14F-4D97-AF65-F5344CB8AC3E}">
+        <p14:creationId xmlns:p14="http://schemas.microsoft.com/office/powerpoint/2010/main" val="665674196"/>
+      </p:ext>
+    </p:extLst>
+  </p:cSld>
+  <p:clrMapOvr>
+    <a:masterClrMapping/>
+  </p:clrMapOvr>
+</p:sld>
+</file>
+
+<file path=ppt/slides/slide38.xml><?xml version="1.0" encoding="utf-8"?>
+<p:sld xmlns:a="http://schemas.openxmlformats.org/drawingml/2006/main" xmlns:r="http://schemas.openxmlformats.org/officeDocument/2006/relationships" xmlns:p="http://schemas.openxmlformats.org/presentationml/2006/main">
+  <p:cSld>
+    <p:spTree>
+      <p:nvGrpSpPr>
+        <p:cNvPr id="1" name=""/>
+        <p:cNvGrpSpPr/>
+        <p:nvPr/>
+      </p:nvGrpSpPr>
+      <p:grpSpPr>
+        <a:xfrm>
+          <a:off x="0" y="0"/>
+          <a:ext cx="0" cy="0"/>
+          <a:chOff x="0" y="0"/>
+          <a:chExt cx="0" cy="0"/>
+        </a:xfrm>
+      </p:grpSpPr>
+      <p:sp>
+        <p:nvSpPr>
+          <p:cNvPr id="3" name="Объект 2"/>
+          <p:cNvSpPr>
+            <a:spLocks noGrp="1"/>
+          </p:cNvSpPr>
+          <p:nvPr>
+            <p:ph idx="1"/>
+          </p:nvPr>
+        </p:nvSpPr>
+        <p:spPr>
+          <a:xfrm>
+            <a:off x="838200" y="213645"/>
+            <a:ext cx="10515600" cy="6400800"/>
+          </a:xfrm>
+        </p:spPr>
+        <p:txBody>
+          <a:bodyPr>
+            <a:normAutofit/>
+          </a:bodyPr>
+          <a:lstStyle/>
+          <a:p>
+            <a:r>
+              <a:rPr lang="ru-RU" dirty="0"/>
+              <a:t>Используйте общепринятые конструкции *</a:t>
+            </a:r>
+            <a:r>
+              <a:rPr lang="ru-RU" dirty="0" err="1"/>
+              <a:t>args</a:t>
+            </a:r>
+            <a:r>
+              <a:rPr lang="ru-RU" dirty="0"/>
+              <a:t> и **</a:t>
+            </a:r>
+            <a:r>
+              <a:rPr lang="ru-RU" dirty="0" err="1"/>
+              <a:t>kwargs</a:t>
+            </a:r>
+            <a:r>
+              <a:rPr lang="ru-RU" dirty="0"/>
+              <a:t> для захвата позиционных и именованных аргументов</a:t>
+            </a:r>
+            <a:r>
+              <a:rPr lang="ru-RU" dirty="0" smtClean="0"/>
+              <a:t>.</a:t>
+            </a:r>
+            <a:endParaRPr lang="en-US" dirty="0"/>
+          </a:p>
+          <a:p>
+            <a:endParaRPr lang="ru-RU" dirty="0"/>
+          </a:p>
+          <a:p>
+            <a:r>
+              <a:rPr lang="ru-RU" dirty="0"/>
+              <a:t>Конструкцию **</a:t>
+            </a:r>
+            <a:r>
+              <a:rPr lang="ru-RU" dirty="0" err="1"/>
+              <a:t>kwargs</a:t>
+            </a:r>
+            <a:r>
+              <a:rPr lang="ru-RU" dirty="0"/>
+              <a:t> нельзя располагать до *</a:t>
+            </a:r>
+            <a:r>
+              <a:rPr lang="ru-RU" dirty="0" err="1"/>
+              <a:t>args</a:t>
+            </a:r>
+            <a:r>
+              <a:rPr lang="ru-RU" dirty="0"/>
+              <a:t>. Если это сделать — будет выдано сообщение об ошибке</a:t>
+            </a:r>
+            <a:r>
+              <a:rPr lang="ru-RU" dirty="0" smtClean="0"/>
+              <a:t>.</a:t>
+            </a:r>
+            <a:endParaRPr lang="en-US" dirty="0" smtClean="0"/>
+          </a:p>
+          <a:p>
+            <a:endParaRPr lang="ru-RU" dirty="0"/>
+          </a:p>
+          <a:p>
+            <a:r>
+              <a:rPr lang="ru-RU" dirty="0"/>
+              <a:t>Остерегайтесь конфликтов между именованными параметрами и **</a:t>
+            </a:r>
+            <a:r>
+              <a:rPr lang="ru-RU" dirty="0" err="1"/>
+              <a:t>kwargs</a:t>
+            </a:r>
+            <a:r>
+              <a:rPr lang="ru-RU" dirty="0"/>
+              <a:t>, в случаях, когда значение планируется передать как **</a:t>
+            </a:r>
+            <a:r>
+              <a:rPr lang="ru-RU" dirty="0" err="1"/>
+              <a:t>kwarg</a:t>
+            </a:r>
+            <a:r>
+              <a:rPr lang="ru-RU" dirty="0"/>
+              <a:t>-аргумент, но имя ключа этого значения совпадает с именем именованного параметра</a:t>
+            </a:r>
+            <a:r>
+              <a:rPr lang="ru-RU" dirty="0" smtClean="0"/>
+              <a:t>.</a:t>
+            </a:r>
+            <a:endParaRPr lang="en-US" dirty="0" smtClean="0"/>
+          </a:p>
+          <a:p>
+            <a:endParaRPr lang="ru-RU" dirty="0"/>
+          </a:p>
+          <a:p>
+            <a:r>
+              <a:rPr lang="ru-RU" dirty="0"/>
+              <a:t>Оператор *можно использовать не только в объявлениях функций, но и при их вызове.</a:t>
+            </a:r>
+          </a:p>
+        </p:txBody>
+      </p:sp>
+    </p:spTree>
+    <p:extLst>
+      <p:ext uri="{BB962C8B-B14F-4D97-AF65-F5344CB8AC3E}">
+        <p14:creationId xmlns:p14="http://schemas.microsoft.com/office/powerpoint/2010/main" val="110909530"/>
+      </p:ext>
+    </p:extLst>
+  </p:cSld>
+  <p:clrMapOvr>
+    <a:masterClrMapping/>
+  </p:clrMapOvr>
+</p:sld>
+</file>
+
+<file path=ppt/slides/slide39.xml><?xml version="1.0" encoding="utf-8"?>
+<p:sld xmlns:a="http://schemas.openxmlformats.org/drawingml/2006/main" xmlns:r="http://schemas.openxmlformats.org/officeDocument/2006/relationships" xmlns:p="http://schemas.openxmlformats.org/presentationml/2006/main">
+  <p:cSld>
+    <p:spTree>
+      <p:nvGrpSpPr>
+        <p:cNvPr id="1" name=""/>
+        <p:cNvGrpSpPr/>
+        <p:nvPr/>
+      </p:nvGrpSpPr>
+      <p:grpSpPr>
+        <a:xfrm>
+          <a:off x="0" y="0"/>
+          <a:ext cx="0" cy="0"/>
+          <a:chOff x="0" y="0"/>
+          <a:chExt cx="0" cy="0"/>
+        </a:xfrm>
+      </p:grpSpPr>
+      <p:sp>
+        <p:nvSpPr>
+          <p:cNvPr id="3" name="Объект 2"/>
+          <p:cNvSpPr>
+            <a:spLocks noGrp="1"/>
+          </p:cNvSpPr>
+          <p:nvPr>
+            <p:ph idx="1"/>
+          </p:nvPr>
+        </p:nvSpPr>
+        <p:spPr>
+          <a:xfrm>
+            <a:off x="838200" y="333286"/>
+            <a:ext cx="10515600" cy="5843677"/>
+          </a:xfrm>
+        </p:spPr>
+        <p:txBody>
+          <a:bodyPr/>
+          <a:lstStyle/>
+          <a:p>
+            <a:pPr marL="0" indent="0">
+              <a:buNone/>
+            </a:pPr>
+            <a:r>
+              <a:rPr lang="en-US" dirty="0" err="1"/>
+              <a:t>def</a:t>
+            </a:r>
+            <a:r>
+              <a:rPr lang="en-US" dirty="0"/>
+              <a:t> </a:t>
+            </a:r>
+            <a:r>
+              <a:rPr lang="en-US" dirty="0" err="1"/>
+              <a:t>my_func</a:t>
+            </a:r>
+            <a:r>
+              <a:rPr lang="en-US" dirty="0"/>
+              <a:t>(a, b):</a:t>
+            </a:r>
+          </a:p>
+          <a:p>
+            <a:pPr marL="0" indent="0">
+              <a:buNone/>
+            </a:pPr>
+            <a:r>
+              <a:rPr lang="en-US" dirty="0"/>
+              <a:t>    print(a, b)</a:t>
+            </a:r>
+          </a:p>
+          <a:p>
+            <a:pPr marL="0" indent="0">
+              <a:buNone/>
+            </a:pPr>
+            <a:endParaRPr lang="en-US" dirty="0"/>
+          </a:p>
+          <a:p>
+            <a:pPr marL="0" indent="0">
+              <a:buNone/>
+            </a:pPr>
+            <a:r>
+              <a:rPr lang="en-US" dirty="0" err="1" smtClean="0"/>
+              <a:t>my_func</a:t>
+            </a:r>
+            <a:r>
+              <a:rPr lang="en-US" dirty="0" smtClean="0"/>
+              <a:t>(2</a:t>
+            </a:r>
+            <a:r>
+              <a:rPr lang="en-US" dirty="0"/>
+              <a:t>, </a:t>
+            </a:r>
+            <a:r>
+              <a:rPr lang="en-US" dirty="0" smtClean="0"/>
+              <a:t>4)</a:t>
+            </a:r>
+          </a:p>
+          <a:p>
+            <a:pPr marL="0" indent="0">
+              <a:buNone/>
+            </a:pPr>
+            <a:r>
+              <a:rPr lang="en-US" dirty="0" err="1" smtClean="0"/>
+              <a:t>my_func</a:t>
+            </a:r>
+            <a:r>
+              <a:rPr lang="en-US" dirty="0" smtClean="0"/>
+              <a:t>(b=2</a:t>
+            </a:r>
+            <a:r>
+              <a:rPr lang="en-US" dirty="0"/>
+              <a:t>, a=4) </a:t>
+            </a:r>
+            <a:endParaRPr lang="en-US" dirty="0" smtClean="0"/>
+          </a:p>
+          <a:p>
+            <a:pPr marL="0" indent="0">
+              <a:buNone/>
+            </a:pPr>
+            <a:r>
+              <a:rPr lang="en-US" dirty="0" err="1" smtClean="0"/>
+              <a:t>my_func</a:t>
+            </a:r>
+            <a:r>
+              <a:rPr lang="en-US" dirty="0" smtClean="0"/>
+              <a:t>(2</a:t>
+            </a:r>
+            <a:r>
+              <a:rPr lang="en-US" dirty="0"/>
+              <a:t>, b=4) </a:t>
+            </a:r>
+            <a:endParaRPr lang="en-US" dirty="0" smtClean="0"/>
+          </a:p>
+          <a:p>
+            <a:pPr marL="0" indent="0">
+              <a:buNone/>
+            </a:pPr>
+            <a:r>
+              <a:rPr lang="en-US" dirty="0" err="1" smtClean="0"/>
+              <a:t>my_func</a:t>
+            </a:r>
+            <a:r>
+              <a:rPr lang="en-US" dirty="0" smtClean="0"/>
+              <a:t>(a=2</a:t>
+            </a:r>
+            <a:r>
+              <a:rPr lang="en-US" dirty="0"/>
+              <a:t>, </a:t>
+            </a:r>
+            <a:r>
+              <a:rPr lang="en-US" dirty="0" smtClean="0"/>
+              <a:t>4)</a:t>
+            </a:r>
+            <a:endParaRPr lang="ru-RU" dirty="0"/>
+          </a:p>
+        </p:txBody>
+      </p:sp>
+    </p:spTree>
+    <p:extLst>
+      <p:ext uri="{BB962C8B-B14F-4D97-AF65-F5344CB8AC3E}">
+        <p14:creationId xmlns:p14="http://schemas.microsoft.com/office/powerpoint/2010/main" val="2960931253"/>
+      </p:ext>
+    </p:extLst>
+  </p:cSld>
+  <p:clrMapOvr>
+    <a:masterClrMapping/>
+  </p:clrMapOvr>
+</p:sld>
+</file>
+
 <file path=ppt/slides/slide4.xml><?xml version="1.0" encoding="utf-8"?>
 <p:sld xmlns:a="http://schemas.openxmlformats.org/drawingml/2006/main" xmlns:r="http://schemas.openxmlformats.org/officeDocument/2006/relationships" xmlns:p="http://schemas.openxmlformats.org/presentationml/2006/main">
   <p:cSld>
@@ -9630,6 +10334,499 @@
     <p:extLst>
       <p:ext uri="{BB962C8B-B14F-4D97-AF65-F5344CB8AC3E}">
         <p14:creationId xmlns:p14="http://schemas.microsoft.com/office/powerpoint/2010/main" val="2151616894"/>
+      </p:ext>
+    </p:extLst>
+  </p:cSld>
+  <p:clrMapOvr>
+    <a:masterClrMapping/>
+  </p:clrMapOvr>
+</p:sld>
+</file>
+
+<file path=ppt/slides/slide40.xml><?xml version="1.0" encoding="utf-8"?>
+<p:sld xmlns:a="http://schemas.openxmlformats.org/drawingml/2006/main" xmlns:r="http://schemas.openxmlformats.org/officeDocument/2006/relationships" xmlns:p="http://schemas.openxmlformats.org/presentationml/2006/main">
+  <p:cSld>
+    <p:spTree>
+      <p:nvGrpSpPr>
+        <p:cNvPr id="1" name=""/>
+        <p:cNvGrpSpPr/>
+        <p:nvPr/>
+      </p:nvGrpSpPr>
+      <p:grpSpPr>
+        <a:xfrm>
+          <a:off x="0" y="0"/>
+          <a:ext cx="0" cy="0"/>
+          <a:chOff x="0" y="0"/>
+          <a:chExt cx="0" cy="0"/>
+        </a:xfrm>
+      </p:grpSpPr>
+      <p:sp>
+        <p:nvSpPr>
+          <p:cNvPr id="3" name="Объект 2"/>
+          <p:cNvSpPr>
+            <a:spLocks noGrp="1"/>
+          </p:cNvSpPr>
+          <p:nvPr>
+            <p:ph idx="1"/>
+          </p:nvPr>
+        </p:nvSpPr>
+        <p:spPr>
+          <a:xfrm>
+            <a:off x="838200" y="333286"/>
+            <a:ext cx="10515600" cy="5843677"/>
+          </a:xfrm>
+        </p:spPr>
+        <p:txBody>
+          <a:bodyPr/>
+          <a:lstStyle/>
+          <a:p>
+            <a:pPr marL="0" indent="0">
+              <a:buNone/>
+            </a:pPr>
+            <a:r>
+              <a:rPr lang="en-US" b="1" dirty="0" err="1"/>
+              <a:t>def</a:t>
+            </a:r>
+            <a:r>
+              <a:rPr lang="en-US" dirty="0"/>
+              <a:t> </a:t>
+            </a:r>
+            <a:r>
+              <a:rPr lang="en-US" b="1" dirty="0" err="1"/>
+              <a:t>my_func</a:t>
+            </a:r>
+            <a:r>
+              <a:rPr lang="en-US" dirty="0"/>
+              <a:t>(*</a:t>
+            </a:r>
+            <a:r>
+              <a:rPr lang="en-US" dirty="0" err="1"/>
+              <a:t>args</a:t>
+            </a:r>
+            <a:r>
+              <a:rPr lang="en-US" dirty="0" smtClean="0"/>
+              <a:t>):</a:t>
+            </a:r>
+          </a:p>
+          <a:p>
+            <a:pPr marL="0" indent="0">
+              <a:buNone/>
+            </a:pPr>
+            <a:r>
+              <a:rPr lang="en-US" dirty="0"/>
+              <a:t>	</a:t>
+            </a:r>
+            <a:r>
+              <a:rPr lang="en-US" dirty="0" smtClean="0"/>
+              <a:t>print(</a:t>
+            </a:r>
+            <a:r>
+              <a:rPr lang="en-US" dirty="0" err="1" smtClean="0"/>
+              <a:t>args</a:t>
+            </a:r>
+            <a:r>
+              <a:rPr lang="en-US" dirty="0"/>
+              <a:t>) </a:t>
+            </a:r>
+            <a:endParaRPr lang="en-US" i="1" dirty="0" smtClean="0"/>
+          </a:p>
+          <a:p>
+            <a:pPr marL="0" indent="0">
+              <a:buNone/>
+            </a:pPr>
+            <a:endParaRPr lang="en-US" i="1" dirty="0"/>
+          </a:p>
+          <a:p>
+            <a:pPr marL="0" indent="0">
+              <a:buNone/>
+            </a:pPr>
+            <a:r>
+              <a:rPr lang="en-US" dirty="0" err="1" smtClean="0"/>
+              <a:t>my_func</a:t>
+            </a:r>
+            <a:r>
+              <a:rPr lang="en-US" dirty="0" smtClean="0"/>
+              <a:t>(2</a:t>
+            </a:r>
+            <a:r>
+              <a:rPr lang="en-US" dirty="0"/>
+              <a:t>, </a:t>
+            </a:r>
+            <a:r>
+              <a:rPr lang="en-US" dirty="0" smtClean="0"/>
+              <a:t>4)</a:t>
+            </a:r>
+          </a:p>
+          <a:p>
+            <a:pPr marL="0" indent="0">
+              <a:buNone/>
+            </a:pPr>
+            <a:r>
+              <a:rPr lang="en-US" dirty="0" err="1" smtClean="0"/>
+              <a:t>my_func</a:t>
+            </a:r>
+            <a:r>
+              <a:rPr lang="en-US" dirty="0" smtClean="0"/>
+              <a:t>()</a:t>
+            </a:r>
+          </a:p>
+          <a:p>
+            <a:pPr marL="0" indent="0">
+              <a:buNone/>
+            </a:pPr>
+            <a:r>
+              <a:rPr lang="en-US" dirty="0" err="1" smtClean="0"/>
+              <a:t>my_func</a:t>
+            </a:r>
+            <a:r>
+              <a:rPr lang="en-US" dirty="0" smtClean="0"/>
+              <a:t>(2</a:t>
+            </a:r>
+            <a:r>
+              <a:rPr lang="en-US" dirty="0"/>
+              <a:t>, 4, key=10)</a:t>
+            </a:r>
+            <a:endParaRPr lang="ru-RU" dirty="0"/>
+          </a:p>
+        </p:txBody>
+      </p:sp>
+    </p:spTree>
+    <p:extLst>
+      <p:ext uri="{BB962C8B-B14F-4D97-AF65-F5344CB8AC3E}">
+        <p14:creationId xmlns:p14="http://schemas.microsoft.com/office/powerpoint/2010/main" val="2430004450"/>
+      </p:ext>
+    </p:extLst>
+  </p:cSld>
+  <p:clrMapOvr>
+    <a:masterClrMapping/>
+  </p:clrMapOvr>
+</p:sld>
+</file>
+
+<file path=ppt/slides/slide41.xml><?xml version="1.0" encoding="utf-8"?>
+<p:sld xmlns:a="http://schemas.openxmlformats.org/drawingml/2006/main" xmlns:r="http://schemas.openxmlformats.org/officeDocument/2006/relationships" xmlns:p="http://schemas.openxmlformats.org/presentationml/2006/main">
+  <p:cSld>
+    <p:spTree>
+      <p:nvGrpSpPr>
+        <p:cNvPr id="1" name=""/>
+        <p:cNvGrpSpPr/>
+        <p:nvPr/>
+      </p:nvGrpSpPr>
+      <p:grpSpPr>
+        <a:xfrm>
+          <a:off x="0" y="0"/>
+          <a:ext cx="0" cy="0"/>
+          <a:chOff x="0" y="0"/>
+          <a:chExt cx="0" cy="0"/>
+        </a:xfrm>
+      </p:grpSpPr>
+      <p:sp>
+        <p:nvSpPr>
+          <p:cNvPr id="3" name="Объект 2"/>
+          <p:cNvSpPr>
+            <a:spLocks noGrp="1"/>
+          </p:cNvSpPr>
+          <p:nvPr>
+            <p:ph idx="1"/>
+          </p:nvPr>
+        </p:nvSpPr>
+        <p:spPr>
+          <a:xfrm>
+            <a:off x="838200" y="333286"/>
+            <a:ext cx="10515600" cy="5843677"/>
+          </a:xfrm>
+        </p:spPr>
+        <p:txBody>
+          <a:bodyPr/>
+          <a:lstStyle/>
+          <a:p>
+            <a:pPr marL="0" indent="0">
+              <a:buNone/>
+            </a:pPr>
+            <a:r>
+              <a:rPr lang="en-US" b="1" dirty="0" err="1"/>
+              <a:t>def</a:t>
+            </a:r>
+            <a:r>
+              <a:rPr lang="en-US" dirty="0"/>
+              <a:t> </a:t>
+            </a:r>
+            <a:r>
+              <a:rPr lang="en-US" b="1" dirty="0" err="1"/>
+              <a:t>my_func</a:t>
+            </a:r>
+            <a:r>
+              <a:rPr lang="en-US" dirty="0"/>
+              <a:t>(**</a:t>
+            </a:r>
+            <a:r>
+              <a:rPr lang="en-US" dirty="0" err="1"/>
+              <a:t>kwargs</a:t>
+            </a:r>
+            <a:r>
+              <a:rPr lang="en-US" dirty="0" smtClean="0"/>
+              <a:t>):</a:t>
+            </a:r>
+          </a:p>
+          <a:p>
+            <a:pPr marL="0" indent="0">
+              <a:buNone/>
+            </a:pPr>
+            <a:r>
+              <a:rPr lang="en-US" dirty="0"/>
+              <a:t>	</a:t>
+            </a:r>
+            <a:r>
+              <a:rPr lang="en-US" dirty="0" smtClean="0"/>
+              <a:t>print(</a:t>
+            </a:r>
+            <a:r>
+              <a:rPr lang="en-US" dirty="0" err="1" smtClean="0"/>
+              <a:t>kwargs</a:t>
+            </a:r>
+            <a:endParaRPr lang="en-US" dirty="0" smtClean="0"/>
+          </a:p>
+          <a:p>
+            <a:pPr marL="0" indent="0">
+              <a:buNone/>
+            </a:pPr>
+            <a:endParaRPr lang="en-US" dirty="0"/>
+          </a:p>
+          <a:p>
+            <a:pPr marL="0" indent="0">
+              <a:buNone/>
+            </a:pPr>
+            <a:r>
+              <a:rPr lang="en-US" dirty="0" err="1" smtClean="0"/>
+              <a:t>my_func</a:t>
+            </a:r>
+            <a:r>
+              <a:rPr lang="en-US" dirty="0" smtClean="0"/>
+              <a:t>()</a:t>
+            </a:r>
+          </a:p>
+          <a:p>
+            <a:pPr marL="0" indent="0">
+              <a:buNone/>
+            </a:pPr>
+            <a:r>
+              <a:rPr lang="en-US" dirty="0" err="1" smtClean="0"/>
+              <a:t>my_func</a:t>
+            </a:r>
+            <a:r>
+              <a:rPr lang="en-US" dirty="0" smtClean="0"/>
+              <a:t>(a=5</a:t>
+            </a:r>
+            <a:r>
+              <a:rPr lang="en-US" dirty="0"/>
+              <a:t>, b=10, </a:t>
+            </a:r>
+            <a:r>
+              <a:rPr lang="en-US" dirty="0" smtClean="0"/>
+              <a:t>c=15)</a:t>
+            </a:r>
+            <a:endParaRPr lang="en-US" dirty="0"/>
+          </a:p>
+          <a:p>
+            <a:pPr marL="0" indent="0">
+              <a:buNone/>
+            </a:pPr>
+            <a:r>
+              <a:rPr lang="en-US" dirty="0" err="1" smtClean="0"/>
+              <a:t>my_func</a:t>
+            </a:r>
+            <a:r>
+              <a:rPr lang="en-US" dirty="0" smtClean="0"/>
+              <a:t>(a=5</a:t>
+            </a:r>
+            <a:r>
+              <a:rPr lang="en-US" dirty="0"/>
+              <a:t>, b=10, 8)</a:t>
+            </a:r>
+            <a:endParaRPr lang="ru-RU" dirty="0"/>
+          </a:p>
+        </p:txBody>
+      </p:sp>
+    </p:spTree>
+    <p:extLst>
+      <p:ext uri="{BB962C8B-B14F-4D97-AF65-F5344CB8AC3E}">
+        <p14:creationId xmlns:p14="http://schemas.microsoft.com/office/powerpoint/2010/main" val="3465047810"/>
+      </p:ext>
+    </p:extLst>
+  </p:cSld>
+  <p:clrMapOvr>
+    <a:masterClrMapping/>
+  </p:clrMapOvr>
+</p:sld>
+</file>
+
+<file path=ppt/slides/slide42.xml><?xml version="1.0" encoding="utf-8"?>
+<p:sld xmlns:a="http://schemas.openxmlformats.org/drawingml/2006/main" xmlns:r="http://schemas.openxmlformats.org/officeDocument/2006/relationships" xmlns:p="http://schemas.openxmlformats.org/presentationml/2006/main">
+  <p:cSld>
+    <p:spTree>
+      <p:nvGrpSpPr>
+        <p:cNvPr id="1" name=""/>
+        <p:cNvGrpSpPr/>
+        <p:nvPr/>
+      </p:nvGrpSpPr>
+      <p:grpSpPr>
+        <a:xfrm>
+          <a:off x="0" y="0"/>
+          <a:ext cx="0" cy="0"/>
+          <a:chOff x="0" y="0"/>
+          <a:chExt cx="0" cy="0"/>
+        </a:xfrm>
+      </p:grpSpPr>
+      <p:sp>
+        <p:nvSpPr>
+          <p:cNvPr id="3" name="Объект 2"/>
+          <p:cNvSpPr>
+            <a:spLocks noGrp="1"/>
+          </p:cNvSpPr>
+          <p:nvPr>
+            <p:ph idx="1"/>
+          </p:nvPr>
+        </p:nvSpPr>
+        <p:spPr>
+          <a:xfrm>
+            <a:off x="838200" y="333286"/>
+            <a:ext cx="10515600" cy="5843677"/>
+          </a:xfrm>
+        </p:spPr>
+        <p:txBody>
+          <a:bodyPr/>
+          <a:lstStyle/>
+          <a:p>
+            <a:pPr marL="0" indent="0">
+              <a:buNone/>
+            </a:pPr>
+            <a:r>
+              <a:rPr lang="en-US" b="1" dirty="0" err="1"/>
+              <a:t>def</a:t>
+            </a:r>
+            <a:r>
+              <a:rPr lang="en-US" dirty="0"/>
+              <a:t> </a:t>
+            </a:r>
+            <a:r>
+              <a:rPr lang="en-US" b="1" dirty="0" err="1"/>
+              <a:t>my_func</a:t>
+            </a:r>
+            <a:r>
+              <a:rPr lang="en-US" dirty="0"/>
+              <a:t>(a=5, b=10</a:t>
+            </a:r>
+            <a:r>
+              <a:rPr lang="en-US" dirty="0" smtClean="0"/>
+              <a:t>):</a:t>
+            </a:r>
+          </a:p>
+          <a:p>
+            <a:pPr marL="0" indent="0">
+              <a:buNone/>
+            </a:pPr>
+            <a:r>
+              <a:rPr lang="en-US" dirty="0"/>
+              <a:t>	</a:t>
+            </a:r>
+            <a:r>
+              <a:rPr lang="en-US" dirty="0" smtClean="0"/>
+              <a:t>print(a</a:t>
+            </a:r>
+            <a:r>
+              <a:rPr lang="en-US" dirty="0"/>
+              <a:t>, </a:t>
+            </a:r>
+            <a:r>
+              <a:rPr lang="en-US" dirty="0" smtClean="0"/>
+              <a:t>b</a:t>
+            </a:r>
+          </a:p>
+          <a:p>
+            <a:pPr marL="0" indent="0">
+              <a:buNone/>
+            </a:pPr>
+            <a:endParaRPr lang="en-US" dirty="0"/>
+          </a:p>
+          <a:p>
+            <a:pPr marL="0" indent="0">
+              <a:buNone/>
+            </a:pPr>
+            <a:r>
+              <a:rPr lang="en-US" dirty="0" err="1" smtClean="0"/>
+              <a:t>my_func</a:t>
+            </a:r>
+            <a:r>
+              <a:rPr lang="en-US" dirty="0" smtClean="0"/>
+              <a:t>()</a:t>
+            </a:r>
+          </a:p>
+          <a:p>
+            <a:pPr marL="0" indent="0">
+              <a:buNone/>
+            </a:pPr>
+            <a:r>
+              <a:rPr lang="en-US" dirty="0" err="1" smtClean="0"/>
+              <a:t>my_func</a:t>
+            </a:r>
+            <a:r>
+              <a:rPr lang="en-US" dirty="0" smtClean="0"/>
+              <a:t>(a=2</a:t>
+            </a:r>
+            <a:r>
+              <a:rPr lang="en-US" dirty="0"/>
+              <a:t>, </a:t>
+            </a:r>
+            <a:r>
+              <a:rPr lang="en-US" dirty="0" smtClean="0"/>
+              <a:t>b=3)</a:t>
+            </a:r>
+          </a:p>
+          <a:p>
+            <a:pPr marL="0" indent="0">
+              <a:buNone/>
+            </a:pPr>
+            <a:r>
+              <a:rPr lang="en-US" dirty="0" err="1" smtClean="0"/>
+              <a:t>my_func</a:t>
+            </a:r>
+            <a:r>
+              <a:rPr lang="en-US" dirty="0" smtClean="0"/>
+              <a:t>(b=1</a:t>
+            </a:r>
+            <a:r>
+              <a:rPr lang="en-US" dirty="0"/>
+              <a:t>, </a:t>
+            </a:r>
+            <a:r>
+              <a:rPr lang="en-US" dirty="0" smtClean="0"/>
+              <a:t>a=10)</a:t>
+            </a:r>
+          </a:p>
+          <a:p>
+            <a:pPr marL="0" indent="0">
+              <a:buNone/>
+            </a:pPr>
+            <a:r>
+              <a:rPr lang="en-US" dirty="0" err="1" smtClean="0"/>
+              <a:t>my_func</a:t>
+            </a:r>
+            <a:r>
+              <a:rPr lang="en-US" dirty="0" smtClean="0"/>
+              <a:t>(7</a:t>
+            </a:r>
+            <a:r>
+              <a:rPr lang="en-US" dirty="0"/>
+              <a:t>, 3)</a:t>
+            </a:r>
+            <a:endParaRPr lang="ru-RU" dirty="0"/>
+          </a:p>
+        </p:txBody>
+      </p:sp>
+    </p:spTree>
+    <p:extLst>
+      <p:ext uri="{BB962C8B-B14F-4D97-AF65-F5344CB8AC3E}">
+        <p14:creationId xmlns:p14="http://schemas.microsoft.com/office/powerpoint/2010/main" val="2010126327"/>
       </p:ext>
     </p:extLst>
   </p:cSld>

--- a/Презентация5.pptx
+++ b/Презентация5.pptx
@@ -47,6 +47,20 @@
     <p:sldId id="304" r:id="rId41"/>
     <p:sldId id="305" r:id="rId42"/>
     <p:sldId id="306" r:id="rId43"/>
+    <p:sldId id="307" r:id="rId44"/>
+    <p:sldId id="308" r:id="rId45"/>
+    <p:sldId id="309" r:id="rId46"/>
+    <p:sldId id="310" r:id="rId47"/>
+    <p:sldId id="311" r:id="rId48"/>
+    <p:sldId id="312" r:id="rId49"/>
+    <p:sldId id="313" r:id="rId50"/>
+    <p:sldId id="314" r:id="rId51"/>
+    <p:sldId id="315" r:id="rId52"/>
+    <p:sldId id="316" r:id="rId53"/>
+    <p:sldId id="317" r:id="rId54"/>
+    <p:sldId id="318" r:id="rId55"/>
+    <p:sldId id="319" r:id="rId56"/>
+    <p:sldId id="320" r:id="rId57"/>
   </p:sldIdLst>
   <p:sldSz cx="12192000" cy="6858000"/>
   <p:notesSz cx="6858000" cy="9144000"/>
@@ -192,6 +206,20 @@
             <p14:sldId id="304"/>
             <p14:sldId id="305"/>
             <p14:sldId id="306"/>
+            <p14:sldId id="307"/>
+            <p14:sldId id="308"/>
+            <p14:sldId id="309"/>
+            <p14:sldId id="310"/>
+            <p14:sldId id="311"/>
+            <p14:sldId id="312"/>
+            <p14:sldId id="313"/>
+            <p14:sldId id="314"/>
+            <p14:sldId id="315"/>
+            <p14:sldId id="316"/>
+            <p14:sldId id="317"/>
+            <p14:sldId id="318"/>
+            <p14:sldId id="319"/>
+            <p14:sldId id="320"/>
           </p14:sldIdLst>
         </p14:section>
       </p14:sectionLst>
@@ -334,7 +362,7 @@
           <a:p>
             <a:fld id="{4DFC802E-E380-4157-8B4B-9B0F0D44B88C}" type="datetimeFigureOut">
               <a:rPr lang="ru-RU" smtClean="0"/>
-              <a:t>22.11.2023</a:t>
+              <a:t>26.11.2023</a:t>
             </a:fld>
             <a:endParaRPr lang="ru-RU"/>
           </a:p>
@@ -504,7 +532,7 @@
           <a:p>
             <a:fld id="{4DFC802E-E380-4157-8B4B-9B0F0D44B88C}" type="datetimeFigureOut">
               <a:rPr lang="ru-RU" smtClean="0"/>
-              <a:t>22.11.2023</a:t>
+              <a:t>26.11.2023</a:t>
             </a:fld>
             <a:endParaRPr lang="ru-RU"/>
           </a:p>
@@ -684,7 +712,7 @@
           <a:p>
             <a:fld id="{4DFC802E-E380-4157-8B4B-9B0F0D44B88C}" type="datetimeFigureOut">
               <a:rPr lang="ru-RU" smtClean="0"/>
-              <a:t>22.11.2023</a:t>
+              <a:t>26.11.2023</a:t>
             </a:fld>
             <a:endParaRPr lang="ru-RU"/>
           </a:p>
@@ -854,7 +882,7 @@
           <a:p>
             <a:fld id="{4DFC802E-E380-4157-8B4B-9B0F0D44B88C}" type="datetimeFigureOut">
               <a:rPr lang="ru-RU" smtClean="0"/>
-              <a:t>22.11.2023</a:t>
+              <a:t>26.11.2023</a:t>
             </a:fld>
             <a:endParaRPr lang="ru-RU"/>
           </a:p>
@@ -1100,7 +1128,7 @@
           <a:p>
             <a:fld id="{4DFC802E-E380-4157-8B4B-9B0F0D44B88C}" type="datetimeFigureOut">
               <a:rPr lang="ru-RU" smtClean="0"/>
-              <a:t>22.11.2023</a:t>
+              <a:t>26.11.2023</a:t>
             </a:fld>
             <a:endParaRPr lang="ru-RU"/>
           </a:p>
@@ -1332,7 +1360,7 @@
           <a:p>
             <a:fld id="{4DFC802E-E380-4157-8B4B-9B0F0D44B88C}" type="datetimeFigureOut">
               <a:rPr lang="ru-RU" smtClean="0"/>
-              <a:t>22.11.2023</a:t>
+              <a:t>26.11.2023</a:t>
             </a:fld>
             <a:endParaRPr lang="ru-RU"/>
           </a:p>
@@ -1699,7 +1727,7 @@
           <a:p>
             <a:fld id="{4DFC802E-E380-4157-8B4B-9B0F0D44B88C}" type="datetimeFigureOut">
               <a:rPr lang="ru-RU" smtClean="0"/>
-              <a:t>22.11.2023</a:t>
+              <a:t>26.11.2023</a:t>
             </a:fld>
             <a:endParaRPr lang="ru-RU"/>
           </a:p>
@@ -1817,7 +1845,7 @@
           <a:p>
             <a:fld id="{4DFC802E-E380-4157-8B4B-9B0F0D44B88C}" type="datetimeFigureOut">
               <a:rPr lang="ru-RU" smtClean="0"/>
-              <a:t>22.11.2023</a:t>
+              <a:t>26.11.2023</a:t>
             </a:fld>
             <a:endParaRPr lang="ru-RU"/>
           </a:p>
@@ -1912,7 +1940,7 @@
           <a:p>
             <a:fld id="{4DFC802E-E380-4157-8B4B-9B0F0D44B88C}" type="datetimeFigureOut">
               <a:rPr lang="ru-RU" smtClean="0"/>
-              <a:t>22.11.2023</a:t>
+              <a:t>26.11.2023</a:t>
             </a:fld>
             <a:endParaRPr lang="ru-RU"/>
           </a:p>
@@ -2189,7 +2217,7 @@
           <a:p>
             <a:fld id="{4DFC802E-E380-4157-8B4B-9B0F0D44B88C}" type="datetimeFigureOut">
               <a:rPr lang="ru-RU" smtClean="0"/>
-              <a:t>22.11.2023</a:t>
+              <a:t>26.11.2023</a:t>
             </a:fld>
             <a:endParaRPr lang="ru-RU"/>
           </a:p>
@@ -2442,7 +2470,7 @@
           <a:p>
             <a:fld id="{4DFC802E-E380-4157-8B4B-9B0F0D44B88C}" type="datetimeFigureOut">
               <a:rPr lang="ru-RU" smtClean="0"/>
-              <a:t>22.11.2023</a:t>
+              <a:t>26.11.2023</a:t>
             </a:fld>
             <a:endParaRPr lang="ru-RU"/>
           </a:p>
@@ -2655,7 +2683,7 @@
           <a:p>
             <a:fld id="{4DFC802E-E380-4157-8B4B-9B0F0D44B88C}" type="datetimeFigureOut">
               <a:rPr lang="ru-RU" smtClean="0"/>
-              <a:t>22.11.2023</a:t>
+              <a:t>26.11.2023</a:t>
             </a:fld>
             <a:endParaRPr lang="ru-RU"/>
           </a:p>
@@ -10836,6 +10864,1201 @@
 </p:sld>
 </file>
 
+<file path=ppt/slides/slide43.xml><?xml version="1.0" encoding="utf-8"?>
+<p:sld xmlns:a="http://schemas.openxmlformats.org/drawingml/2006/main" xmlns:r="http://schemas.openxmlformats.org/officeDocument/2006/relationships" xmlns:p="http://schemas.openxmlformats.org/presentationml/2006/main">
+  <p:cSld>
+    <p:spTree>
+      <p:nvGrpSpPr>
+        <p:cNvPr id="1" name=""/>
+        <p:cNvGrpSpPr/>
+        <p:nvPr/>
+      </p:nvGrpSpPr>
+      <p:grpSpPr>
+        <a:xfrm>
+          <a:off x="0" y="0"/>
+          <a:ext cx="0" cy="0"/>
+          <a:chOff x="0" y="0"/>
+          <a:chExt cx="0" cy="0"/>
+        </a:xfrm>
+      </p:grpSpPr>
+      <p:sp>
+        <p:nvSpPr>
+          <p:cNvPr id="2" name="Заголовок 1"/>
+          <p:cNvSpPr>
+            <a:spLocks noGrp="1"/>
+          </p:cNvSpPr>
+          <p:nvPr>
+            <p:ph type="title"/>
+          </p:nvPr>
+        </p:nvSpPr>
+        <p:spPr/>
+        <p:txBody>
+          <a:bodyPr>
+            <a:normAutofit/>
+          </a:bodyPr>
+          <a:lstStyle/>
+          <a:p>
+            <a:r>
+              <a:rPr lang="ru-RU" b="1" dirty="0"/>
+              <a:t>Лямбда-функция в </a:t>
+            </a:r>
+            <a:r>
+              <a:rPr lang="ru-RU" b="1" dirty="0" err="1"/>
+              <a:t>Python</a:t>
+            </a:r>
+            <a:r>
+              <a:rPr lang="ru-RU" b="1" dirty="0"/>
+              <a:t> простыми </a:t>
+            </a:r>
+            <a:r>
+              <a:rPr lang="ru-RU" b="1" dirty="0" smtClean="0"/>
+              <a:t>словами</a:t>
+            </a:r>
+            <a:endParaRPr lang="ru-RU" b="1" dirty="0"/>
+          </a:p>
+        </p:txBody>
+      </p:sp>
+      <p:sp>
+        <p:nvSpPr>
+          <p:cNvPr id="3" name="Объект 2"/>
+          <p:cNvSpPr>
+            <a:spLocks noGrp="1"/>
+          </p:cNvSpPr>
+          <p:nvPr>
+            <p:ph idx="1"/>
+          </p:nvPr>
+        </p:nvSpPr>
+        <p:spPr/>
+        <p:txBody>
+          <a:bodyPr/>
+          <a:lstStyle/>
+          <a:p>
+            <a:pPr marL="0" indent="0">
+              <a:buNone/>
+            </a:pPr>
+            <a:r>
+              <a:rPr lang="ru-RU" dirty="0" smtClean="0"/>
+              <a:t>Лямбда-функции </a:t>
+            </a:r>
+            <a:r>
+              <a:rPr lang="ru-RU" dirty="0"/>
+              <a:t>в </a:t>
+            </a:r>
+            <a:r>
+              <a:rPr lang="ru-RU" dirty="0" err="1"/>
+              <a:t>Python</a:t>
+            </a:r>
+            <a:r>
+              <a:rPr lang="ru-RU" dirty="0"/>
+              <a:t> являются анонимными. Это означает, что функция безымянна. </a:t>
+            </a:r>
+            <a:endParaRPr lang="ru-RU" dirty="0" smtClean="0"/>
+          </a:p>
+          <a:p>
+            <a:pPr marL="0" indent="0">
+              <a:buNone/>
+            </a:pPr>
+            <a:endParaRPr lang="ru-RU" dirty="0"/>
+          </a:p>
+          <a:p>
+            <a:pPr marL="0" indent="0">
+              <a:buNone/>
+            </a:pPr>
+            <a:r>
+              <a:rPr lang="ru-RU" dirty="0" smtClean="0"/>
+              <a:t>Как </a:t>
+            </a:r>
+            <a:r>
+              <a:rPr lang="ru-RU" dirty="0"/>
+              <a:t>известно, ключевое слов </a:t>
+            </a:r>
+            <a:r>
+              <a:rPr lang="ru-RU" dirty="0" err="1"/>
+              <a:t>def</a:t>
+            </a:r>
+            <a:r>
+              <a:rPr lang="ru-RU" dirty="0"/>
+              <a:t> используется в </a:t>
+            </a:r>
+            <a:r>
+              <a:rPr lang="ru-RU" dirty="0" err="1"/>
+              <a:t>Python</a:t>
+            </a:r>
+            <a:r>
+              <a:rPr lang="ru-RU" dirty="0"/>
+              <a:t> для определения обычной </a:t>
+            </a:r>
+            <a:r>
+              <a:rPr lang="ru-RU" dirty="0" smtClean="0"/>
+              <a:t>функции.</a:t>
+            </a:r>
+          </a:p>
+          <a:p>
+            <a:pPr marL="0" indent="0">
+              <a:buNone/>
+            </a:pPr>
+            <a:endParaRPr lang="ru-RU" dirty="0"/>
+          </a:p>
+          <a:p>
+            <a:pPr marL="0" indent="0">
+              <a:buNone/>
+            </a:pPr>
+            <a:r>
+              <a:rPr lang="ru-RU" dirty="0" smtClean="0"/>
+              <a:t>В </a:t>
+            </a:r>
+            <a:r>
+              <a:rPr lang="ru-RU" dirty="0"/>
+              <a:t>свою очередь, ключевое слово  </a:t>
+            </a:r>
+            <a:r>
+              <a:rPr lang="ru-RU" dirty="0" err="1"/>
+              <a:t>lambda</a:t>
+            </a:r>
+            <a:r>
+              <a:rPr lang="ru-RU" dirty="0"/>
+              <a:t>  используется для определения анонимной функции.</a:t>
+            </a:r>
+          </a:p>
+        </p:txBody>
+      </p:sp>
+    </p:spTree>
+    <p:extLst>
+      <p:ext uri="{BB962C8B-B14F-4D97-AF65-F5344CB8AC3E}">
+        <p14:creationId xmlns:p14="http://schemas.microsoft.com/office/powerpoint/2010/main" val="2575922511"/>
+      </p:ext>
+    </p:extLst>
+  </p:cSld>
+  <p:clrMapOvr>
+    <a:masterClrMapping/>
+  </p:clrMapOvr>
+</p:sld>
+</file>
+
+<file path=ppt/slides/slide44.xml><?xml version="1.0" encoding="utf-8"?>
+<p:sld xmlns:a="http://schemas.openxmlformats.org/drawingml/2006/main" xmlns:r="http://schemas.openxmlformats.org/officeDocument/2006/relationships" xmlns:p="http://schemas.openxmlformats.org/presentationml/2006/main">
+  <p:cSld>
+    <p:spTree>
+      <p:nvGrpSpPr>
+        <p:cNvPr id="1" name=""/>
+        <p:cNvGrpSpPr/>
+        <p:nvPr/>
+      </p:nvGrpSpPr>
+      <p:grpSpPr>
+        <a:xfrm>
+          <a:off x="0" y="0"/>
+          <a:ext cx="0" cy="0"/>
+          <a:chOff x="0" y="0"/>
+          <a:chExt cx="0" cy="0"/>
+        </a:xfrm>
+      </p:grpSpPr>
+      <p:sp>
+        <p:nvSpPr>
+          <p:cNvPr id="3" name="Объект 2"/>
+          <p:cNvSpPr>
+            <a:spLocks noGrp="1"/>
+          </p:cNvSpPr>
+          <p:nvPr>
+            <p:ph idx="1"/>
+          </p:nvPr>
+        </p:nvSpPr>
+        <p:spPr>
+          <a:xfrm>
+            <a:off x="264920" y="478564"/>
+            <a:ext cx="11690646" cy="6067515"/>
+          </a:xfrm>
+        </p:spPr>
+        <p:txBody>
+          <a:bodyPr>
+            <a:normAutofit/>
+          </a:bodyPr>
+          <a:lstStyle/>
+          <a:p>
+            <a:pPr marL="0" indent="0">
+              <a:buNone/>
+            </a:pPr>
+            <a:r>
+              <a:rPr lang="ru-RU" dirty="0"/>
+              <a:t>Лямбда-функция имеет следующий синтаксис</a:t>
+            </a:r>
+            <a:r>
+              <a:rPr lang="ru-RU" dirty="0" smtClean="0"/>
+              <a:t>.</a:t>
+            </a:r>
+          </a:p>
+          <a:p>
+            <a:pPr marL="0" indent="0">
+              <a:buNone/>
+            </a:pPr>
+            <a:endParaRPr lang="ru-RU" dirty="0"/>
+          </a:p>
+          <a:p>
+            <a:pPr marL="0" indent="0">
+              <a:buNone/>
+            </a:pPr>
+            <a:r>
+              <a:rPr lang="ru-RU" dirty="0" err="1">
+                <a:solidFill>
+                  <a:srgbClr val="FF0000"/>
+                </a:solidFill>
+              </a:rPr>
+              <a:t>Lambda</a:t>
+            </a:r>
+            <a:r>
+              <a:rPr lang="ru-RU" dirty="0">
+                <a:solidFill>
+                  <a:srgbClr val="FF0000"/>
+                </a:solidFill>
+              </a:rPr>
+              <a:t> аргументы: выражение</a:t>
+            </a:r>
+          </a:p>
+          <a:p>
+            <a:pPr marL="0" indent="0">
+              <a:buNone/>
+            </a:pPr>
+            <a:endParaRPr lang="ru-RU" dirty="0" smtClean="0"/>
+          </a:p>
+          <a:p>
+            <a:pPr marL="0" indent="0">
+              <a:buNone/>
+            </a:pPr>
+            <a:r>
+              <a:rPr lang="ru-RU" dirty="0" smtClean="0"/>
+              <a:t>Лямбда-функции </a:t>
+            </a:r>
+            <a:r>
+              <a:rPr lang="ru-RU" dirty="0"/>
+              <a:t>могут иметь любое количество аргументов, но у каждой может быть только одно выражение. Выражение вычисляется и возвращается. Эти функции могут быть использованы везде, где требуется объект-функция</a:t>
+            </a:r>
+            <a:r>
+              <a:rPr lang="ru-RU" dirty="0" smtClean="0"/>
+              <a:t>.</a:t>
+            </a:r>
+          </a:p>
+          <a:p>
+            <a:pPr marL="0" indent="0">
+              <a:buNone/>
+            </a:pPr>
+            <a:endParaRPr lang="ru-RU" dirty="0" smtClean="0"/>
+          </a:p>
+          <a:p>
+            <a:pPr marL="0" indent="0">
+              <a:buNone/>
+            </a:pPr>
+            <a:endParaRPr lang="ru-RU" dirty="0"/>
+          </a:p>
+          <a:p>
+            <a:pPr marL="0" indent="0">
+              <a:buNone/>
+            </a:pPr>
+            <a:r>
+              <a:rPr lang="fr-FR" dirty="0"/>
+              <a:t>double = </a:t>
+            </a:r>
+            <a:r>
+              <a:rPr lang="fr-FR" b="1" dirty="0"/>
+              <a:t>lambda</a:t>
+            </a:r>
+            <a:r>
+              <a:rPr lang="fr-FR" dirty="0"/>
+              <a:t> x: </a:t>
+            </a:r>
+            <a:r>
+              <a:rPr lang="fr-FR" dirty="0" smtClean="0"/>
+              <a:t>x*2</a:t>
+            </a:r>
+            <a:endParaRPr lang="ru-RU" dirty="0"/>
+          </a:p>
+          <a:p>
+            <a:pPr marL="0" indent="0">
+              <a:buNone/>
+            </a:pPr>
+            <a:r>
+              <a:rPr lang="fr-FR" dirty="0" smtClean="0"/>
+              <a:t>print(double(5</a:t>
+            </a:r>
+            <a:r>
+              <a:rPr lang="fr-FR" dirty="0"/>
+              <a:t>))</a:t>
+            </a:r>
+            <a:endParaRPr lang="ru-RU" dirty="0"/>
+          </a:p>
+        </p:txBody>
+      </p:sp>
+    </p:spTree>
+    <p:extLst>
+      <p:ext uri="{BB962C8B-B14F-4D97-AF65-F5344CB8AC3E}">
+        <p14:creationId xmlns:p14="http://schemas.microsoft.com/office/powerpoint/2010/main" val="1047293011"/>
+      </p:ext>
+    </p:extLst>
+  </p:cSld>
+  <p:clrMapOvr>
+    <a:masterClrMapping/>
+  </p:clrMapOvr>
+</p:sld>
+</file>
+
+<file path=ppt/slides/slide45.xml><?xml version="1.0" encoding="utf-8"?>
+<p:sld xmlns:a="http://schemas.openxmlformats.org/drawingml/2006/main" xmlns:r="http://schemas.openxmlformats.org/officeDocument/2006/relationships" xmlns:p="http://schemas.openxmlformats.org/presentationml/2006/main">
+  <p:cSld>
+    <p:spTree>
+      <p:nvGrpSpPr>
+        <p:cNvPr id="1" name=""/>
+        <p:cNvGrpSpPr/>
+        <p:nvPr/>
+      </p:nvGrpSpPr>
+      <p:grpSpPr>
+        <a:xfrm>
+          <a:off x="0" y="0"/>
+          <a:ext cx="0" cy="0"/>
+          <a:chOff x="0" y="0"/>
+          <a:chExt cx="0" cy="0"/>
+        </a:xfrm>
+      </p:grpSpPr>
+      <p:sp>
+        <p:nvSpPr>
+          <p:cNvPr id="3" name="Объект 2"/>
+          <p:cNvSpPr>
+            <a:spLocks noGrp="1"/>
+          </p:cNvSpPr>
+          <p:nvPr>
+            <p:ph idx="1"/>
+          </p:nvPr>
+        </p:nvSpPr>
+        <p:spPr>
+          <a:xfrm>
+            <a:off x="838200" y="299102"/>
+            <a:ext cx="10515600" cy="6255521"/>
+          </a:xfrm>
+        </p:spPr>
+        <p:txBody>
+          <a:bodyPr>
+            <a:normAutofit fontScale="92500" lnSpcReduction="10000"/>
+          </a:bodyPr>
+          <a:lstStyle/>
+          <a:p>
+            <a:pPr marL="0" indent="0">
+              <a:buNone/>
+            </a:pPr>
+            <a:r>
+              <a:rPr lang="ru-RU" dirty="0"/>
+              <a:t>Инструкция</a:t>
+            </a:r>
+            <a:r>
+              <a:rPr lang="ru-RU" dirty="0" smtClean="0"/>
+              <a:t>:</a:t>
+            </a:r>
+            <a:endParaRPr lang="ru-RU" dirty="0"/>
+          </a:p>
+          <a:p>
+            <a:pPr marL="0" indent="0">
+              <a:buNone/>
+            </a:pPr>
+            <a:r>
+              <a:rPr lang="en-US" dirty="0">
+                <a:solidFill>
+                  <a:srgbClr val="FF0000"/>
+                </a:solidFill>
+              </a:rPr>
+              <a:t>double = lambda x: </a:t>
+            </a:r>
+            <a:r>
+              <a:rPr lang="en-US" dirty="0" smtClean="0">
+                <a:solidFill>
+                  <a:srgbClr val="FF0000"/>
+                </a:solidFill>
+              </a:rPr>
+              <a:t>x*2</a:t>
+            </a:r>
+            <a:endParaRPr lang="ru-RU" dirty="0" smtClean="0">
+              <a:solidFill>
+                <a:srgbClr val="FF0000"/>
+              </a:solidFill>
+            </a:endParaRPr>
+          </a:p>
+          <a:p>
+            <a:pPr marL="0" indent="0">
+              <a:buNone/>
+            </a:pPr>
+            <a:endParaRPr lang="en-US" dirty="0"/>
+          </a:p>
+          <a:p>
+            <a:pPr marL="0" indent="0">
+              <a:buNone/>
+            </a:pPr>
+            <a:r>
+              <a:rPr lang="ru-RU" dirty="0"/>
+              <a:t>Эквивалентна</a:t>
+            </a:r>
+            <a:r>
+              <a:rPr lang="ru-RU" dirty="0" smtClean="0"/>
+              <a:t>:</a:t>
+            </a:r>
+            <a:endParaRPr lang="ru-RU" dirty="0"/>
+          </a:p>
+          <a:p>
+            <a:pPr marL="0" indent="0">
+              <a:buNone/>
+            </a:pPr>
+            <a:r>
+              <a:rPr lang="en-US" dirty="0" err="1">
+                <a:solidFill>
+                  <a:srgbClr val="FF0000"/>
+                </a:solidFill>
+              </a:rPr>
+              <a:t>def</a:t>
+            </a:r>
+            <a:r>
+              <a:rPr lang="en-US" dirty="0">
+                <a:solidFill>
+                  <a:srgbClr val="FF0000"/>
+                </a:solidFill>
+              </a:rPr>
+              <a:t> double(x):</a:t>
+            </a:r>
+          </a:p>
+          <a:p>
+            <a:pPr marL="0" indent="0">
+              <a:buNone/>
+            </a:pPr>
+            <a:r>
+              <a:rPr lang="en-US" dirty="0">
+                <a:solidFill>
+                  <a:srgbClr val="FF0000"/>
+                </a:solidFill>
+              </a:rPr>
+              <a:t>	</a:t>
+            </a:r>
+            <a:r>
+              <a:rPr lang="en-US" dirty="0" smtClean="0">
+                <a:solidFill>
+                  <a:srgbClr val="FF0000"/>
+                </a:solidFill>
+              </a:rPr>
+              <a:t>return </a:t>
+            </a:r>
+            <a:r>
+              <a:rPr lang="en-US" dirty="0">
+                <a:solidFill>
+                  <a:srgbClr val="FF0000"/>
+                </a:solidFill>
+              </a:rPr>
+              <a:t>x * </a:t>
+            </a:r>
+            <a:r>
+              <a:rPr lang="en-US" dirty="0" smtClean="0">
+                <a:solidFill>
+                  <a:srgbClr val="FF0000"/>
+                </a:solidFill>
+              </a:rPr>
+              <a:t>2</a:t>
+            </a:r>
+            <a:endParaRPr lang="ru-RU" dirty="0" smtClean="0">
+              <a:solidFill>
+                <a:srgbClr val="FF0000"/>
+              </a:solidFill>
+            </a:endParaRPr>
+          </a:p>
+          <a:p>
+            <a:pPr marL="0" indent="0">
+              <a:buNone/>
+            </a:pPr>
+            <a:endParaRPr lang="ru-RU" dirty="0">
+              <a:solidFill>
+                <a:srgbClr val="FF0000"/>
+              </a:solidFill>
+            </a:endParaRPr>
+          </a:p>
+          <a:p>
+            <a:r>
+              <a:rPr lang="ru-RU" dirty="0"/>
+              <a:t>Эта функция может иметь любое количество аргументов, но вычисляет и возвращает только одно значение</a:t>
+            </a:r>
+          </a:p>
+          <a:p>
+            <a:r>
+              <a:rPr lang="ru-RU" dirty="0"/>
+              <a:t>Лямбда-функции применимы везде, где требуются объекты-функции </a:t>
+            </a:r>
+          </a:p>
+          <a:p>
+            <a:r>
+              <a:rPr lang="ru-RU" dirty="0"/>
+              <a:t>Вы должны помнить, что  синтаксически лямбда-функция ограничена, позволяет представить всего одно выражение</a:t>
+            </a:r>
+          </a:p>
+          <a:p>
+            <a:r>
+              <a:rPr lang="ru-RU" dirty="0"/>
+              <a:t>Они имеют множество вариантов применения в конкретных областях программирования, наряду  с другими типами выражений, используемых в функциях.</a:t>
+            </a:r>
+          </a:p>
+          <a:p>
+            <a:pPr marL="0" indent="0">
+              <a:buNone/>
+            </a:pPr>
+            <a:endParaRPr lang="ru-RU" dirty="0">
+              <a:solidFill>
+                <a:srgbClr val="FF0000"/>
+              </a:solidFill>
+            </a:endParaRPr>
+          </a:p>
+        </p:txBody>
+      </p:sp>
+    </p:spTree>
+    <p:extLst>
+      <p:ext uri="{BB962C8B-B14F-4D97-AF65-F5344CB8AC3E}">
+        <p14:creationId xmlns:p14="http://schemas.microsoft.com/office/powerpoint/2010/main" val="2105250465"/>
+      </p:ext>
+    </p:extLst>
+  </p:cSld>
+  <p:clrMapOvr>
+    <a:masterClrMapping/>
+  </p:clrMapOvr>
+</p:sld>
+</file>
+
+<file path=ppt/slides/slide46.xml><?xml version="1.0" encoding="utf-8"?>
+<p:sld xmlns:a="http://schemas.openxmlformats.org/drawingml/2006/main" xmlns:r="http://schemas.openxmlformats.org/officeDocument/2006/relationships" xmlns:p="http://schemas.openxmlformats.org/presentationml/2006/main">
+  <p:cSld>
+    <p:spTree>
+      <p:nvGrpSpPr>
+        <p:cNvPr id="1" name=""/>
+        <p:cNvGrpSpPr/>
+        <p:nvPr/>
+      </p:nvGrpSpPr>
+      <p:grpSpPr>
+        <a:xfrm>
+          <a:off x="0" y="0"/>
+          <a:ext cx="0" cy="0"/>
+          <a:chOff x="0" y="0"/>
+          <a:chExt cx="0" cy="0"/>
+        </a:xfrm>
+      </p:grpSpPr>
+      <p:sp>
+        <p:nvSpPr>
+          <p:cNvPr id="3" name="Объект 2"/>
+          <p:cNvSpPr>
+            <a:spLocks noGrp="1"/>
+          </p:cNvSpPr>
+          <p:nvPr>
+            <p:ph idx="1"/>
+          </p:nvPr>
+        </p:nvSpPr>
+        <p:spPr>
+          <a:xfrm>
+            <a:off x="838200" y="299103"/>
+            <a:ext cx="10515600" cy="5877860"/>
+          </a:xfrm>
+        </p:spPr>
+        <p:txBody>
+          <a:bodyPr/>
+          <a:lstStyle/>
+          <a:p>
+            <a:pPr marL="0" indent="0">
+              <a:buNone/>
+            </a:pPr>
+            <a:r>
+              <a:rPr lang="es-ES" b="1" dirty="0">
+                <a:solidFill>
+                  <a:srgbClr val="FF0000"/>
+                </a:solidFill>
+              </a:rPr>
+              <a:t>def</a:t>
+            </a:r>
+            <a:r>
+              <a:rPr lang="es-ES" dirty="0">
+                <a:solidFill>
+                  <a:srgbClr val="FF0000"/>
+                </a:solidFill>
+              </a:rPr>
+              <a:t> </a:t>
+            </a:r>
+            <a:r>
+              <a:rPr lang="es-ES" b="1" dirty="0">
+                <a:solidFill>
+                  <a:srgbClr val="FF0000"/>
+                </a:solidFill>
+              </a:rPr>
+              <a:t>defined_cube</a:t>
+            </a:r>
+            <a:r>
+              <a:rPr lang="es-ES" dirty="0">
+                <a:solidFill>
+                  <a:srgbClr val="FF0000"/>
+                </a:solidFill>
+              </a:rPr>
+              <a:t>(y</a:t>
+            </a:r>
+            <a:r>
+              <a:rPr lang="es-ES" dirty="0" smtClean="0">
+                <a:solidFill>
+                  <a:srgbClr val="FF0000"/>
+                </a:solidFill>
+              </a:rPr>
+              <a:t>):</a:t>
+            </a:r>
+            <a:endParaRPr lang="ru-RU" dirty="0" smtClean="0">
+              <a:solidFill>
+                <a:srgbClr val="FF0000"/>
+              </a:solidFill>
+            </a:endParaRPr>
+          </a:p>
+          <a:p>
+            <a:pPr marL="0" indent="0">
+              <a:buNone/>
+            </a:pPr>
+            <a:r>
+              <a:rPr lang="ru-RU" b="1" dirty="0">
+                <a:solidFill>
+                  <a:srgbClr val="FF0000"/>
+                </a:solidFill>
+              </a:rPr>
+              <a:t>	</a:t>
+            </a:r>
+            <a:r>
+              <a:rPr lang="es-ES" b="1" dirty="0" smtClean="0">
+                <a:solidFill>
+                  <a:srgbClr val="FF0000"/>
+                </a:solidFill>
+              </a:rPr>
+              <a:t>return</a:t>
+            </a:r>
+            <a:r>
+              <a:rPr lang="es-ES" dirty="0" smtClean="0">
+                <a:solidFill>
+                  <a:srgbClr val="FF0000"/>
+                </a:solidFill>
+              </a:rPr>
+              <a:t> y*y*y</a:t>
+            </a:r>
+            <a:endParaRPr lang="ru-RU" dirty="0" smtClean="0">
+              <a:solidFill>
+                <a:srgbClr val="FF0000"/>
+              </a:solidFill>
+            </a:endParaRPr>
+          </a:p>
+          <a:p>
+            <a:pPr marL="0" indent="0">
+              <a:buNone/>
+            </a:pPr>
+            <a:endParaRPr lang="ru-RU" dirty="0" smtClean="0">
+              <a:solidFill>
+                <a:srgbClr val="FF0000"/>
+              </a:solidFill>
+            </a:endParaRPr>
+          </a:p>
+          <a:p>
+            <a:pPr marL="0" indent="0">
+              <a:buNone/>
+            </a:pPr>
+            <a:r>
+              <a:rPr lang="es-ES" dirty="0" smtClean="0">
+                <a:solidFill>
+                  <a:srgbClr val="FF0000"/>
+                </a:solidFill>
+              </a:rPr>
+              <a:t>lambda_cube </a:t>
+            </a:r>
+            <a:r>
+              <a:rPr lang="es-ES" dirty="0">
+                <a:solidFill>
+                  <a:srgbClr val="FF0000"/>
+                </a:solidFill>
+              </a:rPr>
+              <a:t>= </a:t>
+            </a:r>
+            <a:r>
+              <a:rPr lang="es-ES" b="1" dirty="0">
+                <a:solidFill>
+                  <a:srgbClr val="FF0000"/>
+                </a:solidFill>
+              </a:rPr>
+              <a:t>lambda</a:t>
+            </a:r>
+            <a:r>
+              <a:rPr lang="es-ES" dirty="0">
+                <a:solidFill>
+                  <a:srgbClr val="FF0000"/>
+                </a:solidFill>
+              </a:rPr>
+              <a:t> y: </a:t>
+            </a:r>
+            <a:r>
+              <a:rPr lang="es-ES" dirty="0" smtClean="0">
+                <a:solidFill>
+                  <a:srgbClr val="FF0000"/>
+                </a:solidFill>
+              </a:rPr>
+              <a:t>y*y*y</a:t>
+            </a:r>
+            <a:endParaRPr lang="ru-RU" dirty="0" smtClean="0">
+              <a:solidFill>
+                <a:srgbClr val="FF0000"/>
+              </a:solidFill>
+            </a:endParaRPr>
+          </a:p>
+          <a:p>
+            <a:pPr marL="0" indent="0">
+              <a:buNone/>
+            </a:pPr>
+            <a:endParaRPr lang="ru-RU" dirty="0"/>
+          </a:p>
+          <a:p>
+            <a:pPr marL="0" indent="0">
+              <a:buNone/>
+            </a:pPr>
+            <a:r>
+              <a:rPr lang="es-ES" dirty="0" smtClean="0"/>
+              <a:t>print(defined_cube(2))</a:t>
+            </a:r>
+            <a:endParaRPr lang="ru-RU" dirty="0" smtClean="0"/>
+          </a:p>
+          <a:p>
+            <a:pPr marL="0" indent="0">
+              <a:buNone/>
+            </a:pPr>
+            <a:r>
+              <a:rPr lang="es-ES" dirty="0" smtClean="0"/>
+              <a:t>print(lambda_cube(2))</a:t>
+            </a:r>
+            <a:endParaRPr lang="ru-RU" dirty="0" smtClean="0"/>
+          </a:p>
+          <a:p>
+            <a:pPr marL="0" indent="0">
+              <a:buNone/>
+            </a:pPr>
+            <a:endParaRPr lang="ru-RU" dirty="0"/>
+          </a:p>
+          <a:p>
+            <a:pPr marL="0" indent="0">
+              <a:buNone/>
+            </a:pPr>
+            <a:r>
+              <a:rPr lang="ru-RU" dirty="0"/>
+              <a:t>Как показано в примере выше, обе представленные функции, </a:t>
+            </a:r>
+            <a:r>
+              <a:rPr lang="ru-RU" dirty="0" err="1"/>
+              <a:t>defined_cube</a:t>
+            </a:r>
+            <a:r>
+              <a:rPr lang="ru-RU" dirty="0"/>
+              <a:t>() и  </a:t>
+            </a:r>
+            <a:r>
+              <a:rPr lang="ru-RU" dirty="0" err="1"/>
+              <a:t>lambda_cube</a:t>
+            </a:r>
+            <a:r>
+              <a:rPr lang="ru-RU" dirty="0"/>
+              <a:t>(), ведут себя одинаково, как и предполагалось.</a:t>
+            </a:r>
+          </a:p>
+        </p:txBody>
+      </p:sp>
+    </p:spTree>
+    <p:extLst>
+      <p:ext uri="{BB962C8B-B14F-4D97-AF65-F5344CB8AC3E}">
+        <p14:creationId xmlns:p14="http://schemas.microsoft.com/office/powerpoint/2010/main" val="4176515931"/>
+      </p:ext>
+    </p:extLst>
+  </p:cSld>
+  <p:clrMapOvr>
+    <a:masterClrMapping/>
+  </p:clrMapOvr>
+</p:sld>
+</file>
+
+<file path=ppt/slides/slide47.xml><?xml version="1.0" encoding="utf-8"?>
+<p:sld xmlns:a="http://schemas.openxmlformats.org/drawingml/2006/main" xmlns:r="http://schemas.openxmlformats.org/officeDocument/2006/relationships" xmlns:p="http://schemas.openxmlformats.org/presentationml/2006/main">
+  <p:cSld>
+    <p:spTree>
+      <p:nvGrpSpPr>
+        <p:cNvPr id="1" name=""/>
+        <p:cNvGrpSpPr/>
+        <p:nvPr/>
+      </p:nvGrpSpPr>
+      <p:grpSpPr>
+        <a:xfrm>
+          <a:off x="0" y="0"/>
+          <a:ext cx="0" cy="0"/>
+          <a:chOff x="0" y="0"/>
+          <a:chExt cx="0" cy="0"/>
+        </a:xfrm>
+      </p:grpSpPr>
+      <p:sp>
+        <p:nvSpPr>
+          <p:cNvPr id="3" name="Объект 2"/>
+          <p:cNvSpPr>
+            <a:spLocks noGrp="1"/>
+          </p:cNvSpPr>
+          <p:nvPr>
+            <p:ph idx="1"/>
+          </p:nvPr>
+        </p:nvSpPr>
+        <p:spPr>
+          <a:xfrm>
+            <a:off x="341831" y="128187"/>
+            <a:ext cx="11596643" cy="6469166"/>
+          </a:xfrm>
+        </p:spPr>
+        <p:txBody>
+          <a:bodyPr>
+            <a:normAutofit/>
+          </a:bodyPr>
+          <a:lstStyle/>
+          <a:p>
+            <a:pPr marL="0" indent="0">
+              <a:buNone/>
+            </a:pPr>
+            <a:r>
+              <a:rPr lang="ru-RU" dirty="0"/>
+              <a:t>Разберем вышеуказанный пример подробнее:</a:t>
+            </a:r>
+          </a:p>
+          <a:p>
+            <a:pPr marL="0" indent="0">
+              <a:buNone/>
+            </a:pPr>
+            <a:endParaRPr lang="ru-RU" dirty="0"/>
+          </a:p>
+          <a:p>
+            <a:pPr marL="0" indent="0">
+              <a:buNone/>
+            </a:pPr>
+            <a:r>
+              <a:rPr lang="ru-RU" dirty="0"/>
+              <a:t>Без использования лямбды: Здесь обе функции возвращают заданное значение, возведенное в куб. Но при использовании </a:t>
+            </a:r>
+            <a:r>
+              <a:rPr lang="ru-RU" dirty="0" err="1"/>
+              <a:t>def</a:t>
+            </a:r>
+            <a:r>
+              <a:rPr lang="ru-RU" dirty="0"/>
+              <a:t>, нам пришлось определить функцию с именем и </a:t>
+            </a:r>
+            <a:r>
+              <a:rPr lang="ru-RU" dirty="0" err="1"/>
+              <a:t>defined_cube</a:t>
+            </a:r>
+            <a:r>
+              <a:rPr lang="ru-RU" dirty="0"/>
+              <a:t>() дать ей входную величину.  После выполнения нам также понадобилось возвратить результат, из того места, откуда была вызвана функция, и мы сделали это, используя ключевое слово </a:t>
+            </a:r>
+            <a:r>
+              <a:rPr lang="ru-RU" dirty="0" err="1"/>
+              <a:t>return</a:t>
+            </a:r>
+            <a:r>
+              <a:rPr lang="ru-RU" dirty="0"/>
+              <a:t>.</a:t>
+            </a:r>
+          </a:p>
+          <a:p>
+            <a:pPr marL="0" indent="0">
+              <a:buNone/>
+            </a:pPr>
+            <a:endParaRPr lang="ru-RU" dirty="0"/>
+          </a:p>
+          <a:p>
+            <a:pPr marL="0" indent="0">
+              <a:buNone/>
+            </a:pPr>
+            <a:r>
+              <a:rPr lang="ru-RU" dirty="0"/>
+              <a:t>С применением лямбды: Определение лямбды не включает оператор </a:t>
+            </a:r>
+            <a:r>
+              <a:rPr lang="ru-RU" dirty="0" err="1"/>
+              <a:t>return</a:t>
+            </a:r>
+            <a:r>
+              <a:rPr lang="ru-RU" dirty="0"/>
+              <a:t>, а всегда содержит возвращенное выражение. Мы также можем поместить определение лямбды в любое место, где ожидается функция, и нам не нужно присваивать его переменной. Так выглядят простые лямбда-функции.</a:t>
+            </a:r>
+          </a:p>
+        </p:txBody>
+      </p:sp>
+    </p:spTree>
+    <p:extLst>
+      <p:ext uri="{BB962C8B-B14F-4D97-AF65-F5344CB8AC3E}">
+        <p14:creationId xmlns:p14="http://schemas.microsoft.com/office/powerpoint/2010/main" val="3017877496"/>
+      </p:ext>
+    </p:extLst>
+  </p:cSld>
+  <p:clrMapOvr>
+    <a:masterClrMapping/>
+  </p:clrMapOvr>
+</p:sld>
+</file>
+
+<file path=ppt/slides/slide48.xml><?xml version="1.0" encoding="utf-8"?>
+<p:sld xmlns:a="http://schemas.openxmlformats.org/drawingml/2006/main" xmlns:r="http://schemas.openxmlformats.org/officeDocument/2006/relationships" xmlns:p="http://schemas.openxmlformats.org/presentationml/2006/main">
+  <p:cSld>
+    <p:spTree>
+      <p:nvGrpSpPr>
+        <p:cNvPr id="1" name=""/>
+        <p:cNvGrpSpPr/>
+        <p:nvPr/>
+      </p:nvGrpSpPr>
+      <p:grpSpPr>
+        <a:xfrm>
+          <a:off x="0" y="0"/>
+          <a:ext cx="0" cy="0"/>
+          <a:chOff x="0" y="0"/>
+          <a:chExt cx="0" cy="0"/>
+        </a:xfrm>
+      </p:grpSpPr>
+      <p:sp>
+        <p:nvSpPr>
+          <p:cNvPr id="2" name="Заголовок 1"/>
+          <p:cNvSpPr>
+            <a:spLocks noGrp="1"/>
+          </p:cNvSpPr>
+          <p:nvPr>
+            <p:ph type="title"/>
+          </p:nvPr>
+        </p:nvSpPr>
+        <p:spPr/>
+        <p:txBody>
+          <a:bodyPr>
+            <a:normAutofit/>
+          </a:bodyPr>
+          <a:lstStyle/>
+          <a:p>
+            <a:r>
+              <a:rPr lang="ru-RU" b="1" dirty="0"/>
+              <a:t>Лямбда-функции и функции высшего </a:t>
+            </a:r>
+            <a:r>
+              <a:rPr lang="ru-RU" b="1" dirty="0" smtClean="0"/>
+              <a:t>порядка</a:t>
+            </a:r>
+            <a:endParaRPr lang="ru-RU" b="1" dirty="0"/>
+          </a:p>
+        </p:txBody>
+      </p:sp>
+      <p:sp>
+        <p:nvSpPr>
+          <p:cNvPr id="3" name="Объект 2"/>
+          <p:cNvSpPr>
+            <a:spLocks noGrp="1"/>
+          </p:cNvSpPr>
+          <p:nvPr>
+            <p:ph idx="1"/>
+          </p:nvPr>
+        </p:nvSpPr>
+        <p:spPr/>
+        <p:txBody>
+          <a:bodyPr/>
+          <a:lstStyle/>
+          <a:p>
+            <a:pPr marL="0" indent="0">
+              <a:buNone/>
+            </a:pPr>
+            <a:endParaRPr lang="ru-RU" dirty="0" smtClean="0"/>
+          </a:p>
+          <a:p>
+            <a:pPr marL="0" indent="0">
+              <a:buNone/>
+            </a:pPr>
+            <a:r>
+              <a:rPr lang="ru-RU" dirty="0" smtClean="0"/>
+              <a:t>Мы </a:t>
+            </a:r>
+            <a:r>
+              <a:rPr lang="ru-RU" dirty="0"/>
+              <a:t>используем лямбда-функцию, когда нам ненадолго требуется безымянная функция.</a:t>
+            </a:r>
+          </a:p>
+          <a:p>
+            <a:endParaRPr lang="ru-RU" dirty="0"/>
+          </a:p>
+          <a:p>
+            <a:pPr marL="0" indent="0">
+              <a:buNone/>
+            </a:pPr>
+            <a:r>
+              <a:rPr lang="ru-RU" dirty="0"/>
+              <a:t>В </a:t>
+            </a:r>
+            <a:r>
+              <a:rPr lang="ru-RU" dirty="0" err="1"/>
+              <a:t>Python</a:t>
+            </a:r>
+            <a:r>
+              <a:rPr lang="ru-RU" dirty="0"/>
+              <a:t> мы часто используем их как аргумент функции высшего порядка (функции, которая принимает другие функции в качестве аргументов).  Лямбда-функции используют вместе с такими встроенными функциями как </a:t>
+            </a:r>
+            <a:r>
+              <a:rPr lang="ru-RU" dirty="0" err="1"/>
+              <a:t>filter</a:t>
+            </a:r>
+            <a:r>
+              <a:rPr lang="ru-RU" dirty="0"/>
+              <a:t>(), </a:t>
+            </a:r>
+            <a:r>
+              <a:rPr lang="ru-RU" dirty="0" err="1"/>
+              <a:t>map</a:t>
+            </a:r>
+            <a:r>
+              <a:rPr lang="ru-RU" dirty="0" smtClean="0"/>
+              <a:t>(), </a:t>
+            </a:r>
+            <a:r>
+              <a:rPr lang="ru-RU" dirty="0" err="1" smtClean="0"/>
+              <a:t>reduce</a:t>
+            </a:r>
+            <a:r>
+              <a:rPr lang="ru-RU" dirty="0"/>
+              <a:t>() и др.</a:t>
+            </a:r>
+          </a:p>
+        </p:txBody>
+      </p:sp>
+    </p:spTree>
+    <p:extLst>
+      <p:ext uri="{BB962C8B-B14F-4D97-AF65-F5344CB8AC3E}">
+        <p14:creationId xmlns:p14="http://schemas.microsoft.com/office/powerpoint/2010/main" val="405477763"/>
+      </p:ext>
+    </p:extLst>
+  </p:cSld>
+  <p:clrMapOvr>
+    <a:masterClrMapping/>
+  </p:clrMapOvr>
+</p:sld>
+</file>
+
+<file path=ppt/slides/slide49.xml><?xml version="1.0" encoding="utf-8"?>
+<p:sld xmlns:a="http://schemas.openxmlformats.org/drawingml/2006/main" xmlns:r="http://schemas.openxmlformats.org/officeDocument/2006/relationships" xmlns:p="http://schemas.openxmlformats.org/presentationml/2006/main">
+  <p:cSld>
+    <p:spTree>
+      <p:nvGrpSpPr>
+        <p:cNvPr id="1" name=""/>
+        <p:cNvGrpSpPr/>
+        <p:nvPr/>
+      </p:nvGrpSpPr>
+      <p:grpSpPr>
+        <a:xfrm>
+          <a:off x="0" y="0"/>
+          <a:ext cx="0" cy="0"/>
+          <a:chOff x="0" y="0"/>
+          <a:chExt cx="0" cy="0"/>
+        </a:xfrm>
+      </p:grpSpPr>
+      <p:sp>
+        <p:nvSpPr>
+          <p:cNvPr id="2" name="Заголовок 1"/>
+          <p:cNvSpPr>
+            <a:spLocks noGrp="1"/>
+          </p:cNvSpPr>
+          <p:nvPr>
+            <p:ph type="title"/>
+          </p:nvPr>
+        </p:nvSpPr>
+        <p:spPr/>
+        <p:txBody>
+          <a:bodyPr/>
+          <a:lstStyle/>
+          <a:p>
+            <a:r>
+              <a:rPr lang="en-US" b="1" dirty="0"/>
+              <a:t>filter</a:t>
+            </a:r>
+            <a:r>
+              <a:rPr lang="en-US" b="1" dirty="0" smtClean="0"/>
+              <a:t>()</a:t>
+            </a:r>
+            <a:endParaRPr lang="ru-RU" b="1" dirty="0"/>
+          </a:p>
+        </p:txBody>
+      </p:sp>
+      <p:sp>
+        <p:nvSpPr>
+          <p:cNvPr id="3" name="Объект 2"/>
+          <p:cNvSpPr>
+            <a:spLocks noGrp="1"/>
+          </p:cNvSpPr>
+          <p:nvPr>
+            <p:ph idx="1"/>
+          </p:nvPr>
+        </p:nvSpPr>
+        <p:spPr/>
+        <p:txBody>
+          <a:bodyPr/>
+          <a:lstStyle/>
+          <a:p>
+            <a:r>
+              <a:rPr lang="ru-RU" dirty="0"/>
+              <a:t>Функция </a:t>
+            </a:r>
+            <a:r>
+              <a:rPr lang="ru-RU" dirty="0" err="1"/>
+              <a:t>filter</a:t>
+            </a:r>
+            <a:r>
+              <a:rPr lang="ru-RU" dirty="0"/>
+              <a:t>() в </a:t>
+            </a:r>
+            <a:r>
+              <a:rPr lang="ru-RU" dirty="0" err="1"/>
+              <a:t>Python</a:t>
+            </a:r>
+            <a:r>
+              <a:rPr lang="ru-RU" dirty="0"/>
+              <a:t> принимает в качестве аргументов функцию и список .</a:t>
+            </a:r>
+          </a:p>
+          <a:p>
+            <a:endParaRPr lang="ru-RU" dirty="0"/>
+          </a:p>
+          <a:p>
+            <a:r>
+              <a:rPr lang="ru-RU" dirty="0"/>
+              <a:t>Функция вызывается со всеми элементами в списке, и в результате возвращается новый список, содержащий элементы, для которых функция </a:t>
+            </a:r>
+            <a:r>
+              <a:rPr lang="ru-RU" dirty="0" err="1"/>
+              <a:t>результирует</a:t>
+            </a:r>
+            <a:r>
+              <a:rPr lang="ru-RU" dirty="0"/>
+              <a:t> в </a:t>
+            </a:r>
+            <a:r>
+              <a:rPr lang="ru-RU" dirty="0" err="1"/>
+              <a:t>True</a:t>
+            </a:r>
+            <a:r>
+              <a:rPr lang="ru-RU" dirty="0"/>
+              <a:t>.</a:t>
+            </a:r>
+          </a:p>
+          <a:p>
+            <a:pPr marL="0" indent="0">
+              <a:buNone/>
+            </a:pPr>
+            <a:endParaRPr lang="ru-RU" dirty="0"/>
+          </a:p>
+        </p:txBody>
+      </p:sp>
+    </p:spTree>
+    <p:extLst>
+      <p:ext uri="{BB962C8B-B14F-4D97-AF65-F5344CB8AC3E}">
+        <p14:creationId xmlns:p14="http://schemas.microsoft.com/office/powerpoint/2010/main" val="1196947186"/>
+      </p:ext>
+    </p:extLst>
+  </p:cSld>
+  <p:clrMapOvr>
+    <a:masterClrMapping/>
+  </p:clrMapOvr>
+</p:sld>
+</file>
+
 <file path=ppt/slides/slide5.xml><?xml version="1.0" encoding="utf-8"?>
 <p:sld xmlns:a="http://schemas.openxmlformats.org/drawingml/2006/main" xmlns:r="http://schemas.openxmlformats.org/officeDocument/2006/relationships" xmlns:p="http://schemas.openxmlformats.org/presentationml/2006/main">
   <p:cSld>
@@ -10944,6 +12167,1358 @@
     <p:extLst>
       <p:ext uri="{BB962C8B-B14F-4D97-AF65-F5344CB8AC3E}">
         <p14:creationId xmlns:p14="http://schemas.microsoft.com/office/powerpoint/2010/main" val="3772728509"/>
+      </p:ext>
+    </p:extLst>
+  </p:cSld>
+  <p:clrMapOvr>
+    <a:masterClrMapping/>
+  </p:clrMapOvr>
+</p:sld>
+</file>
+
+<file path=ppt/slides/slide50.xml><?xml version="1.0" encoding="utf-8"?>
+<p:sld xmlns:a="http://schemas.openxmlformats.org/drawingml/2006/main" xmlns:r="http://schemas.openxmlformats.org/officeDocument/2006/relationships" xmlns:p="http://schemas.openxmlformats.org/presentationml/2006/main">
+  <p:cSld>
+    <p:spTree>
+      <p:nvGrpSpPr>
+        <p:cNvPr id="1" name=""/>
+        <p:cNvGrpSpPr/>
+        <p:nvPr/>
+      </p:nvGrpSpPr>
+      <p:grpSpPr>
+        <a:xfrm>
+          <a:off x="0" y="0"/>
+          <a:ext cx="0" cy="0"/>
+          <a:chOff x="0" y="0"/>
+          <a:chExt cx="0" cy="0"/>
+        </a:xfrm>
+      </p:grpSpPr>
+      <p:sp>
+        <p:nvSpPr>
+          <p:cNvPr id="3" name="Объект 2"/>
+          <p:cNvSpPr>
+            <a:spLocks noGrp="1"/>
+          </p:cNvSpPr>
+          <p:nvPr>
+            <p:ph idx="1"/>
+          </p:nvPr>
+        </p:nvSpPr>
+        <p:spPr>
+          <a:xfrm>
+            <a:off x="427290" y="367469"/>
+            <a:ext cx="11246265" cy="6076060"/>
+          </a:xfrm>
+        </p:spPr>
+        <p:txBody>
+          <a:bodyPr>
+            <a:normAutofit/>
+          </a:bodyPr>
+          <a:lstStyle/>
+          <a:p>
+            <a:pPr marL="0" indent="0">
+              <a:buNone/>
+            </a:pPr>
+            <a:r>
+              <a:rPr lang="ru-RU" sz="3600" dirty="0"/>
+              <a:t>Вот пример использования функции </a:t>
+            </a:r>
+            <a:r>
+              <a:rPr lang="ru-RU" sz="3600" dirty="0" err="1"/>
+              <a:t>filter</a:t>
+            </a:r>
+            <a:r>
+              <a:rPr lang="ru-RU" sz="3600" dirty="0"/>
+              <a:t>() для отбора четных чисел из списка.</a:t>
+            </a:r>
+          </a:p>
+          <a:p>
+            <a:pPr marL="0" indent="0">
+              <a:buNone/>
+            </a:pPr>
+            <a:r>
+              <a:rPr lang="ru-RU" sz="3600" dirty="0" smtClean="0">
+                <a:solidFill>
+                  <a:srgbClr val="FF0000"/>
+                </a:solidFill>
+              </a:rPr>
+              <a:t/>
+            </a:r>
+            <a:br>
+              <a:rPr lang="ru-RU" sz="3600" dirty="0" smtClean="0">
+                <a:solidFill>
+                  <a:srgbClr val="FF0000"/>
+                </a:solidFill>
+              </a:rPr>
+            </a:br>
+            <a:r>
+              <a:rPr lang="ru-RU" sz="3600" dirty="0" smtClean="0">
+                <a:solidFill>
+                  <a:srgbClr val="FF0000"/>
+                </a:solidFill>
+              </a:rPr>
+              <a:t/>
+            </a:r>
+            <a:br>
+              <a:rPr lang="ru-RU" sz="3600" dirty="0" smtClean="0">
+                <a:solidFill>
+                  <a:srgbClr val="FF0000"/>
+                </a:solidFill>
+              </a:rPr>
+            </a:br>
+            <a:r>
+              <a:rPr lang="en-US" sz="3600" dirty="0" err="1" smtClean="0">
+                <a:solidFill>
+                  <a:srgbClr val="FF0000"/>
+                </a:solidFill>
+              </a:rPr>
+              <a:t>my_list</a:t>
+            </a:r>
+            <a:r>
+              <a:rPr lang="en-US" sz="3600" dirty="0" smtClean="0">
+                <a:solidFill>
+                  <a:srgbClr val="FF0000"/>
+                </a:solidFill>
+              </a:rPr>
+              <a:t> </a:t>
+            </a:r>
+            <a:r>
+              <a:rPr lang="en-US" sz="3600" dirty="0">
+                <a:solidFill>
+                  <a:srgbClr val="FF0000"/>
+                </a:solidFill>
+              </a:rPr>
+              <a:t>= [1, 3, 4, 6, 10, 11, 15, 12, </a:t>
+            </a:r>
+            <a:r>
+              <a:rPr lang="en-US" sz="3600" dirty="0" smtClean="0">
+                <a:solidFill>
+                  <a:srgbClr val="FF0000"/>
+                </a:solidFill>
+              </a:rPr>
+              <a:t>14]</a:t>
+            </a:r>
+            <a:endParaRPr lang="ru-RU" sz="3600" dirty="0" smtClean="0">
+              <a:solidFill>
+                <a:srgbClr val="FF0000"/>
+              </a:solidFill>
+            </a:endParaRPr>
+          </a:p>
+          <a:p>
+            <a:pPr marL="0" indent="0">
+              <a:buNone/>
+            </a:pPr>
+            <a:r>
+              <a:rPr lang="en-US" sz="3600" dirty="0" err="1" smtClean="0">
+                <a:solidFill>
+                  <a:srgbClr val="FF0000"/>
+                </a:solidFill>
+              </a:rPr>
+              <a:t>new_list</a:t>
+            </a:r>
+            <a:r>
+              <a:rPr lang="en-US" sz="3600" dirty="0" smtClean="0">
+                <a:solidFill>
+                  <a:srgbClr val="FF0000"/>
+                </a:solidFill>
+              </a:rPr>
+              <a:t> </a:t>
+            </a:r>
+            <a:r>
+              <a:rPr lang="en-US" sz="3600" dirty="0">
+                <a:solidFill>
+                  <a:srgbClr val="FF0000"/>
+                </a:solidFill>
+              </a:rPr>
+              <a:t>= list(filter(</a:t>
+            </a:r>
+            <a:r>
+              <a:rPr lang="en-US" sz="3600" b="1" dirty="0">
+                <a:solidFill>
+                  <a:srgbClr val="FF0000"/>
+                </a:solidFill>
+              </a:rPr>
+              <a:t>lambda</a:t>
+            </a:r>
+            <a:r>
+              <a:rPr lang="en-US" sz="3600" dirty="0">
+                <a:solidFill>
+                  <a:srgbClr val="FF0000"/>
+                </a:solidFill>
+              </a:rPr>
+              <a:t> x: (x%2 == 0) , </a:t>
+            </a:r>
+            <a:r>
+              <a:rPr lang="en-US" sz="3600" dirty="0" err="1">
+                <a:solidFill>
+                  <a:srgbClr val="FF0000"/>
+                </a:solidFill>
+              </a:rPr>
+              <a:t>my_list</a:t>
+            </a:r>
+            <a:r>
+              <a:rPr lang="en-US" sz="3600" dirty="0" smtClean="0">
+                <a:solidFill>
+                  <a:srgbClr val="FF0000"/>
+                </a:solidFill>
+              </a:rPr>
+              <a:t>))</a:t>
+            </a:r>
+            <a:endParaRPr lang="ru-RU" sz="3600" dirty="0" smtClean="0">
+              <a:solidFill>
+                <a:srgbClr val="FF0000"/>
+              </a:solidFill>
+            </a:endParaRPr>
+          </a:p>
+          <a:p>
+            <a:pPr marL="0" indent="0">
+              <a:buNone/>
+            </a:pPr>
+            <a:r>
+              <a:rPr lang="en-US" sz="3600" dirty="0" smtClean="0">
+                <a:solidFill>
+                  <a:srgbClr val="FF0000"/>
+                </a:solidFill>
+              </a:rPr>
+              <a:t>print(</a:t>
+            </a:r>
+            <a:r>
+              <a:rPr lang="en-US" sz="3600" dirty="0" err="1" smtClean="0">
+                <a:solidFill>
+                  <a:srgbClr val="FF0000"/>
+                </a:solidFill>
+              </a:rPr>
+              <a:t>new_list</a:t>
+            </a:r>
+            <a:r>
+              <a:rPr lang="en-US" sz="3600" dirty="0" smtClean="0">
+                <a:solidFill>
+                  <a:srgbClr val="FF0000"/>
+                </a:solidFill>
+              </a:rPr>
+              <a:t>)</a:t>
+            </a:r>
+            <a:endParaRPr lang="ru-RU" sz="3600" dirty="0">
+              <a:solidFill>
+                <a:srgbClr val="FF0000"/>
+              </a:solidFill>
+            </a:endParaRPr>
+          </a:p>
+        </p:txBody>
+      </p:sp>
+    </p:spTree>
+    <p:extLst>
+      <p:ext uri="{BB962C8B-B14F-4D97-AF65-F5344CB8AC3E}">
+        <p14:creationId xmlns:p14="http://schemas.microsoft.com/office/powerpoint/2010/main" val="2785111836"/>
+      </p:ext>
+    </p:extLst>
+  </p:cSld>
+  <p:clrMapOvr>
+    <a:masterClrMapping/>
+  </p:clrMapOvr>
+</p:sld>
+</file>
+
+<file path=ppt/slides/slide51.xml><?xml version="1.0" encoding="utf-8"?>
+<p:sld xmlns:a="http://schemas.openxmlformats.org/drawingml/2006/main" xmlns:r="http://schemas.openxmlformats.org/officeDocument/2006/relationships" xmlns:p="http://schemas.openxmlformats.org/presentationml/2006/main">
+  <p:cSld>
+    <p:spTree>
+      <p:nvGrpSpPr>
+        <p:cNvPr id="1" name=""/>
+        <p:cNvGrpSpPr/>
+        <p:nvPr/>
+      </p:nvGrpSpPr>
+      <p:grpSpPr>
+        <a:xfrm>
+          <a:off x="0" y="0"/>
+          <a:ext cx="0" cy="0"/>
+          <a:chOff x="0" y="0"/>
+          <a:chExt cx="0" cy="0"/>
+        </a:xfrm>
+      </p:grpSpPr>
+      <p:sp>
+        <p:nvSpPr>
+          <p:cNvPr id="2" name="Заголовок 1"/>
+          <p:cNvSpPr>
+            <a:spLocks noGrp="1"/>
+          </p:cNvSpPr>
+          <p:nvPr>
+            <p:ph type="title"/>
+          </p:nvPr>
+        </p:nvSpPr>
+        <p:spPr/>
+        <p:txBody>
+          <a:bodyPr/>
+          <a:lstStyle/>
+          <a:p>
+            <a:r>
+              <a:rPr lang="en-US" b="1" dirty="0" smtClean="0"/>
+              <a:t>map()</a:t>
+            </a:r>
+            <a:endParaRPr lang="ru-RU" b="1" dirty="0"/>
+          </a:p>
+        </p:txBody>
+      </p:sp>
+      <p:sp>
+        <p:nvSpPr>
+          <p:cNvPr id="3" name="Объект 2"/>
+          <p:cNvSpPr>
+            <a:spLocks noGrp="1"/>
+          </p:cNvSpPr>
+          <p:nvPr>
+            <p:ph idx="1"/>
+          </p:nvPr>
+        </p:nvSpPr>
+        <p:spPr/>
+        <p:txBody>
+          <a:bodyPr>
+            <a:normAutofit/>
+          </a:bodyPr>
+          <a:lstStyle/>
+          <a:p>
+            <a:r>
+              <a:rPr lang="ru-RU" dirty="0"/>
+              <a:t>Функция </a:t>
+            </a:r>
+            <a:r>
+              <a:rPr lang="ru-RU" dirty="0" err="1"/>
+              <a:t>map</a:t>
+            </a:r>
+            <a:r>
+              <a:rPr lang="ru-RU" dirty="0"/>
+              <a:t>() принимает в качестве аргументов функцию и список.</a:t>
+            </a:r>
+          </a:p>
+          <a:p>
+            <a:endParaRPr lang="ru-RU" dirty="0"/>
+          </a:p>
+          <a:p>
+            <a:r>
+              <a:rPr lang="ru-RU" dirty="0"/>
+              <a:t>Функция вызывается со всеми элементами в списке, и в результате возвращается новый список, содержащий элементы, возвращенные данной функцией для каждого исходного элемента</a:t>
+            </a:r>
+            <a:r>
+              <a:rPr lang="ru-RU" dirty="0" smtClean="0"/>
+              <a:t>.</a:t>
+            </a:r>
+            <a:endParaRPr lang="ru-RU" dirty="0"/>
+          </a:p>
+        </p:txBody>
+      </p:sp>
+    </p:spTree>
+    <p:extLst>
+      <p:ext uri="{BB962C8B-B14F-4D97-AF65-F5344CB8AC3E}">
+        <p14:creationId xmlns:p14="http://schemas.microsoft.com/office/powerpoint/2010/main" val="501602821"/>
+      </p:ext>
+    </p:extLst>
+  </p:cSld>
+  <p:clrMapOvr>
+    <a:masterClrMapping/>
+  </p:clrMapOvr>
+</p:sld>
+</file>
+
+<file path=ppt/slides/slide52.xml><?xml version="1.0" encoding="utf-8"?>
+<p:sld xmlns:a="http://schemas.openxmlformats.org/drawingml/2006/main" xmlns:r="http://schemas.openxmlformats.org/officeDocument/2006/relationships" xmlns:p="http://schemas.openxmlformats.org/presentationml/2006/main">
+  <p:cSld>
+    <p:spTree>
+      <p:nvGrpSpPr>
+        <p:cNvPr id="1" name=""/>
+        <p:cNvGrpSpPr/>
+        <p:nvPr/>
+      </p:nvGrpSpPr>
+      <p:grpSpPr>
+        <a:xfrm>
+          <a:off x="0" y="0"/>
+          <a:ext cx="0" cy="0"/>
+          <a:chOff x="0" y="0"/>
+          <a:chExt cx="0" cy="0"/>
+        </a:xfrm>
+      </p:grpSpPr>
+      <p:sp>
+        <p:nvSpPr>
+          <p:cNvPr id="3" name="Объект 2"/>
+          <p:cNvSpPr>
+            <a:spLocks noGrp="1"/>
+          </p:cNvSpPr>
+          <p:nvPr>
+            <p:ph idx="1"/>
+          </p:nvPr>
+        </p:nvSpPr>
+        <p:spPr/>
+        <p:txBody>
+          <a:bodyPr>
+            <a:normAutofit/>
+          </a:bodyPr>
+          <a:lstStyle/>
+          <a:p>
+            <a:pPr marL="0" indent="0">
+              <a:buNone/>
+            </a:pPr>
+            <a:r>
+              <a:rPr lang="en-US" sz="3200" dirty="0" err="1">
+                <a:solidFill>
+                  <a:srgbClr val="FF0000"/>
+                </a:solidFill>
+              </a:rPr>
+              <a:t>current_list</a:t>
+            </a:r>
+            <a:r>
+              <a:rPr lang="en-US" sz="3200" dirty="0">
+                <a:solidFill>
+                  <a:srgbClr val="FF0000"/>
+                </a:solidFill>
+              </a:rPr>
+              <a:t> = [1, 3, 4, 6, 10, 11, 15, 12, </a:t>
+            </a:r>
+            <a:r>
+              <a:rPr lang="en-US" sz="3200" dirty="0" smtClean="0">
+                <a:solidFill>
+                  <a:srgbClr val="FF0000"/>
+                </a:solidFill>
+              </a:rPr>
+              <a:t>14]</a:t>
+            </a:r>
+            <a:endParaRPr lang="ru-RU" sz="3200" dirty="0" smtClean="0">
+              <a:solidFill>
+                <a:srgbClr val="FF0000"/>
+              </a:solidFill>
+            </a:endParaRPr>
+          </a:p>
+          <a:p>
+            <a:pPr marL="0" indent="0">
+              <a:buNone/>
+            </a:pPr>
+            <a:r>
+              <a:rPr lang="en-US" sz="3200" dirty="0" err="1" smtClean="0">
+                <a:solidFill>
+                  <a:srgbClr val="FF0000"/>
+                </a:solidFill>
+              </a:rPr>
+              <a:t>new_list</a:t>
+            </a:r>
+            <a:r>
+              <a:rPr lang="en-US" sz="3200" dirty="0" smtClean="0">
+                <a:solidFill>
+                  <a:srgbClr val="FF0000"/>
+                </a:solidFill>
+              </a:rPr>
+              <a:t> </a:t>
+            </a:r>
+            <a:r>
+              <a:rPr lang="en-US" sz="3200" dirty="0">
+                <a:solidFill>
+                  <a:srgbClr val="FF0000"/>
+                </a:solidFill>
+              </a:rPr>
+              <a:t>= list(map(</a:t>
+            </a:r>
+            <a:r>
+              <a:rPr lang="en-US" sz="3200" b="1" dirty="0">
+                <a:solidFill>
+                  <a:srgbClr val="FF0000"/>
+                </a:solidFill>
+              </a:rPr>
+              <a:t>lambda</a:t>
+            </a:r>
+            <a:r>
+              <a:rPr lang="en-US" sz="3200" dirty="0">
+                <a:solidFill>
+                  <a:srgbClr val="FF0000"/>
+                </a:solidFill>
+              </a:rPr>
+              <a:t> x: x*2 , </a:t>
+            </a:r>
+            <a:r>
+              <a:rPr lang="en-US" sz="3200" dirty="0" err="1">
+                <a:solidFill>
+                  <a:srgbClr val="FF0000"/>
+                </a:solidFill>
+              </a:rPr>
+              <a:t>current_list</a:t>
+            </a:r>
+            <a:r>
+              <a:rPr lang="en-US" sz="3200" dirty="0">
+                <a:solidFill>
+                  <a:srgbClr val="FF0000"/>
+                </a:solidFill>
+              </a:rPr>
+              <a:t>)) </a:t>
+            </a:r>
+            <a:endParaRPr lang="ru-RU" sz="3200" dirty="0" smtClean="0">
+              <a:solidFill>
+                <a:srgbClr val="FF0000"/>
+              </a:solidFill>
+            </a:endParaRPr>
+          </a:p>
+          <a:p>
+            <a:pPr marL="0" indent="0">
+              <a:buNone/>
+            </a:pPr>
+            <a:r>
+              <a:rPr lang="en-US" sz="3200" dirty="0" smtClean="0">
+                <a:solidFill>
+                  <a:srgbClr val="FF0000"/>
+                </a:solidFill>
+              </a:rPr>
+              <a:t>print(</a:t>
+            </a:r>
+            <a:r>
+              <a:rPr lang="en-US" sz="3200" dirty="0" err="1" smtClean="0">
+                <a:solidFill>
+                  <a:srgbClr val="FF0000"/>
+                </a:solidFill>
+              </a:rPr>
+              <a:t>new_list</a:t>
+            </a:r>
+            <a:r>
+              <a:rPr lang="en-US" sz="3200" dirty="0">
+                <a:solidFill>
+                  <a:srgbClr val="FF0000"/>
+                </a:solidFill>
+              </a:rPr>
+              <a:t>)</a:t>
+            </a:r>
+            <a:endParaRPr lang="ru-RU" sz="3200" dirty="0">
+              <a:solidFill>
+                <a:srgbClr val="FF0000"/>
+              </a:solidFill>
+            </a:endParaRPr>
+          </a:p>
+        </p:txBody>
+      </p:sp>
+    </p:spTree>
+    <p:extLst>
+      <p:ext uri="{BB962C8B-B14F-4D97-AF65-F5344CB8AC3E}">
+        <p14:creationId xmlns:p14="http://schemas.microsoft.com/office/powerpoint/2010/main" val="3331345184"/>
+      </p:ext>
+    </p:extLst>
+  </p:cSld>
+  <p:clrMapOvr>
+    <a:masterClrMapping/>
+  </p:clrMapOvr>
+</p:sld>
+</file>
+
+<file path=ppt/slides/slide53.xml><?xml version="1.0" encoding="utf-8"?>
+<p:sld xmlns:a="http://schemas.openxmlformats.org/drawingml/2006/main" xmlns:r="http://schemas.openxmlformats.org/officeDocument/2006/relationships" xmlns:p="http://schemas.openxmlformats.org/presentationml/2006/main">
+  <p:cSld>
+    <p:spTree>
+      <p:nvGrpSpPr>
+        <p:cNvPr id="1" name=""/>
+        <p:cNvGrpSpPr/>
+        <p:nvPr/>
+      </p:nvGrpSpPr>
+      <p:grpSpPr>
+        <a:xfrm>
+          <a:off x="0" y="0"/>
+          <a:ext cx="0" cy="0"/>
+          <a:chOff x="0" y="0"/>
+          <a:chExt cx="0" cy="0"/>
+        </a:xfrm>
+      </p:grpSpPr>
+      <p:sp>
+        <p:nvSpPr>
+          <p:cNvPr id="2" name="Заголовок 1"/>
+          <p:cNvSpPr>
+            <a:spLocks noGrp="1"/>
+          </p:cNvSpPr>
+          <p:nvPr>
+            <p:ph type="title"/>
+          </p:nvPr>
+        </p:nvSpPr>
+        <p:spPr/>
+        <p:txBody>
+          <a:bodyPr/>
+          <a:lstStyle/>
+          <a:p>
+            <a:r>
+              <a:rPr lang="en-US" b="1" dirty="0" smtClean="0"/>
+              <a:t>reduce()</a:t>
+            </a:r>
+            <a:endParaRPr lang="ru-RU" b="1" dirty="0"/>
+          </a:p>
+        </p:txBody>
+      </p:sp>
+      <p:sp>
+        <p:nvSpPr>
+          <p:cNvPr id="3" name="Объект 2"/>
+          <p:cNvSpPr>
+            <a:spLocks noGrp="1"/>
+          </p:cNvSpPr>
+          <p:nvPr>
+            <p:ph idx="1"/>
+          </p:nvPr>
+        </p:nvSpPr>
+        <p:spPr/>
+        <p:txBody>
+          <a:bodyPr/>
+          <a:lstStyle/>
+          <a:p>
+            <a:pPr marL="0" indent="0">
+              <a:buNone/>
+            </a:pPr>
+            <a:r>
+              <a:rPr lang="ru-RU" dirty="0"/>
+              <a:t>Функция </a:t>
+            </a:r>
+            <a:r>
+              <a:rPr lang="ru-RU" dirty="0" err="1"/>
+              <a:t>reduce</a:t>
+            </a:r>
+            <a:r>
+              <a:rPr lang="ru-RU" dirty="0"/>
+              <a:t>() принимает в качестве аргументов функцию и список. Функция вызывается с помощью лямбда-функции и итерируемого объекта  и возвращается новый уменьшенный результат. Так выполняется повторяющаяся операцию над парами итерируемых объектов. Функция </a:t>
+            </a:r>
+            <a:r>
+              <a:rPr lang="ru-RU" dirty="0" err="1"/>
+              <a:t>reduce</a:t>
+            </a:r>
+            <a:r>
+              <a:rPr lang="ru-RU" dirty="0"/>
+              <a:t>() входит в состав модуля </a:t>
+            </a:r>
+            <a:r>
+              <a:rPr lang="ru-RU" dirty="0" err="1"/>
+              <a:t>functools</a:t>
+            </a:r>
+            <a:r>
+              <a:rPr lang="ru-RU" dirty="0"/>
+              <a:t>.</a:t>
+            </a:r>
+          </a:p>
+        </p:txBody>
+      </p:sp>
+    </p:spTree>
+    <p:extLst>
+      <p:ext uri="{BB962C8B-B14F-4D97-AF65-F5344CB8AC3E}">
+        <p14:creationId xmlns:p14="http://schemas.microsoft.com/office/powerpoint/2010/main" val="3190935899"/>
+      </p:ext>
+    </p:extLst>
+  </p:cSld>
+  <p:clrMapOvr>
+    <a:masterClrMapping/>
+  </p:clrMapOvr>
+</p:sld>
+</file>
+
+<file path=ppt/slides/slide54.xml><?xml version="1.0" encoding="utf-8"?>
+<p:sld xmlns:a="http://schemas.openxmlformats.org/drawingml/2006/main" xmlns:r="http://schemas.openxmlformats.org/officeDocument/2006/relationships" xmlns:p="http://schemas.openxmlformats.org/presentationml/2006/main">
+  <p:cSld>
+    <p:spTree>
+      <p:nvGrpSpPr>
+        <p:cNvPr id="1" name=""/>
+        <p:cNvGrpSpPr/>
+        <p:nvPr/>
+      </p:nvGrpSpPr>
+      <p:grpSpPr>
+        <a:xfrm>
+          <a:off x="0" y="0"/>
+          <a:ext cx="0" cy="0"/>
+          <a:chOff x="0" y="0"/>
+          <a:chExt cx="0" cy="0"/>
+        </a:xfrm>
+      </p:grpSpPr>
+      <p:sp>
+        <p:nvSpPr>
+          <p:cNvPr id="2" name="Заголовок 1"/>
+          <p:cNvSpPr>
+            <a:spLocks noGrp="1"/>
+          </p:cNvSpPr>
+          <p:nvPr>
+            <p:ph type="title"/>
+          </p:nvPr>
+        </p:nvSpPr>
+        <p:spPr/>
+        <p:txBody>
+          <a:bodyPr/>
+          <a:lstStyle/>
+          <a:p>
+            <a:endParaRPr lang="ru-RU"/>
+          </a:p>
+        </p:txBody>
+      </p:sp>
+      <p:sp>
+        <p:nvSpPr>
+          <p:cNvPr id="3" name="Объект 2"/>
+          <p:cNvSpPr>
+            <a:spLocks noGrp="1"/>
+          </p:cNvSpPr>
+          <p:nvPr>
+            <p:ph idx="1"/>
+          </p:nvPr>
+        </p:nvSpPr>
+        <p:spPr/>
+        <p:txBody>
+          <a:bodyPr/>
+          <a:lstStyle/>
+          <a:p>
+            <a:r>
+              <a:rPr lang="en-US" b="1" dirty="0">
+                <a:solidFill>
+                  <a:srgbClr val="FF0000"/>
+                </a:solidFill>
+              </a:rPr>
+              <a:t>from</a:t>
+            </a:r>
+            <a:r>
+              <a:rPr lang="en-US" dirty="0">
+                <a:solidFill>
+                  <a:srgbClr val="FF0000"/>
+                </a:solidFill>
+              </a:rPr>
+              <a:t> </a:t>
+            </a:r>
+            <a:r>
+              <a:rPr lang="en-US" dirty="0" err="1">
+                <a:solidFill>
+                  <a:srgbClr val="FF0000"/>
+                </a:solidFill>
+              </a:rPr>
+              <a:t>functools</a:t>
+            </a:r>
+            <a:r>
+              <a:rPr lang="en-US" dirty="0">
+                <a:solidFill>
+                  <a:srgbClr val="FF0000"/>
+                </a:solidFill>
+              </a:rPr>
+              <a:t> </a:t>
+            </a:r>
+            <a:r>
+              <a:rPr lang="en-US" b="1" dirty="0" smtClean="0">
+                <a:solidFill>
+                  <a:srgbClr val="FF0000"/>
+                </a:solidFill>
+              </a:rPr>
+              <a:t>import</a:t>
+            </a:r>
+            <a:endParaRPr lang="en-US" dirty="0">
+              <a:solidFill>
+                <a:srgbClr val="FF0000"/>
+              </a:solidFill>
+            </a:endParaRPr>
+          </a:p>
+          <a:p>
+            <a:endParaRPr lang="en-US" dirty="0">
+              <a:solidFill>
+                <a:srgbClr val="FF0000"/>
+              </a:solidFill>
+            </a:endParaRPr>
+          </a:p>
+          <a:p>
+            <a:r>
+              <a:rPr lang="en-US" dirty="0" smtClean="0">
+                <a:solidFill>
+                  <a:srgbClr val="FF0000"/>
+                </a:solidFill>
+              </a:rPr>
+              <a:t>reduce </a:t>
+            </a:r>
+            <a:r>
+              <a:rPr lang="en-US" dirty="0" err="1">
+                <a:solidFill>
+                  <a:srgbClr val="FF0000"/>
+                </a:solidFill>
+              </a:rPr>
+              <a:t>current_list</a:t>
+            </a:r>
+            <a:r>
+              <a:rPr lang="en-US" dirty="0">
+                <a:solidFill>
+                  <a:srgbClr val="FF0000"/>
+                </a:solidFill>
+              </a:rPr>
+              <a:t> = [5, 15, 20, 30, 50, 55, 75, 60, </a:t>
+            </a:r>
+            <a:r>
+              <a:rPr lang="en-US" dirty="0" smtClean="0">
+                <a:solidFill>
+                  <a:srgbClr val="FF0000"/>
+                </a:solidFill>
+              </a:rPr>
+              <a:t>70]</a:t>
+            </a:r>
+          </a:p>
+          <a:p>
+            <a:endParaRPr lang="en-US" dirty="0">
+              <a:solidFill>
+                <a:srgbClr val="FF0000"/>
+              </a:solidFill>
+            </a:endParaRPr>
+          </a:p>
+          <a:p>
+            <a:r>
+              <a:rPr lang="en-US" dirty="0" smtClean="0">
+                <a:solidFill>
+                  <a:srgbClr val="FF0000"/>
+                </a:solidFill>
+              </a:rPr>
+              <a:t>summa </a:t>
+            </a:r>
+            <a:r>
+              <a:rPr lang="en-US" dirty="0">
+                <a:solidFill>
+                  <a:srgbClr val="FF0000"/>
+                </a:solidFill>
+              </a:rPr>
+              <a:t>= reduce((</a:t>
+            </a:r>
+            <a:r>
+              <a:rPr lang="en-US" b="1" dirty="0">
+                <a:solidFill>
+                  <a:srgbClr val="FF0000"/>
+                </a:solidFill>
+              </a:rPr>
+              <a:t>lambda</a:t>
+            </a:r>
+            <a:r>
+              <a:rPr lang="en-US" dirty="0">
+                <a:solidFill>
+                  <a:srgbClr val="FF0000"/>
+                </a:solidFill>
+              </a:rPr>
+              <a:t> x, y: x + y), </a:t>
+            </a:r>
+            <a:r>
+              <a:rPr lang="en-US" dirty="0" err="1" smtClean="0">
+                <a:solidFill>
+                  <a:srgbClr val="FF0000"/>
+                </a:solidFill>
+              </a:rPr>
+              <a:t>current_list</a:t>
+            </a:r>
+            <a:r>
+              <a:rPr lang="en-US" dirty="0" smtClean="0">
+                <a:solidFill>
+                  <a:srgbClr val="FF0000"/>
+                </a:solidFill>
+              </a:rPr>
+              <a:t>)</a:t>
+            </a:r>
+          </a:p>
+          <a:p>
+            <a:endParaRPr lang="en-US" dirty="0">
+              <a:solidFill>
+                <a:srgbClr val="FF0000"/>
+              </a:solidFill>
+            </a:endParaRPr>
+          </a:p>
+          <a:p>
+            <a:r>
+              <a:rPr lang="en-US" dirty="0" smtClean="0">
+                <a:solidFill>
+                  <a:srgbClr val="FF0000"/>
+                </a:solidFill>
+              </a:rPr>
+              <a:t>print(summa</a:t>
+            </a:r>
+            <a:r>
+              <a:rPr lang="en-US" dirty="0">
+                <a:solidFill>
+                  <a:srgbClr val="FF0000"/>
+                </a:solidFill>
+              </a:rPr>
+              <a:t>)</a:t>
+            </a:r>
+            <a:endParaRPr lang="ru-RU" dirty="0">
+              <a:solidFill>
+                <a:srgbClr val="FF0000"/>
+              </a:solidFill>
+            </a:endParaRPr>
+          </a:p>
+        </p:txBody>
+      </p:sp>
+    </p:spTree>
+    <p:extLst>
+      <p:ext uri="{BB962C8B-B14F-4D97-AF65-F5344CB8AC3E}">
+        <p14:creationId xmlns:p14="http://schemas.microsoft.com/office/powerpoint/2010/main" val="3660654291"/>
+      </p:ext>
+    </p:extLst>
+  </p:cSld>
+  <p:clrMapOvr>
+    <a:masterClrMapping/>
+  </p:clrMapOvr>
+</p:sld>
+</file>
+
+<file path=ppt/slides/slide55.xml><?xml version="1.0" encoding="utf-8"?>
+<p:sld xmlns:a="http://schemas.openxmlformats.org/drawingml/2006/main" xmlns:r="http://schemas.openxmlformats.org/officeDocument/2006/relationships" xmlns:p="http://schemas.openxmlformats.org/presentationml/2006/main">
+  <p:cSld>
+    <p:spTree>
+      <p:nvGrpSpPr>
+        <p:cNvPr id="1" name=""/>
+        <p:cNvGrpSpPr/>
+        <p:nvPr/>
+      </p:nvGrpSpPr>
+      <p:grpSpPr>
+        <a:xfrm>
+          <a:off x="0" y="0"/>
+          <a:ext cx="0" cy="0"/>
+          <a:chOff x="0" y="0"/>
+          <a:chExt cx="0" cy="0"/>
+        </a:xfrm>
+      </p:grpSpPr>
+      <p:sp>
+        <p:nvSpPr>
+          <p:cNvPr id="2" name="Заголовок 1"/>
+          <p:cNvSpPr>
+            <a:spLocks noGrp="1"/>
+          </p:cNvSpPr>
+          <p:nvPr>
+            <p:ph type="title"/>
+          </p:nvPr>
+        </p:nvSpPr>
+        <p:spPr/>
+        <p:txBody>
+          <a:bodyPr/>
+          <a:lstStyle/>
+          <a:p>
+            <a:r>
+              <a:rPr lang="ru-RU" b="1" dirty="0"/>
+              <a:t> Лямбда и  списковое </a:t>
+            </a:r>
+            <a:r>
+              <a:rPr lang="ru-RU" b="1" dirty="0" smtClean="0"/>
+              <a:t>включение</a:t>
+            </a:r>
+            <a:endParaRPr lang="ru-RU" b="1" dirty="0"/>
+          </a:p>
+        </p:txBody>
+      </p:sp>
+      <p:sp>
+        <p:nvSpPr>
+          <p:cNvPr id="3" name="Объект 2"/>
+          <p:cNvSpPr>
+            <a:spLocks noGrp="1"/>
+          </p:cNvSpPr>
+          <p:nvPr>
+            <p:ph idx="1"/>
+          </p:nvPr>
+        </p:nvSpPr>
+        <p:spPr/>
+        <p:txBody>
+          <a:bodyPr/>
+          <a:lstStyle/>
+          <a:p>
+            <a:pPr marL="0" indent="0">
+              <a:buNone/>
+            </a:pPr>
+            <a:r>
+              <a:rPr lang="ru-RU" dirty="0"/>
+              <a:t>В этом примере мы будем использовать лямбда-функцию со списковым включением и лямбда-функцию с циклом </a:t>
+            </a:r>
+            <a:r>
+              <a:rPr lang="ru-RU" dirty="0" err="1"/>
+              <a:t>for</a:t>
+            </a:r>
+            <a:r>
+              <a:rPr lang="ru-RU" dirty="0"/>
+              <a:t>. Мы выведем на экран  таблицу из 10 элементов.</a:t>
+            </a:r>
+          </a:p>
+          <a:p>
+            <a:pPr marL="0" indent="0">
+              <a:buNone/>
+            </a:pPr>
+            <a:endParaRPr lang="ru-RU" dirty="0"/>
+          </a:p>
+          <a:p>
+            <a:pPr marL="0" indent="0">
+              <a:buNone/>
+            </a:pPr>
+            <a:r>
+              <a:rPr lang="ru-RU" dirty="0" err="1">
+                <a:solidFill>
+                  <a:srgbClr val="FF0000"/>
+                </a:solidFill>
+              </a:rPr>
+              <a:t>tables</a:t>
+            </a:r>
+            <a:r>
+              <a:rPr lang="ru-RU" dirty="0">
+                <a:solidFill>
+                  <a:srgbClr val="FF0000"/>
+                </a:solidFill>
+              </a:rPr>
+              <a:t> = [</a:t>
+            </a:r>
+            <a:r>
+              <a:rPr lang="ru-RU" dirty="0" err="1">
+                <a:solidFill>
+                  <a:srgbClr val="FF0000"/>
+                </a:solidFill>
+              </a:rPr>
+              <a:t>lambda</a:t>
+            </a:r>
+            <a:r>
+              <a:rPr lang="ru-RU" dirty="0">
+                <a:solidFill>
+                  <a:srgbClr val="FF0000"/>
+                </a:solidFill>
+              </a:rPr>
+              <a:t> x = x: x*10 </a:t>
+            </a:r>
+            <a:r>
+              <a:rPr lang="ru-RU" dirty="0" err="1">
+                <a:solidFill>
+                  <a:srgbClr val="FF0000"/>
+                </a:solidFill>
+              </a:rPr>
+              <a:t>for</a:t>
+            </a:r>
+            <a:r>
+              <a:rPr lang="ru-RU" dirty="0">
+                <a:solidFill>
+                  <a:srgbClr val="FF0000"/>
+                </a:solidFill>
+              </a:rPr>
+              <a:t> x </a:t>
+            </a:r>
+            <a:r>
+              <a:rPr lang="ru-RU" dirty="0" err="1">
+                <a:solidFill>
+                  <a:srgbClr val="FF0000"/>
+                </a:solidFill>
+              </a:rPr>
+              <a:t>in</a:t>
+            </a:r>
+            <a:r>
+              <a:rPr lang="ru-RU" dirty="0">
+                <a:solidFill>
+                  <a:srgbClr val="FF0000"/>
+                </a:solidFill>
+              </a:rPr>
+              <a:t> </a:t>
+            </a:r>
+            <a:r>
+              <a:rPr lang="ru-RU" dirty="0" err="1">
+                <a:solidFill>
+                  <a:srgbClr val="FF0000"/>
+                </a:solidFill>
+              </a:rPr>
+              <a:t>range</a:t>
+            </a:r>
+            <a:r>
+              <a:rPr lang="ru-RU" dirty="0">
+                <a:solidFill>
+                  <a:srgbClr val="FF0000"/>
+                </a:solidFill>
+              </a:rPr>
+              <a:t>(1, 11)]</a:t>
+            </a:r>
+          </a:p>
+          <a:p>
+            <a:pPr marL="0" indent="0">
+              <a:buNone/>
+            </a:pPr>
+            <a:r>
+              <a:rPr lang="ru-RU" dirty="0" err="1">
+                <a:solidFill>
+                  <a:srgbClr val="FF0000"/>
+                </a:solidFill>
+              </a:rPr>
+              <a:t>for</a:t>
+            </a:r>
+            <a:r>
+              <a:rPr lang="ru-RU" dirty="0">
+                <a:solidFill>
+                  <a:srgbClr val="FF0000"/>
+                </a:solidFill>
+              </a:rPr>
+              <a:t> </a:t>
+            </a:r>
+            <a:r>
+              <a:rPr lang="ru-RU" dirty="0" err="1">
+                <a:solidFill>
+                  <a:srgbClr val="FF0000"/>
+                </a:solidFill>
+              </a:rPr>
+              <a:t>table</a:t>
+            </a:r>
+            <a:r>
+              <a:rPr lang="ru-RU" dirty="0">
+                <a:solidFill>
+                  <a:srgbClr val="FF0000"/>
+                </a:solidFill>
+              </a:rPr>
+              <a:t> </a:t>
+            </a:r>
+            <a:r>
+              <a:rPr lang="ru-RU" dirty="0" err="1">
+                <a:solidFill>
+                  <a:srgbClr val="FF0000"/>
+                </a:solidFill>
+              </a:rPr>
+              <a:t>in</a:t>
+            </a:r>
+            <a:r>
+              <a:rPr lang="ru-RU" dirty="0">
+                <a:solidFill>
+                  <a:srgbClr val="FF0000"/>
+                </a:solidFill>
+              </a:rPr>
+              <a:t> </a:t>
+            </a:r>
+            <a:r>
+              <a:rPr lang="ru-RU" dirty="0" err="1">
+                <a:solidFill>
+                  <a:srgbClr val="FF0000"/>
+                </a:solidFill>
+              </a:rPr>
+              <a:t>tables</a:t>
+            </a:r>
+            <a:r>
+              <a:rPr lang="ru-RU" dirty="0">
+                <a:solidFill>
+                  <a:srgbClr val="FF0000"/>
+                </a:solidFill>
+              </a:rPr>
+              <a:t>:</a:t>
+            </a:r>
+          </a:p>
+          <a:p>
+            <a:pPr marL="0" indent="0">
+              <a:buNone/>
+            </a:pPr>
+            <a:r>
+              <a:rPr lang="ru-RU" dirty="0">
+                <a:solidFill>
+                  <a:srgbClr val="FF0000"/>
+                </a:solidFill>
+              </a:rPr>
+              <a:t>    </a:t>
+            </a:r>
+            <a:r>
+              <a:rPr lang="ru-RU" dirty="0" err="1">
+                <a:solidFill>
+                  <a:srgbClr val="FF0000"/>
+                </a:solidFill>
+              </a:rPr>
+              <a:t>print</a:t>
+            </a:r>
+            <a:r>
+              <a:rPr lang="ru-RU" dirty="0">
+                <a:solidFill>
+                  <a:srgbClr val="FF0000"/>
+                </a:solidFill>
+              </a:rPr>
+              <a:t>(</a:t>
+            </a:r>
+            <a:r>
+              <a:rPr lang="ru-RU" dirty="0" err="1">
+                <a:solidFill>
+                  <a:srgbClr val="FF0000"/>
+                </a:solidFill>
+              </a:rPr>
+              <a:t>table</a:t>
+            </a:r>
+            <a:r>
+              <a:rPr lang="ru-RU" dirty="0">
+                <a:solidFill>
+                  <a:srgbClr val="FF0000"/>
+                </a:solidFill>
+              </a:rPr>
+              <a:t>())</a:t>
+            </a:r>
+          </a:p>
+        </p:txBody>
+      </p:sp>
+    </p:spTree>
+    <p:extLst>
+      <p:ext uri="{BB962C8B-B14F-4D97-AF65-F5344CB8AC3E}">
+        <p14:creationId xmlns:p14="http://schemas.microsoft.com/office/powerpoint/2010/main" val="523733257"/>
+      </p:ext>
+    </p:extLst>
+  </p:cSld>
+  <p:clrMapOvr>
+    <a:masterClrMapping/>
+  </p:clrMapOvr>
+</p:sld>
+</file>
+
+<file path=ppt/slides/slide56.xml><?xml version="1.0" encoding="utf-8"?>
+<p:sld xmlns:a="http://schemas.openxmlformats.org/drawingml/2006/main" xmlns:r="http://schemas.openxmlformats.org/officeDocument/2006/relationships" xmlns:p="http://schemas.openxmlformats.org/presentationml/2006/main">
+  <p:cSld>
+    <p:spTree>
+      <p:nvGrpSpPr>
+        <p:cNvPr id="1" name=""/>
+        <p:cNvGrpSpPr/>
+        <p:nvPr/>
+      </p:nvGrpSpPr>
+      <p:grpSpPr>
+        <a:xfrm>
+          <a:off x="0" y="0"/>
+          <a:ext cx="0" cy="0"/>
+          <a:chOff x="0" y="0"/>
+          <a:chExt cx="0" cy="0"/>
+        </a:xfrm>
+      </p:grpSpPr>
+      <p:sp>
+        <p:nvSpPr>
+          <p:cNvPr id="2" name="Заголовок 1"/>
+          <p:cNvSpPr>
+            <a:spLocks noGrp="1"/>
+          </p:cNvSpPr>
+          <p:nvPr>
+            <p:ph type="title"/>
+          </p:nvPr>
+        </p:nvSpPr>
+        <p:spPr/>
+        <p:txBody>
+          <a:bodyPr/>
+          <a:lstStyle/>
+          <a:p>
+            <a:r>
+              <a:rPr lang="ru-RU" b="1" dirty="0"/>
+              <a:t> Лямбда и условные </a:t>
+            </a:r>
+            <a:r>
+              <a:rPr lang="ru-RU" b="1" dirty="0" smtClean="0"/>
+              <a:t>операторы</a:t>
+            </a:r>
+            <a:endParaRPr lang="ru-RU" b="1" dirty="0"/>
+          </a:p>
+        </p:txBody>
+      </p:sp>
+      <p:sp>
+        <p:nvSpPr>
+          <p:cNvPr id="3" name="Объект 2"/>
+          <p:cNvSpPr>
+            <a:spLocks noGrp="1"/>
+          </p:cNvSpPr>
+          <p:nvPr>
+            <p:ph idx="1"/>
+          </p:nvPr>
+        </p:nvSpPr>
+        <p:spPr/>
+        <p:txBody>
+          <a:bodyPr/>
+          <a:lstStyle/>
+          <a:p>
+            <a:pPr marL="0" indent="0">
+              <a:buNone/>
+            </a:pPr>
+            <a:r>
+              <a:rPr lang="en-US" dirty="0" err="1">
+                <a:solidFill>
+                  <a:srgbClr val="FF0000"/>
+                </a:solidFill>
+              </a:rPr>
+              <a:t>max_number</a:t>
+            </a:r>
+            <a:r>
+              <a:rPr lang="en-US" dirty="0">
+                <a:solidFill>
+                  <a:srgbClr val="FF0000"/>
+                </a:solidFill>
+              </a:rPr>
+              <a:t> = </a:t>
+            </a:r>
+            <a:r>
+              <a:rPr lang="en-US" b="1" dirty="0">
+                <a:solidFill>
+                  <a:srgbClr val="FF0000"/>
+                </a:solidFill>
+              </a:rPr>
+              <a:t>lambda</a:t>
+            </a:r>
+            <a:r>
+              <a:rPr lang="en-US" dirty="0">
+                <a:solidFill>
+                  <a:srgbClr val="FF0000"/>
+                </a:solidFill>
+              </a:rPr>
+              <a:t> a, b: a </a:t>
+            </a:r>
+            <a:r>
+              <a:rPr lang="en-US" b="1" dirty="0">
+                <a:solidFill>
+                  <a:srgbClr val="FF0000"/>
+                </a:solidFill>
+              </a:rPr>
+              <a:t>if</a:t>
+            </a:r>
+            <a:r>
+              <a:rPr lang="en-US" dirty="0">
+                <a:solidFill>
+                  <a:srgbClr val="FF0000"/>
+                </a:solidFill>
+              </a:rPr>
+              <a:t> a &gt; b </a:t>
+            </a:r>
+            <a:r>
+              <a:rPr lang="en-US" b="1" dirty="0">
+                <a:solidFill>
+                  <a:srgbClr val="FF0000"/>
+                </a:solidFill>
+              </a:rPr>
+              <a:t>else</a:t>
+            </a:r>
+            <a:r>
+              <a:rPr lang="en-US" dirty="0">
+                <a:solidFill>
+                  <a:srgbClr val="FF0000"/>
+                </a:solidFill>
+              </a:rPr>
+              <a:t> </a:t>
+            </a:r>
+            <a:r>
+              <a:rPr lang="en-US" dirty="0" smtClean="0">
+                <a:solidFill>
+                  <a:srgbClr val="FF0000"/>
+                </a:solidFill>
+              </a:rPr>
+              <a:t>b</a:t>
+            </a:r>
+          </a:p>
+          <a:p>
+            <a:pPr marL="0" indent="0">
+              <a:buNone/>
+            </a:pPr>
+            <a:r>
+              <a:rPr lang="en-US" dirty="0" smtClean="0">
+                <a:solidFill>
+                  <a:srgbClr val="FF0000"/>
+                </a:solidFill>
+              </a:rPr>
+              <a:t>print(</a:t>
+            </a:r>
+            <a:r>
+              <a:rPr lang="en-US" dirty="0" err="1" smtClean="0">
+                <a:solidFill>
+                  <a:srgbClr val="FF0000"/>
+                </a:solidFill>
+              </a:rPr>
+              <a:t>max_number</a:t>
+            </a:r>
+            <a:r>
+              <a:rPr lang="en-US" dirty="0" smtClean="0">
+                <a:solidFill>
+                  <a:srgbClr val="FF0000"/>
+                </a:solidFill>
+              </a:rPr>
+              <a:t>(3</a:t>
+            </a:r>
+            <a:r>
+              <a:rPr lang="en-US" dirty="0">
+                <a:solidFill>
+                  <a:srgbClr val="FF0000"/>
+                </a:solidFill>
+              </a:rPr>
+              <a:t>, 5))</a:t>
+            </a:r>
+            <a:endParaRPr lang="ru-RU" dirty="0">
+              <a:solidFill>
+                <a:srgbClr val="FF0000"/>
+              </a:solidFill>
+            </a:endParaRPr>
+          </a:p>
+        </p:txBody>
+      </p:sp>
+    </p:spTree>
+    <p:extLst>
+      <p:ext uri="{BB962C8B-B14F-4D97-AF65-F5344CB8AC3E}">
+        <p14:creationId xmlns:p14="http://schemas.microsoft.com/office/powerpoint/2010/main" val="3001750287"/>
       </p:ext>
     </p:extLst>
   </p:cSld>

--- a/Презентация5.pptx
+++ b/Презентация5.pptx
@@ -61,6 +61,15 @@
     <p:sldId id="318" r:id="rId55"/>
     <p:sldId id="319" r:id="rId56"/>
     <p:sldId id="320" r:id="rId57"/>
+    <p:sldId id="321" r:id="rId58"/>
+    <p:sldId id="322" r:id="rId59"/>
+    <p:sldId id="323" r:id="rId60"/>
+    <p:sldId id="324" r:id="rId61"/>
+    <p:sldId id="325" r:id="rId62"/>
+    <p:sldId id="327" r:id="rId63"/>
+    <p:sldId id="328" r:id="rId64"/>
+    <p:sldId id="330" r:id="rId65"/>
+    <p:sldId id="329" r:id="rId66"/>
   </p:sldIdLst>
   <p:sldSz cx="12192000" cy="6858000"/>
   <p:notesSz cx="6858000" cy="9144000"/>
@@ -220,6 +229,15 @@
             <p14:sldId id="318"/>
             <p14:sldId id="319"/>
             <p14:sldId id="320"/>
+            <p14:sldId id="321"/>
+            <p14:sldId id="322"/>
+            <p14:sldId id="323"/>
+            <p14:sldId id="324"/>
+            <p14:sldId id="325"/>
+            <p14:sldId id="327"/>
+            <p14:sldId id="328"/>
+            <p14:sldId id="330"/>
+            <p14:sldId id="329"/>
           </p14:sldIdLst>
         </p14:section>
       </p14:sectionLst>
@@ -362,7 +380,7 @@
           <a:p>
             <a:fld id="{4DFC802E-E380-4157-8B4B-9B0F0D44B88C}" type="datetimeFigureOut">
               <a:rPr lang="ru-RU" smtClean="0"/>
-              <a:t>26.11.2023</a:t>
+              <a:t>28.11.2023</a:t>
             </a:fld>
             <a:endParaRPr lang="ru-RU"/>
           </a:p>
@@ -532,7 +550,7 @@
           <a:p>
             <a:fld id="{4DFC802E-E380-4157-8B4B-9B0F0D44B88C}" type="datetimeFigureOut">
               <a:rPr lang="ru-RU" smtClean="0"/>
-              <a:t>26.11.2023</a:t>
+              <a:t>28.11.2023</a:t>
             </a:fld>
             <a:endParaRPr lang="ru-RU"/>
           </a:p>
@@ -712,7 +730,7 @@
           <a:p>
             <a:fld id="{4DFC802E-E380-4157-8B4B-9B0F0D44B88C}" type="datetimeFigureOut">
               <a:rPr lang="ru-RU" smtClean="0"/>
-              <a:t>26.11.2023</a:t>
+              <a:t>28.11.2023</a:t>
             </a:fld>
             <a:endParaRPr lang="ru-RU"/>
           </a:p>
@@ -882,7 +900,7 @@
           <a:p>
             <a:fld id="{4DFC802E-E380-4157-8B4B-9B0F0D44B88C}" type="datetimeFigureOut">
               <a:rPr lang="ru-RU" smtClean="0"/>
-              <a:t>26.11.2023</a:t>
+              <a:t>28.11.2023</a:t>
             </a:fld>
             <a:endParaRPr lang="ru-RU"/>
           </a:p>
@@ -1128,7 +1146,7 @@
           <a:p>
             <a:fld id="{4DFC802E-E380-4157-8B4B-9B0F0D44B88C}" type="datetimeFigureOut">
               <a:rPr lang="ru-RU" smtClean="0"/>
-              <a:t>26.11.2023</a:t>
+              <a:t>28.11.2023</a:t>
             </a:fld>
             <a:endParaRPr lang="ru-RU"/>
           </a:p>
@@ -1360,7 +1378,7 @@
           <a:p>
             <a:fld id="{4DFC802E-E380-4157-8B4B-9B0F0D44B88C}" type="datetimeFigureOut">
               <a:rPr lang="ru-RU" smtClean="0"/>
-              <a:t>26.11.2023</a:t>
+              <a:t>28.11.2023</a:t>
             </a:fld>
             <a:endParaRPr lang="ru-RU"/>
           </a:p>
@@ -1727,7 +1745,7 @@
           <a:p>
             <a:fld id="{4DFC802E-E380-4157-8B4B-9B0F0D44B88C}" type="datetimeFigureOut">
               <a:rPr lang="ru-RU" smtClean="0"/>
-              <a:t>26.11.2023</a:t>
+              <a:t>28.11.2023</a:t>
             </a:fld>
             <a:endParaRPr lang="ru-RU"/>
           </a:p>
@@ -1845,7 +1863,7 @@
           <a:p>
             <a:fld id="{4DFC802E-E380-4157-8B4B-9B0F0D44B88C}" type="datetimeFigureOut">
               <a:rPr lang="ru-RU" smtClean="0"/>
-              <a:t>26.11.2023</a:t>
+              <a:t>28.11.2023</a:t>
             </a:fld>
             <a:endParaRPr lang="ru-RU"/>
           </a:p>
@@ -1940,7 +1958,7 @@
           <a:p>
             <a:fld id="{4DFC802E-E380-4157-8B4B-9B0F0D44B88C}" type="datetimeFigureOut">
               <a:rPr lang="ru-RU" smtClean="0"/>
-              <a:t>26.11.2023</a:t>
+              <a:t>28.11.2023</a:t>
             </a:fld>
             <a:endParaRPr lang="ru-RU"/>
           </a:p>
@@ -2217,7 +2235,7 @@
           <a:p>
             <a:fld id="{4DFC802E-E380-4157-8B4B-9B0F0D44B88C}" type="datetimeFigureOut">
               <a:rPr lang="ru-RU" smtClean="0"/>
-              <a:t>26.11.2023</a:t>
+              <a:t>28.11.2023</a:t>
             </a:fld>
             <a:endParaRPr lang="ru-RU"/>
           </a:p>
@@ -2470,7 +2488,7 @@
           <a:p>
             <a:fld id="{4DFC802E-E380-4157-8B4B-9B0F0D44B88C}" type="datetimeFigureOut">
               <a:rPr lang="ru-RU" smtClean="0"/>
-              <a:t>26.11.2023</a:t>
+              <a:t>28.11.2023</a:t>
             </a:fld>
             <a:endParaRPr lang="ru-RU"/>
           </a:p>
@@ -2683,7 +2701,7 @@
           <a:p>
             <a:fld id="{4DFC802E-E380-4157-8B4B-9B0F0D44B88C}" type="datetimeFigureOut">
               <a:rPr lang="ru-RU" smtClean="0"/>
-              <a:t>26.11.2023</a:t>
+              <a:t>28.11.2023</a:t>
             </a:fld>
             <a:endParaRPr lang="ru-RU"/>
           </a:p>
@@ -13528,6 +13546,773 @@
 </p:sld>
 </file>
 
+<file path=ppt/slides/slide57.xml><?xml version="1.0" encoding="utf-8"?>
+<p:sld xmlns:a="http://schemas.openxmlformats.org/drawingml/2006/main" xmlns:r="http://schemas.openxmlformats.org/officeDocument/2006/relationships" xmlns:p="http://schemas.openxmlformats.org/presentationml/2006/main">
+  <p:cSld>
+    <p:spTree>
+      <p:nvGrpSpPr>
+        <p:cNvPr id="1" name=""/>
+        <p:cNvGrpSpPr/>
+        <p:nvPr/>
+      </p:nvGrpSpPr>
+      <p:grpSpPr>
+        <a:xfrm>
+          <a:off x="0" y="0"/>
+          <a:ext cx="0" cy="0"/>
+          <a:chOff x="0" y="0"/>
+          <a:chExt cx="0" cy="0"/>
+        </a:xfrm>
+      </p:grpSpPr>
+      <p:sp>
+        <p:nvSpPr>
+          <p:cNvPr id="2" name="Заголовок 1"/>
+          <p:cNvSpPr>
+            <a:spLocks noGrp="1"/>
+          </p:cNvSpPr>
+          <p:nvPr>
+            <p:ph type="title"/>
+          </p:nvPr>
+        </p:nvSpPr>
+        <p:spPr/>
+        <p:txBody>
+          <a:bodyPr>
+            <a:normAutofit/>
+          </a:bodyPr>
+          <a:lstStyle/>
+          <a:p>
+            <a:r>
+              <a:rPr lang="ru-RU" b="1" dirty="0" smtClean="0"/>
+              <a:t>Декораторы</a:t>
+            </a:r>
+            <a:endParaRPr lang="ru-RU" dirty="0"/>
+          </a:p>
+        </p:txBody>
+      </p:sp>
+      <p:sp>
+        <p:nvSpPr>
+          <p:cNvPr id="3" name="Объект 2"/>
+          <p:cNvSpPr>
+            <a:spLocks noGrp="1"/>
+          </p:cNvSpPr>
+          <p:nvPr>
+            <p:ph idx="1"/>
+          </p:nvPr>
+        </p:nvSpPr>
+        <p:spPr>
+          <a:xfrm>
+            <a:off x="838200" y="2794475"/>
+            <a:ext cx="10515600" cy="3382488"/>
+          </a:xfrm>
+        </p:spPr>
+        <p:txBody>
+          <a:bodyPr/>
+          <a:lstStyle/>
+          <a:p>
+            <a:pPr marL="0" indent="0">
+              <a:buNone/>
+            </a:pPr>
+            <a:r>
+              <a:rPr lang="ru-RU" b="1" dirty="0" smtClean="0"/>
+              <a:t>Декораторы</a:t>
+            </a:r>
+            <a:r>
+              <a:rPr lang="ru-RU" dirty="0"/>
+              <a:t> — это, по сути, "обёртки", которые дают нам возможность изменить поведение функции, не изменяя её код.</a:t>
+            </a:r>
+            <a:endParaRPr lang="ru-RU" dirty="0"/>
+          </a:p>
+        </p:txBody>
+      </p:sp>
+    </p:spTree>
+    <p:extLst>
+      <p:ext uri="{BB962C8B-B14F-4D97-AF65-F5344CB8AC3E}">
+        <p14:creationId xmlns:p14="http://schemas.microsoft.com/office/powerpoint/2010/main" val="2835603868"/>
+      </p:ext>
+    </p:extLst>
+  </p:cSld>
+  <p:clrMapOvr>
+    <a:masterClrMapping/>
+  </p:clrMapOvr>
+</p:sld>
+</file>
+
+<file path=ppt/slides/slide58.xml><?xml version="1.0" encoding="utf-8"?>
+<p:sld xmlns:a="http://schemas.openxmlformats.org/drawingml/2006/main" xmlns:r="http://schemas.openxmlformats.org/officeDocument/2006/relationships" xmlns:p="http://schemas.openxmlformats.org/presentationml/2006/main">
+  <p:cSld>
+    <p:spTree>
+      <p:nvGrpSpPr>
+        <p:cNvPr id="1" name=""/>
+        <p:cNvGrpSpPr/>
+        <p:nvPr/>
+      </p:nvGrpSpPr>
+      <p:grpSpPr>
+        <a:xfrm>
+          <a:off x="0" y="0"/>
+          <a:ext cx="0" cy="0"/>
+          <a:chOff x="0" y="0"/>
+          <a:chExt cx="0" cy="0"/>
+        </a:xfrm>
+      </p:grpSpPr>
+      <p:sp>
+        <p:nvSpPr>
+          <p:cNvPr id="3" name="Объект 2"/>
+          <p:cNvSpPr>
+            <a:spLocks noGrp="1"/>
+          </p:cNvSpPr>
+          <p:nvPr>
+            <p:ph idx="1"/>
+          </p:nvPr>
+        </p:nvSpPr>
+        <p:spPr>
+          <a:xfrm>
+            <a:off x="838200" y="299102"/>
+            <a:ext cx="10515600" cy="6340979"/>
+          </a:xfrm>
+        </p:spPr>
+        <p:txBody>
+          <a:bodyPr>
+            <a:normAutofit fontScale="85000" lnSpcReduction="20000"/>
+          </a:bodyPr>
+          <a:lstStyle/>
+          <a:p>
+            <a:pPr marL="0" indent="0">
+              <a:buNone/>
+            </a:pPr>
+            <a:r>
+              <a:rPr lang="en-US" dirty="0" err="1"/>
+              <a:t>def</a:t>
+            </a:r>
+            <a:r>
+              <a:rPr lang="en-US" dirty="0"/>
+              <a:t> </a:t>
+            </a:r>
+            <a:r>
+              <a:rPr lang="en-US" dirty="0" err="1" smtClean="0"/>
+              <a:t>my_shiny_new_decorator</a:t>
+            </a:r>
+            <a:r>
+              <a:rPr lang="en-US" dirty="0" smtClean="0"/>
+              <a:t>(</a:t>
+            </a:r>
+            <a:r>
+              <a:rPr lang="en-US" dirty="0" err="1" smtClean="0">
+                <a:solidFill>
+                  <a:srgbClr val="FF0000"/>
+                </a:solidFill>
+              </a:rPr>
+              <a:t>func</a:t>
+            </a:r>
+            <a:r>
+              <a:rPr lang="en-US" dirty="0" smtClean="0"/>
+              <a:t>):</a:t>
+            </a:r>
+            <a:endParaRPr lang="en-US" dirty="0"/>
+          </a:p>
+          <a:p>
+            <a:pPr marL="0" indent="0">
+              <a:buNone/>
+            </a:pPr>
+            <a:r>
+              <a:rPr lang="en-US" dirty="0" smtClean="0">
+                <a:solidFill>
+                  <a:srgbClr val="7030A0"/>
+                </a:solidFill>
+              </a:rPr>
+              <a:t># </a:t>
+            </a:r>
+            <a:r>
+              <a:rPr lang="ru-RU" dirty="0">
+                <a:solidFill>
+                  <a:srgbClr val="7030A0"/>
+                </a:solidFill>
+              </a:rPr>
+              <a:t>Внутри себя декоратор определяет функцию-"обёртку". Она будет обёрнута вокруг декорируемой</a:t>
+            </a:r>
+            <a:r>
+              <a:rPr lang="ru-RU" dirty="0" smtClean="0">
+                <a:solidFill>
+                  <a:srgbClr val="7030A0"/>
+                </a:solidFill>
+              </a:rPr>
+              <a:t>, </a:t>
+            </a:r>
+            <a:r>
+              <a:rPr lang="ru-RU" dirty="0">
+                <a:solidFill>
+                  <a:srgbClr val="7030A0"/>
+                </a:solidFill>
+              </a:rPr>
+              <a:t>получая возможность исполнять произвольный код до и после неё.</a:t>
+            </a:r>
+          </a:p>
+          <a:p>
+            <a:pPr marL="0" indent="0">
+              <a:buNone/>
+            </a:pPr>
+            <a:r>
+              <a:rPr lang="ru-RU" dirty="0"/>
+              <a:t>    </a:t>
+            </a:r>
+            <a:r>
+              <a:rPr lang="en-US" dirty="0" err="1">
+                <a:solidFill>
+                  <a:srgbClr val="00B050"/>
+                </a:solidFill>
+              </a:rPr>
+              <a:t>def</a:t>
+            </a:r>
+            <a:r>
+              <a:rPr lang="en-US" dirty="0">
+                <a:solidFill>
+                  <a:srgbClr val="00B050"/>
+                </a:solidFill>
+              </a:rPr>
+              <a:t> </a:t>
+            </a:r>
+            <a:r>
+              <a:rPr lang="en-US" dirty="0" smtClean="0">
+                <a:solidFill>
+                  <a:srgbClr val="00B050"/>
+                </a:solidFill>
+              </a:rPr>
+              <a:t>wrapper():</a:t>
+            </a:r>
+            <a:endParaRPr lang="en-US" dirty="0">
+              <a:solidFill>
+                <a:srgbClr val="00B050"/>
+              </a:solidFill>
+            </a:endParaRPr>
+          </a:p>
+          <a:p>
+            <a:pPr marL="0" indent="0">
+              <a:buNone/>
+            </a:pPr>
+            <a:r>
+              <a:rPr lang="en-US" dirty="0"/>
+              <a:t>        </a:t>
+            </a:r>
+            <a:r>
+              <a:rPr lang="en-US" dirty="0">
+                <a:solidFill>
+                  <a:srgbClr val="00B0F0"/>
+                </a:solidFill>
+              </a:rPr>
+              <a:t>print("</a:t>
+            </a:r>
+            <a:r>
+              <a:rPr lang="ru-RU" dirty="0">
+                <a:solidFill>
+                  <a:srgbClr val="00B0F0"/>
+                </a:solidFill>
+              </a:rPr>
+              <a:t>Я - код, который отработает до вызова функции")</a:t>
+            </a:r>
+          </a:p>
+          <a:p>
+            <a:pPr marL="0" indent="0">
+              <a:buNone/>
+            </a:pPr>
+            <a:r>
+              <a:rPr lang="ru-RU" dirty="0"/>
+              <a:t>        </a:t>
+            </a:r>
+            <a:r>
+              <a:rPr lang="en-US" dirty="0" err="1" smtClean="0">
+                <a:solidFill>
+                  <a:srgbClr val="FF0000"/>
+                </a:solidFill>
+              </a:rPr>
+              <a:t>func</a:t>
+            </a:r>
+            <a:r>
+              <a:rPr lang="en-US" dirty="0" smtClean="0">
+                <a:solidFill>
+                  <a:srgbClr val="FF0000"/>
+                </a:solidFill>
+              </a:rPr>
+              <a:t>() </a:t>
+            </a:r>
+            <a:r>
+              <a:rPr lang="en-US" dirty="0">
+                <a:solidFill>
+                  <a:srgbClr val="FF0000"/>
+                </a:solidFill>
+              </a:rPr>
+              <a:t># </a:t>
+            </a:r>
+            <a:r>
+              <a:rPr lang="ru-RU" dirty="0">
+                <a:solidFill>
+                  <a:srgbClr val="FF0000"/>
+                </a:solidFill>
+              </a:rPr>
+              <a:t>Сама функция</a:t>
+            </a:r>
+          </a:p>
+          <a:p>
+            <a:pPr marL="0" indent="0">
+              <a:buNone/>
+            </a:pPr>
+            <a:r>
+              <a:rPr lang="ru-RU" dirty="0"/>
+              <a:t>        </a:t>
+            </a:r>
+            <a:r>
+              <a:rPr lang="en-US" dirty="0">
+                <a:solidFill>
+                  <a:srgbClr val="00B0F0"/>
+                </a:solidFill>
+              </a:rPr>
+              <a:t>print("</a:t>
+            </a:r>
+            <a:r>
+              <a:rPr lang="ru-RU" dirty="0">
+                <a:solidFill>
+                  <a:srgbClr val="00B0F0"/>
+                </a:solidFill>
+              </a:rPr>
+              <a:t>А я - код, срабатывающий после")</a:t>
+            </a:r>
+          </a:p>
+          <a:p>
+            <a:pPr marL="0" indent="0">
+              <a:buNone/>
+            </a:pPr>
+            <a:r>
+              <a:rPr lang="en-US" dirty="0" smtClean="0"/>
+              <a:t>return </a:t>
+            </a:r>
+            <a:r>
+              <a:rPr lang="en-US" dirty="0">
+                <a:solidFill>
+                  <a:srgbClr val="00B050"/>
+                </a:solidFill>
+              </a:rPr>
+              <a:t>wrapper</a:t>
+            </a:r>
+          </a:p>
+          <a:p>
+            <a:pPr marL="0" indent="0">
+              <a:buNone/>
+            </a:pPr>
+            <a:endParaRPr lang="ru-RU" dirty="0" smtClean="0"/>
+          </a:p>
+          <a:p>
+            <a:pPr marL="0" indent="0">
+              <a:buNone/>
+            </a:pPr>
+            <a:r>
+              <a:rPr lang="en-US" dirty="0" err="1" smtClean="0">
+                <a:solidFill>
+                  <a:srgbClr val="FF0000"/>
+                </a:solidFill>
+              </a:rPr>
+              <a:t>def</a:t>
+            </a:r>
+            <a:r>
+              <a:rPr lang="en-US" dirty="0" smtClean="0">
+                <a:solidFill>
+                  <a:srgbClr val="FF0000"/>
+                </a:solidFill>
+              </a:rPr>
+              <a:t> </a:t>
+            </a:r>
+            <a:r>
+              <a:rPr lang="en-US" dirty="0" err="1">
+                <a:solidFill>
+                  <a:srgbClr val="FF0000"/>
+                </a:solidFill>
+              </a:rPr>
+              <a:t>stand_alone_function</a:t>
+            </a:r>
+            <a:r>
+              <a:rPr lang="en-US" dirty="0">
+                <a:solidFill>
+                  <a:srgbClr val="FF0000"/>
+                </a:solidFill>
+              </a:rPr>
+              <a:t>():</a:t>
+            </a:r>
+          </a:p>
+          <a:p>
+            <a:pPr marL="0" indent="0">
+              <a:buNone/>
+            </a:pPr>
+            <a:r>
+              <a:rPr lang="en-US" dirty="0">
+                <a:solidFill>
+                  <a:srgbClr val="FF0000"/>
+                </a:solidFill>
+              </a:rPr>
+              <a:t>    print("</a:t>
+            </a:r>
+            <a:r>
+              <a:rPr lang="ru-RU" dirty="0">
+                <a:solidFill>
+                  <a:srgbClr val="FF0000"/>
+                </a:solidFill>
+              </a:rPr>
+              <a:t>Я простая </a:t>
+            </a:r>
+            <a:r>
+              <a:rPr lang="ru-RU" dirty="0" smtClean="0">
+                <a:solidFill>
+                  <a:srgbClr val="FF0000"/>
+                </a:solidFill>
+              </a:rPr>
+              <a:t>функция")</a:t>
+            </a:r>
+            <a:endParaRPr lang="ru-RU" dirty="0">
+              <a:solidFill>
+                <a:srgbClr val="FF0000"/>
+              </a:solidFill>
+            </a:endParaRPr>
+          </a:p>
+          <a:p>
+            <a:pPr marL="0" indent="0">
+              <a:buNone/>
+            </a:pPr>
+            <a:endParaRPr lang="ru-RU" dirty="0"/>
+          </a:p>
+          <a:p>
+            <a:pPr marL="0" indent="0">
+              <a:buNone/>
+            </a:pPr>
+            <a:r>
+              <a:rPr lang="en-US" dirty="0" err="1">
+                <a:solidFill>
+                  <a:srgbClr val="0070C0"/>
+                </a:solidFill>
+              </a:rPr>
+              <a:t>stand_alone_function</a:t>
+            </a:r>
+            <a:r>
+              <a:rPr lang="en-US" dirty="0">
+                <a:solidFill>
+                  <a:srgbClr val="0070C0"/>
+                </a:solidFill>
+              </a:rPr>
+              <a:t>()</a:t>
+            </a:r>
+          </a:p>
+          <a:p>
+            <a:pPr marL="0" indent="0">
+              <a:buNone/>
+            </a:pPr>
+            <a:r>
+              <a:rPr lang="en-US" dirty="0" err="1" smtClean="0">
+                <a:solidFill>
+                  <a:srgbClr val="00B050"/>
+                </a:solidFill>
+              </a:rPr>
+              <a:t>stand_alone_function_decorated</a:t>
+            </a:r>
+            <a:r>
+              <a:rPr lang="en-US" dirty="0" smtClean="0">
+                <a:solidFill>
+                  <a:srgbClr val="00B050"/>
+                </a:solidFill>
+              </a:rPr>
+              <a:t> </a:t>
+            </a:r>
+            <a:r>
+              <a:rPr lang="en-US" dirty="0">
+                <a:solidFill>
+                  <a:srgbClr val="00B050"/>
+                </a:solidFill>
+              </a:rPr>
+              <a:t>= </a:t>
+            </a:r>
+            <a:r>
+              <a:rPr lang="en-US" dirty="0" err="1">
+                <a:solidFill>
+                  <a:srgbClr val="00B050"/>
+                </a:solidFill>
+              </a:rPr>
+              <a:t>my_shiny_new_decorator</a:t>
+            </a:r>
+            <a:r>
+              <a:rPr lang="en-US" dirty="0">
+                <a:solidFill>
+                  <a:srgbClr val="00B050"/>
+                </a:solidFill>
+              </a:rPr>
+              <a:t>(</a:t>
+            </a:r>
+            <a:r>
+              <a:rPr lang="en-US" dirty="0" err="1">
+                <a:solidFill>
+                  <a:srgbClr val="00B050"/>
+                </a:solidFill>
+              </a:rPr>
+              <a:t>stand_alone_function</a:t>
+            </a:r>
+            <a:r>
+              <a:rPr lang="en-US" dirty="0">
+                <a:solidFill>
+                  <a:srgbClr val="00B050"/>
+                </a:solidFill>
+              </a:rPr>
+              <a:t>)</a:t>
+            </a:r>
+          </a:p>
+          <a:p>
+            <a:pPr marL="0" indent="0">
+              <a:buNone/>
+            </a:pPr>
+            <a:r>
+              <a:rPr lang="en-US" dirty="0" err="1">
+                <a:solidFill>
+                  <a:srgbClr val="00B050"/>
+                </a:solidFill>
+              </a:rPr>
+              <a:t>stand_alone_function_decorated</a:t>
+            </a:r>
+            <a:r>
+              <a:rPr lang="en-US" dirty="0">
+                <a:solidFill>
+                  <a:srgbClr val="00B050"/>
+                </a:solidFill>
+              </a:rPr>
+              <a:t>()</a:t>
+            </a:r>
+            <a:endParaRPr lang="ru-RU" dirty="0">
+              <a:solidFill>
+                <a:srgbClr val="00B050"/>
+              </a:solidFill>
+            </a:endParaRPr>
+          </a:p>
+        </p:txBody>
+      </p:sp>
+    </p:spTree>
+    <p:extLst>
+      <p:ext uri="{BB962C8B-B14F-4D97-AF65-F5344CB8AC3E}">
+        <p14:creationId xmlns:p14="http://schemas.microsoft.com/office/powerpoint/2010/main" val="3020065952"/>
+      </p:ext>
+    </p:extLst>
+  </p:cSld>
+  <p:clrMapOvr>
+    <a:masterClrMapping/>
+  </p:clrMapOvr>
+</p:sld>
+</file>
+
+<file path=ppt/slides/slide59.xml><?xml version="1.0" encoding="utf-8"?>
+<p:sld xmlns:a="http://schemas.openxmlformats.org/drawingml/2006/main" xmlns:r="http://schemas.openxmlformats.org/officeDocument/2006/relationships" xmlns:p="http://schemas.openxmlformats.org/presentationml/2006/main">
+  <p:cSld>
+    <p:spTree>
+      <p:nvGrpSpPr>
+        <p:cNvPr id="1" name=""/>
+        <p:cNvGrpSpPr/>
+        <p:nvPr/>
+      </p:nvGrpSpPr>
+      <p:grpSpPr>
+        <a:xfrm>
+          <a:off x="0" y="0"/>
+          <a:ext cx="0" cy="0"/>
+          <a:chOff x="0" y="0"/>
+          <a:chExt cx="0" cy="0"/>
+        </a:xfrm>
+      </p:grpSpPr>
+      <p:sp>
+        <p:nvSpPr>
+          <p:cNvPr id="3" name="Объект 2"/>
+          <p:cNvSpPr>
+            <a:spLocks noGrp="1"/>
+          </p:cNvSpPr>
+          <p:nvPr>
+            <p:ph idx="1"/>
+          </p:nvPr>
+        </p:nvSpPr>
+        <p:spPr>
+          <a:xfrm>
+            <a:off x="393107" y="615297"/>
+            <a:ext cx="11442818" cy="5922236"/>
+          </a:xfrm>
+        </p:spPr>
+        <p:txBody>
+          <a:bodyPr/>
+          <a:lstStyle/>
+          <a:p>
+            <a:pPr marL="0" indent="0">
+              <a:buNone/>
+            </a:pPr>
+            <a:r>
+              <a:rPr lang="ru-RU" dirty="0"/>
+              <a:t>Наверное, теперь мы бы хотели, чтобы каждый раз, во время вызова </a:t>
+            </a:r>
+            <a:r>
+              <a:rPr lang="en-US" dirty="0" err="1">
+                <a:solidFill>
+                  <a:srgbClr val="FF0000"/>
+                </a:solidFill>
+              </a:rPr>
+              <a:t>stand_alone_function</a:t>
+            </a:r>
+            <a:r>
+              <a:rPr lang="en-US" dirty="0"/>
+              <a:t>, </a:t>
+            </a:r>
+            <a:r>
+              <a:rPr lang="ru-RU" dirty="0"/>
+              <a:t>вместо неё вызывалась </a:t>
+            </a:r>
+            <a:r>
+              <a:rPr lang="en-US" dirty="0" err="1">
+                <a:solidFill>
+                  <a:srgbClr val="FF0000"/>
+                </a:solidFill>
+              </a:rPr>
+              <a:t>stand_alone_function_decorated</a:t>
+            </a:r>
+            <a:r>
+              <a:rPr lang="en-US" dirty="0" smtClean="0"/>
+              <a:t>.</a:t>
+            </a:r>
+          </a:p>
+          <a:p>
+            <a:pPr marL="0" indent="0">
+              <a:buNone/>
+            </a:pPr>
+            <a:endParaRPr lang="en-US" dirty="0" smtClean="0"/>
+          </a:p>
+          <a:p>
+            <a:pPr marL="0" indent="0">
+              <a:buNone/>
+            </a:pPr>
+            <a:endParaRPr lang="en-US" dirty="0"/>
+          </a:p>
+          <a:p>
+            <a:pPr marL="0" indent="0">
+              <a:buNone/>
+            </a:pPr>
+            <a:r>
+              <a:rPr lang="en-US" dirty="0" smtClean="0"/>
+              <a:t> </a:t>
+            </a:r>
+            <a:r>
+              <a:rPr lang="ru-RU" dirty="0"/>
+              <a:t>Для этого просто перезапишем </a:t>
+            </a:r>
+            <a:r>
+              <a:rPr lang="en-US" dirty="0" err="1">
+                <a:solidFill>
+                  <a:srgbClr val="FF0000"/>
+                </a:solidFill>
+              </a:rPr>
+              <a:t>stand_alone_function</a:t>
+            </a:r>
+            <a:r>
+              <a:rPr lang="en-US" dirty="0" smtClean="0"/>
+              <a:t>:</a:t>
+            </a:r>
+          </a:p>
+          <a:p>
+            <a:pPr marL="0" indent="0">
+              <a:buNone/>
+            </a:pPr>
+            <a:endParaRPr lang="en-US" dirty="0" smtClean="0"/>
+          </a:p>
+          <a:p>
+            <a:pPr marL="0" indent="0">
+              <a:buNone/>
+            </a:pPr>
+            <a:endParaRPr lang="en-US" dirty="0"/>
+          </a:p>
+          <a:p>
+            <a:pPr marL="0" indent="0">
+              <a:buNone/>
+            </a:pPr>
+            <a:r>
+              <a:rPr lang="en-US" dirty="0" err="1">
+                <a:solidFill>
+                  <a:srgbClr val="FF0000"/>
+                </a:solidFill>
+              </a:rPr>
+              <a:t>stand_alone_function</a:t>
+            </a:r>
+            <a:r>
+              <a:rPr lang="en-US" dirty="0">
+                <a:solidFill>
+                  <a:srgbClr val="FF0000"/>
+                </a:solidFill>
+              </a:rPr>
+              <a:t> = </a:t>
+            </a:r>
+            <a:r>
+              <a:rPr lang="en-US" dirty="0" err="1">
+                <a:solidFill>
+                  <a:srgbClr val="FF0000"/>
+                </a:solidFill>
+              </a:rPr>
+              <a:t>my_shiny_new_decorator</a:t>
+            </a:r>
+            <a:r>
+              <a:rPr lang="en-US" dirty="0">
+                <a:solidFill>
+                  <a:srgbClr val="FF0000"/>
+                </a:solidFill>
+              </a:rPr>
+              <a:t>(</a:t>
+            </a:r>
+            <a:r>
+              <a:rPr lang="en-US" dirty="0" err="1">
+                <a:solidFill>
+                  <a:srgbClr val="FF0000"/>
+                </a:solidFill>
+              </a:rPr>
+              <a:t>stand_alone_function</a:t>
+            </a:r>
+            <a:r>
+              <a:rPr lang="en-US" dirty="0">
+                <a:solidFill>
+                  <a:srgbClr val="FF0000"/>
+                </a:solidFill>
+              </a:rPr>
+              <a:t>)</a:t>
+            </a:r>
+          </a:p>
+          <a:p>
+            <a:pPr marL="0" indent="0">
+              <a:buNone/>
+            </a:pPr>
+            <a:r>
+              <a:rPr lang="en-US" dirty="0" err="1">
+                <a:solidFill>
+                  <a:srgbClr val="FF0000"/>
+                </a:solidFill>
+              </a:rPr>
+              <a:t>stand_alone_function</a:t>
+            </a:r>
+            <a:r>
+              <a:rPr lang="en-US" dirty="0">
+                <a:solidFill>
+                  <a:srgbClr val="FF0000"/>
+                </a:solidFill>
+              </a:rPr>
+              <a:t>()</a:t>
+            </a:r>
+            <a:endParaRPr lang="ru-RU" dirty="0">
+              <a:solidFill>
+                <a:srgbClr val="FF0000"/>
+              </a:solidFill>
+            </a:endParaRPr>
+          </a:p>
+        </p:txBody>
+      </p:sp>
+    </p:spTree>
+    <p:extLst>
+      <p:ext uri="{BB962C8B-B14F-4D97-AF65-F5344CB8AC3E}">
+        <p14:creationId xmlns:p14="http://schemas.microsoft.com/office/powerpoint/2010/main" val="166175017"/>
+      </p:ext>
+    </p:extLst>
+  </p:cSld>
+  <p:clrMapOvr>
+    <a:masterClrMapping/>
+  </p:clrMapOvr>
+</p:sld>
+</file>
+
 <file path=ppt/slides/slide6.xml><?xml version="1.0" encoding="utf-8"?>
 <p:sld xmlns:a="http://schemas.openxmlformats.org/drawingml/2006/main" xmlns:r="http://schemas.openxmlformats.org/officeDocument/2006/relationships" xmlns:p="http://schemas.openxmlformats.org/presentationml/2006/main">
   <p:cSld>
@@ -13572,6 +14357,1659 @@
     <p:extLst>
       <p:ext uri="{BB962C8B-B14F-4D97-AF65-F5344CB8AC3E}">
         <p14:creationId xmlns:p14="http://schemas.microsoft.com/office/powerpoint/2010/main" val="1187070856"/>
+      </p:ext>
+    </p:extLst>
+  </p:cSld>
+  <p:clrMapOvr>
+    <a:masterClrMapping/>
+  </p:clrMapOvr>
+</p:sld>
+</file>
+
+<file path=ppt/slides/slide60.xml><?xml version="1.0" encoding="utf-8"?>
+<p:sld xmlns:a="http://schemas.openxmlformats.org/drawingml/2006/main" xmlns:r="http://schemas.openxmlformats.org/officeDocument/2006/relationships" xmlns:p="http://schemas.openxmlformats.org/presentationml/2006/main">
+  <p:cSld>
+    <p:spTree>
+      <p:nvGrpSpPr>
+        <p:cNvPr id="1" name=""/>
+        <p:cNvGrpSpPr/>
+        <p:nvPr/>
+      </p:nvGrpSpPr>
+      <p:grpSpPr>
+        <a:xfrm>
+          <a:off x="0" y="0"/>
+          <a:ext cx="0" cy="0"/>
+          <a:chOff x="0" y="0"/>
+          <a:chExt cx="0" cy="0"/>
+        </a:xfrm>
+      </p:grpSpPr>
+      <p:sp>
+        <p:nvSpPr>
+          <p:cNvPr id="3" name="Объект 2"/>
+          <p:cNvSpPr>
+            <a:spLocks noGrp="1"/>
+          </p:cNvSpPr>
+          <p:nvPr>
+            <p:ph idx="1"/>
+          </p:nvPr>
+        </p:nvSpPr>
+        <p:spPr>
+          <a:xfrm>
+            <a:off x="838200" y="418744"/>
+            <a:ext cx="10515600" cy="5758219"/>
+          </a:xfrm>
+        </p:spPr>
+        <p:txBody>
+          <a:bodyPr/>
+          <a:lstStyle/>
+          <a:p>
+            <a:pPr marL="0" indent="0">
+              <a:buNone/>
+            </a:pPr>
+            <a:r>
+              <a:rPr lang="ru-RU" dirty="0" smtClean="0"/>
+              <a:t>Чтобы записать еще проще можно использовать </a:t>
+            </a:r>
+            <a:r>
+              <a:rPr lang="ru-RU" dirty="0"/>
+              <a:t>синтаксис декораторов</a:t>
+            </a:r>
+            <a:r>
+              <a:rPr lang="ru-RU" dirty="0" smtClean="0"/>
+              <a:t>:</a:t>
+            </a:r>
+          </a:p>
+          <a:p>
+            <a:pPr marL="0" indent="0">
+              <a:buNone/>
+            </a:pPr>
+            <a:endParaRPr lang="ru-RU" dirty="0"/>
+          </a:p>
+          <a:p>
+            <a:pPr marL="0" indent="0">
+              <a:buNone/>
+            </a:pPr>
+            <a:endParaRPr lang="ru-RU" dirty="0" smtClean="0"/>
+          </a:p>
+          <a:p>
+            <a:pPr marL="0" indent="0">
+              <a:buNone/>
+            </a:pPr>
+            <a:r>
+              <a:rPr lang="en-US" dirty="0" smtClean="0">
+                <a:solidFill>
+                  <a:srgbClr val="0070C0"/>
+                </a:solidFill>
+              </a:rPr>
+              <a:t>@</a:t>
+            </a:r>
+            <a:r>
+              <a:rPr lang="en-US" dirty="0" err="1" smtClean="0">
+                <a:solidFill>
+                  <a:srgbClr val="0070C0"/>
+                </a:solidFill>
+              </a:rPr>
+              <a:t>my_shiny_new_decorator</a:t>
+            </a:r>
+            <a:endParaRPr lang="en-US" dirty="0" smtClean="0">
+              <a:solidFill>
+                <a:srgbClr val="0070C0"/>
+              </a:solidFill>
+            </a:endParaRPr>
+          </a:p>
+          <a:p>
+            <a:pPr marL="0" indent="0">
+              <a:buNone/>
+            </a:pPr>
+            <a:r>
+              <a:rPr lang="en-US" dirty="0" err="1" smtClean="0">
+                <a:solidFill>
+                  <a:srgbClr val="FF0000"/>
+                </a:solidFill>
+              </a:rPr>
+              <a:t>def</a:t>
+            </a:r>
+            <a:r>
+              <a:rPr lang="en-US" dirty="0" smtClean="0">
+                <a:solidFill>
+                  <a:srgbClr val="FF0000"/>
+                </a:solidFill>
+              </a:rPr>
+              <a:t> </a:t>
+            </a:r>
+            <a:r>
+              <a:rPr lang="en-US" dirty="0" err="1" smtClean="0">
+                <a:solidFill>
+                  <a:srgbClr val="FF0000"/>
+                </a:solidFill>
+              </a:rPr>
+              <a:t>another_stand_alone_function</a:t>
+            </a:r>
+            <a:r>
+              <a:rPr lang="en-US" dirty="0" smtClean="0">
+                <a:solidFill>
+                  <a:srgbClr val="FF0000"/>
+                </a:solidFill>
+              </a:rPr>
+              <a:t>():</a:t>
+            </a:r>
+          </a:p>
+          <a:p>
+            <a:pPr marL="0" indent="0">
+              <a:buNone/>
+            </a:pPr>
+            <a:r>
+              <a:rPr lang="en-US" dirty="0" smtClean="0"/>
+              <a:t>    </a:t>
+            </a:r>
+            <a:r>
+              <a:rPr lang="en-US" dirty="0" smtClean="0">
+                <a:solidFill>
+                  <a:srgbClr val="FF0000"/>
+                </a:solidFill>
+              </a:rPr>
+              <a:t>print("</a:t>
+            </a:r>
+            <a:r>
+              <a:rPr lang="ru-RU" dirty="0" smtClean="0">
+                <a:solidFill>
+                  <a:srgbClr val="FF0000"/>
+                </a:solidFill>
+              </a:rPr>
+              <a:t>Я простая функция, но уже другая!!!")</a:t>
+            </a:r>
+          </a:p>
+          <a:p>
+            <a:pPr marL="0" indent="0">
+              <a:buNone/>
+            </a:pPr>
+            <a:endParaRPr lang="en-US" dirty="0"/>
+          </a:p>
+          <a:p>
+            <a:pPr marL="0" indent="0">
+              <a:buNone/>
+            </a:pPr>
+            <a:r>
+              <a:rPr lang="en-US" dirty="0" err="1">
+                <a:solidFill>
+                  <a:srgbClr val="0070C0"/>
+                </a:solidFill>
+              </a:rPr>
+              <a:t>another_stand_alone_function</a:t>
+            </a:r>
+            <a:r>
+              <a:rPr lang="en-US" dirty="0">
+                <a:solidFill>
+                  <a:srgbClr val="0070C0"/>
+                </a:solidFill>
+              </a:rPr>
+              <a:t>()</a:t>
+            </a:r>
+            <a:endParaRPr lang="ru-RU" dirty="0">
+              <a:solidFill>
+                <a:srgbClr val="0070C0"/>
+              </a:solidFill>
+            </a:endParaRPr>
+          </a:p>
+        </p:txBody>
+      </p:sp>
+    </p:spTree>
+    <p:extLst>
+      <p:ext uri="{BB962C8B-B14F-4D97-AF65-F5344CB8AC3E}">
+        <p14:creationId xmlns:p14="http://schemas.microsoft.com/office/powerpoint/2010/main" val="1396912355"/>
+      </p:ext>
+    </p:extLst>
+  </p:cSld>
+  <p:clrMapOvr>
+    <a:masterClrMapping/>
+  </p:clrMapOvr>
+</p:sld>
+</file>
+
+<file path=ppt/slides/slide61.xml><?xml version="1.0" encoding="utf-8"?>
+<p:sld xmlns:a="http://schemas.openxmlformats.org/drawingml/2006/main" xmlns:r="http://schemas.openxmlformats.org/officeDocument/2006/relationships" xmlns:p="http://schemas.openxmlformats.org/presentationml/2006/main">
+  <p:cSld>
+    <p:spTree>
+      <p:nvGrpSpPr>
+        <p:cNvPr id="1" name=""/>
+        <p:cNvGrpSpPr/>
+        <p:nvPr/>
+      </p:nvGrpSpPr>
+      <p:grpSpPr>
+        <a:xfrm>
+          <a:off x="0" y="0"/>
+          <a:ext cx="0" cy="0"/>
+          <a:chOff x="0" y="0"/>
+          <a:chExt cx="0" cy="0"/>
+        </a:xfrm>
+      </p:grpSpPr>
+      <p:sp>
+        <p:nvSpPr>
+          <p:cNvPr id="2" name="Заголовок 1"/>
+          <p:cNvSpPr>
+            <a:spLocks noGrp="1"/>
+          </p:cNvSpPr>
+          <p:nvPr>
+            <p:ph type="title"/>
+          </p:nvPr>
+        </p:nvSpPr>
+        <p:spPr>
+          <a:xfrm>
+            <a:off x="769834" y="211301"/>
+            <a:ext cx="10980634" cy="634733"/>
+          </a:xfrm>
+        </p:spPr>
+        <p:txBody>
+          <a:bodyPr>
+            <a:normAutofit fontScale="90000"/>
+          </a:bodyPr>
+          <a:lstStyle/>
+          <a:p>
+            <a:r>
+              <a:rPr lang="ru-RU" sz="2400" dirty="0"/>
+              <a:t>При этом, естественно, можно использовать </a:t>
+            </a:r>
+            <a:r>
+              <a:rPr lang="ru-RU" sz="2400" dirty="0" smtClean="0"/>
+              <a:t>несколько </a:t>
+            </a:r>
+            <a:r>
+              <a:rPr lang="ru-RU" sz="2400" dirty="0"/>
+              <a:t>декораторов для одной функции, например так:</a:t>
+            </a:r>
+            <a:endParaRPr lang="ru-RU" sz="2400" dirty="0"/>
+          </a:p>
+        </p:txBody>
+      </p:sp>
+      <p:sp>
+        <p:nvSpPr>
+          <p:cNvPr id="3" name="Объект 2"/>
+          <p:cNvSpPr>
+            <a:spLocks noGrp="1"/>
+          </p:cNvSpPr>
+          <p:nvPr>
+            <p:ph idx="1"/>
+          </p:nvPr>
+        </p:nvSpPr>
+        <p:spPr>
+          <a:xfrm>
+            <a:off x="452927" y="999858"/>
+            <a:ext cx="11097426" cy="5947873"/>
+          </a:xfrm>
+        </p:spPr>
+        <p:txBody>
+          <a:bodyPr numCol="2">
+            <a:noAutofit/>
+          </a:bodyPr>
+          <a:lstStyle/>
+          <a:p>
+            <a:pPr marL="0" indent="0">
+              <a:buNone/>
+            </a:pPr>
+            <a:r>
+              <a:rPr lang="en-US" sz="2400" dirty="0" err="1">
+                <a:solidFill>
+                  <a:srgbClr val="0070C0"/>
+                </a:solidFill>
+              </a:rPr>
+              <a:t>def</a:t>
+            </a:r>
+            <a:r>
+              <a:rPr lang="en-US" sz="2400" dirty="0">
+                <a:solidFill>
+                  <a:srgbClr val="0070C0"/>
+                </a:solidFill>
+              </a:rPr>
+              <a:t> bread(</a:t>
+            </a:r>
+            <a:r>
+              <a:rPr lang="en-US" sz="2400" dirty="0" err="1">
+                <a:solidFill>
+                  <a:srgbClr val="0070C0"/>
+                </a:solidFill>
+              </a:rPr>
+              <a:t>func</a:t>
+            </a:r>
+            <a:r>
+              <a:rPr lang="en-US" sz="2400" dirty="0">
+                <a:solidFill>
+                  <a:srgbClr val="0070C0"/>
+                </a:solidFill>
+              </a:rPr>
+              <a:t>):</a:t>
+            </a:r>
+          </a:p>
+          <a:p>
+            <a:pPr marL="0" indent="0">
+              <a:buNone/>
+            </a:pPr>
+            <a:r>
+              <a:rPr lang="en-US" sz="2400" dirty="0">
+                <a:solidFill>
+                  <a:srgbClr val="0070C0"/>
+                </a:solidFill>
+              </a:rPr>
+              <a:t>    </a:t>
+            </a:r>
+            <a:r>
+              <a:rPr lang="en-US" sz="2400" dirty="0" err="1">
+                <a:solidFill>
+                  <a:srgbClr val="0070C0"/>
+                </a:solidFill>
+              </a:rPr>
+              <a:t>def</a:t>
+            </a:r>
+            <a:r>
+              <a:rPr lang="en-US" sz="2400" dirty="0">
+                <a:solidFill>
+                  <a:srgbClr val="0070C0"/>
+                </a:solidFill>
+              </a:rPr>
+              <a:t> wrapper():</a:t>
+            </a:r>
+          </a:p>
+          <a:p>
+            <a:pPr marL="0" indent="0">
+              <a:buNone/>
+            </a:pPr>
+            <a:r>
+              <a:rPr lang="en-US" sz="2400" dirty="0">
+                <a:solidFill>
+                  <a:srgbClr val="0070C0"/>
+                </a:solidFill>
+              </a:rPr>
+              <a:t>        print</a:t>
+            </a:r>
+            <a:r>
+              <a:rPr lang="en-US" sz="2400" dirty="0" smtClean="0">
+                <a:solidFill>
+                  <a:srgbClr val="0070C0"/>
+                </a:solidFill>
+              </a:rPr>
+              <a:t>(“_”)</a:t>
+            </a:r>
+            <a:endParaRPr lang="en-US" sz="2400" dirty="0">
+              <a:solidFill>
+                <a:srgbClr val="0070C0"/>
+              </a:solidFill>
+            </a:endParaRPr>
+          </a:p>
+          <a:p>
+            <a:pPr marL="0" indent="0">
+              <a:buNone/>
+            </a:pPr>
+            <a:r>
+              <a:rPr lang="en-US" sz="2400" dirty="0">
+                <a:solidFill>
+                  <a:srgbClr val="0070C0"/>
+                </a:solidFill>
+              </a:rPr>
+              <a:t>        </a:t>
+            </a:r>
+            <a:r>
+              <a:rPr lang="en-US" sz="2400" dirty="0" err="1">
+                <a:solidFill>
+                  <a:srgbClr val="0070C0"/>
+                </a:solidFill>
+              </a:rPr>
+              <a:t>func</a:t>
+            </a:r>
+            <a:r>
+              <a:rPr lang="en-US" sz="2400" dirty="0">
+                <a:solidFill>
+                  <a:srgbClr val="0070C0"/>
+                </a:solidFill>
+              </a:rPr>
+              <a:t>()</a:t>
+            </a:r>
+          </a:p>
+          <a:p>
+            <a:pPr marL="0" indent="0">
+              <a:buNone/>
+            </a:pPr>
+            <a:r>
+              <a:rPr lang="en-US" sz="2400" dirty="0">
+                <a:solidFill>
+                  <a:srgbClr val="0070C0"/>
+                </a:solidFill>
+              </a:rPr>
+              <a:t>        print("&lt;\______/&gt;")</a:t>
+            </a:r>
+          </a:p>
+          <a:p>
+            <a:pPr marL="0" indent="0">
+              <a:buNone/>
+            </a:pPr>
+            <a:r>
+              <a:rPr lang="en-US" sz="2400" dirty="0">
+                <a:solidFill>
+                  <a:srgbClr val="0070C0"/>
+                </a:solidFill>
+              </a:rPr>
+              <a:t>    return wrapper</a:t>
+            </a:r>
+          </a:p>
+          <a:p>
+            <a:pPr marL="0" indent="0">
+              <a:buNone/>
+            </a:pPr>
+            <a:endParaRPr lang="en-US" sz="2400" dirty="0"/>
+          </a:p>
+          <a:p>
+            <a:pPr marL="0" indent="0">
+              <a:buNone/>
+            </a:pPr>
+            <a:r>
+              <a:rPr lang="en-US" sz="2400" dirty="0" err="1">
+                <a:solidFill>
+                  <a:srgbClr val="FF0000"/>
+                </a:solidFill>
+              </a:rPr>
+              <a:t>def</a:t>
+            </a:r>
+            <a:r>
+              <a:rPr lang="en-US" sz="2400" dirty="0">
+                <a:solidFill>
+                  <a:srgbClr val="FF0000"/>
+                </a:solidFill>
+              </a:rPr>
+              <a:t> ingredients(</a:t>
+            </a:r>
+            <a:r>
+              <a:rPr lang="en-US" sz="2400" dirty="0" err="1">
+                <a:solidFill>
+                  <a:srgbClr val="FF0000"/>
+                </a:solidFill>
+              </a:rPr>
+              <a:t>func</a:t>
+            </a:r>
+            <a:r>
+              <a:rPr lang="en-US" sz="2400" dirty="0">
+                <a:solidFill>
+                  <a:srgbClr val="FF0000"/>
+                </a:solidFill>
+              </a:rPr>
+              <a:t>):</a:t>
+            </a:r>
+          </a:p>
+          <a:p>
+            <a:pPr marL="0" indent="0">
+              <a:buNone/>
+            </a:pPr>
+            <a:r>
+              <a:rPr lang="en-US" sz="2400" dirty="0">
+                <a:solidFill>
+                  <a:srgbClr val="FF0000"/>
+                </a:solidFill>
+              </a:rPr>
+              <a:t>    </a:t>
+            </a:r>
+            <a:r>
+              <a:rPr lang="en-US" sz="2400" dirty="0" err="1">
+                <a:solidFill>
+                  <a:srgbClr val="FF0000"/>
+                </a:solidFill>
+              </a:rPr>
+              <a:t>def</a:t>
+            </a:r>
+            <a:r>
+              <a:rPr lang="en-US" sz="2400" dirty="0">
+                <a:solidFill>
+                  <a:srgbClr val="FF0000"/>
+                </a:solidFill>
+              </a:rPr>
+              <a:t> wrapper():</a:t>
+            </a:r>
+          </a:p>
+          <a:p>
+            <a:pPr marL="0" indent="0">
+              <a:buNone/>
+            </a:pPr>
+            <a:r>
+              <a:rPr lang="en-US" sz="2400" dirty="0">
+                <a:solidFill>
+                  <a:srgbClr val="FF0000"/>
+                </a:solidFill>
+              </a:rPr>
+              <a:t>        print("#</a:t>
+            </a:r>
+            <a:r>
+              <a:rPr lang="ru-RU" sz="2400" dirty="0">
+                <a:solidFill>
+                  <a:srgbClr val="FF0000"/>
+                </a:solidFill>
+              </a:rPr>
+              <a:t>помидоры#")</a:t>
+            </a:r>
+          </a:p>
+          <a:p>
+            <a:pPr marL="0" indent="0">
+              <a:buNone/>
+            </a:pPr>
+            <a:r>
+              <a:rPr lang="ru-RU" sz="2400" dirty="0">
+                <a:solidFill>
+                  <a:srgbClr val="FF0000"/>
+                </a:solidFill>
+              </a:rPr>
+              <a:t>        </a:t>
+            </a:r>
+            <a:r>
+              <a:rPr lang="en-US" sz="2400" dirty="0" err="1">
+                <a:solidFill>
+                  <a:srgbClr val="FF0000"/>
+                </a:solidFill>
+              </a:rPr>
+              <a:t>func</a:t>
+            </a:r>
+            <a:r>
+              <a:rPr lang="en-US" sz="2400" dirty="0">
+                <a:solidFill>
+                  <a:srgbClr val="FF0000"/>
+                </a:solidFill>
+              </a:rPr>
+              <a:t>()</a:t>
+            </a:r>
+          </a:p>
+          <a:p>
+            <a:pPr marL="0" indent="0">
+              <a:buNone/>
+            </a:pPr>
+            <a:r>
+              <a:rPr lang="en-US" sz="2400" dirty="0">
+                <a:solidFill>
+                  <a:srgbClr val="FF0000"/>
+                </a:solidFill>
+              </a:rPr>
+              <a:t>        print("~</a:t>
+            </a:r>
+            <a:r>
+              <a:rPr lang="ru-RU" sz="2400" dirty="0">
+                <a:solidFill>
+                  <a:srgbClr val="FF0000"/>
+                </a:solidFill>
+              </a:rPr>
+              <a:t>салат~")</a:t>
+            </a:r>
+          </a:p>
+          <a:p>
+            <a:pPr marL="0" indent="0">
+              <a:buNone/>
+            </a:pPr>
+            <a:r>
+              <a:rPr lang="ru-RU" sz="2400" dirty="0">
+                <a:solidFill>
+                  <a:srgbClr val="FF0000"/>
+                </a:solidFill>
+              </a:rPr>
+              <a:t>    </a:t>
+            </a:r>
+            <a:r>
+              <a:rPr lang="en-US" sz="2400" dirty="0">
+                <a:solidFill>
+                  <a:srgbClr val="FF0000"/>
+                </a:solidFill>
+              </a:rPr>
+              <a:t>return wrapper</a:t>
+            </a:r>
+          </a:p>
+          <a:p>
+            <a:pPr marL="0" indent="0">
+              <a:buNone/>
+            </a:pPr>
+            <a:r>
+              <a:rPr lang="en-US" sz="2400" dirty="0" err="1" smtClean="0">
+                <a:solidFill>
+                  <a:srgbClr val="00B050"/>
+                </a:solidFill>
+              </a:rPr>
+              <a:t>def</a:t>
+            </a:r>
+            <a:r>
+              <a:rPr lang="en-US" sz="2400" dirty="0" smtClean="0">
+                <a:solidFill>
+                  <a:srgbClr val="00B050"/>
+                </a:solidFill>
+              </a:rPr>
+              <a:t> </a:t>
+            </a:r>
+            <a:r>
+              <a:rPr lang="en-US" sz="2400" dirty="0">
+                <a:solidFill>
+                  <a:srgbClr val="00B050"/>
+                </a:solidFill>
+              </a:rPr>
+              <a:t>sandwich(food="--</a:t>
+            </a:r>
+            <a:r>
+              <a:rPr lang="ru-RU" sz="2400" dirty="0">
+                <a:solidFill>
+                  <a:srgbClr val="00B050"/>
+                </a:solidFill>
+              </a:rPr>
+              <a:t>ветчина--"):</a:t>
+            </a:r>
+          </a:p>
+          <a:p>
+            <a:pPr marL="0" indent="0">
+              <a:buNone/>
+            </a:pPr>
+            <a:r>
+              <a:rPr lang="ru-RU" sz="2400" dirty="0">
+                <a:solidFill>
+                  <a:srgbClr val="00B050"/>
+                </a:solidFill>
+              </a:rPr>
+              <a:t>    </a:t>
+            </a:r>
+            <a:r>
+              <a:rPr lang="en-US" sz="2400" dirty="0">
+                <a:solidFill>
+                  <a:srgbClr val="00B050"/>
+                </a:solidFill>
+              </a:rPr>
+              <a:t>print(food)</a:t>
+            </a:r>
+          </a:p>
+          <a:p>
+            <a:pPr marL="0" indent="0">
+              <a:buNone/>
+            </a:pPr>
+            <a:endParaRPr lang="en-US" sz="2400" dirty="0"/>
+          </a:p>
+          <a:p>
+            <a:pPr marL="0" indent="0">
+              <a:buNone/>
+            </a:pPr>
+            <a:r>
+              <a:rPr lang="en-US" sz="2400" dirty="0"/>
+              <a:t>sandwich()</a:t>
+            </a:r>
+          </a:p>
+          <a:p>
+            <a:pPr marL="0" indent="0">
+              <a:buNone/>
+            </a:pPr>
+            <a:r>
+              <a:rPr lang="en-US" sz="2400" dirty="0"/>
+              <a:t>sandwich = bread(ingredients(sandwich))</a:t>
+            </a:r>
+          </a:p>
+          <a:p>
+            <a:pPr marL="0" indent="0">
+              <a:buNone/>
+            </a:pPr>
+            <a:r>
+              <a:rPr lang="en-US" sz="2400" dirty="0"/>
+              <a:t>sandwich()</a:t>
+            </a:r>
+            <a:endParaRPr lang="ru-RU" sz="2400" dirty="0"/>
+          </a:p>
+        </p:txBody>
+      </p:sp>
+    </p:spTree>
+    <p:extLst>
+      <p:ext uri="{BB962C8B-B14F-4D97-AF65-F5344CB8AC3E}">
+        <p14:creationId xmlns:p14="http://schemas.microsoft.com/office/powerpoint/2010/main" val="1247221361"/>
+      </p:ext>
+    </p:extLst>
+  </p:cSld>
+  <p:clrMapOvr>
+    <a:masterClrMapping/>
+  </p:clrMapOvr>
+</p:sld>
+</file>
+
+<file path=ppt/slides/slide62.xml><?xml version="1.0" encoding="utf-8"?>
+<p:sld xmlns:a="http://schemas.openxmlformats.org/drawingml/2006/main" xmlns:r="http://schemas.openxmlformats.org/officeDocument/2006/relationships" xmlns:p="http://schemas.openxmlformats.org/presentationml/2006/main">
+  <p:cSld>
+    <p:spTree>
+      <p:nvGrpSpPr>
+        <p:cNvPr id="1" name=""/>
+        <p:cNvGrpSpPr/>
+        <p:nvPr/>
+      </p:nvGrpSpPr>
+      <p:grpSpPr>
+        <a:xfrm>
+          <a:off x="0" y="0"/>
+          <a:ext cx="0" cy="0"/>
+          <a:chOff x="0" y="0"/>
+          <a:chExt cx="0" cy="0"/>
+        </a:xfrm>
+      </p:grpSpPr>
+      <p:sp>
+        <p:nvSpPr>
+          <p:cNvPr id="3" name="Объект 2"/>
+          <p:cNvSpPr>
+            <a:spLocks noGrp="1"/>
+          </p:cNvSpPr>
+          <p:nvPr>
+            <p:ph idx="1"/>
+          </p:nvPr>
+        </p:nvSpPr>
+        <p:spPr>
+          <a:xfrm>
+            <a:off x="838200" y="188007"/>
+            <a:ext cx="10515600" cy="5988956"/>
+          </a:xfrm>
+        </p:spPr>
+        <p:txBody>
+          <a:bodyPr>
+            <a:normAutofit/>
+          </a:bodyPr>
+          <a:lstStyle/>
+          <a:p>
+            <a:pPr marL="0" indent="0" algn="ctr">
+              <a:buNone/>
+            </a:pPr>
+            <a:endParaRPr lang="en-US" sz="4000" dirty="0" smtClean="0"/>
+          </a:p>
+          <a:p>
+            <a:pPr marL="0" indent="0" algn="ctr">
+              <a:buNone/>
+            </a:pPr>
+            <a:r>
+              <a:rPr lang="ru-RU" sz="4000" dirty="0" smtClean="0"/>
+              <a:t>--</a:t>
+            </a:r>
+            <a:r>
+              <a:rPr lang="ru-RU" sz="4000" dirty="0"/>
+              <a:t>ветчина--</a:t>
+            </a:r>
+          </a:p>
+          <a:p>
+            <a:pPr marL="0" indent="0" algn="ctr">
+              <a:buNone/>
+            </a:pPr>
+            <a:r>
+              <a:rPr lang="ru-RU" sz="4000" dirty="0"/>
+              <a:t>_</a:t>
+            </a:r>
+          </a:p>
+          <a:p>
+            <a:pPr marL="0" indent="0" algn="ctr">
+              <a:buNone/>
+            </a:pPr>
+            <a:r>
+              <a:rPr lang="ru-RU" sz="4000" dirty="0"/>
+              <a:t>#помидоры#</a:t>
+            </a:r>
+          </a:p>
+          <a:p>
+            <a:pPr marL="0" indent="0" algn="ctr">
+              <a:buNone/>
+            </a:pPr>
+            <a:r>
+              <a:rPr lang="ru-RU" sz="4000" dirty="0"/>
+              <a:t>--ветчина--</a:t>
+            </a:r>
+          </a:p>
+          <a:p>
+            <a:pPr marL="0" indent="0" algn="ctr">
+              <a:buNone/>
+            </a:pPr>
+            <a:r>
+              <a:rPr lang="ru-RU" sz="4000" dirty="0"/>
+              <a:t>~салат~</a:t>
+            </a:r>
+          </a:p>
+          <a:p>
+            <a:pPr marL="0" indent="0" algn="ctr">
+              <a:buNone/>
+            </a:pPr>
+            <a:r>
+              <a:rPr lang="ru-RU" sz="4000" dirty="0" smtClean="0"/>
+              <a:t>&lt;\______/&gt;</a:t>
+            </a:r>
+            <a:endParaRPr lang="ru-RU" sz="4000" dirty="0"/>
+          </a:p>
+        </p:txBody>
+      </p:sp>
+    </p:spTree>
+    <p:extLst>
+      <p:ext uri="{BB962C8B-B14F-4D97-AF65-F5344CB8AC3E}">
+        <p14:creationId xmlns:p14="http://schemas.microsoft.com/office/powerpoint/2010/main" val="1917248684"/>
+      </p:ext>
+    </p:extLst>
+  </p:cSld>
+  <p:clrMapOvr>
+    <a:masterClrMapping/>
+  </p:clrMapOvr>
+</p:sld>
+</file>
+
+<file path=ppt/slides/slide63.xml><?xml version="1.0" encoding="utf-8"?>
+<p:sld xmlns:a="http://schemas.openxmlformats.org/drawingml/2006/main" xmlns:r="http://schemas.openxmlformats.org/officeDocument/2006/relationships" xmlns:p="http://schemas.openxmlformats.org/presentationml/2006/main">
+  <p:cSld>
+    <p:spTree>
+      <p:nvGrpSpPr>
+        <p:cNvPr id="1" name=""/>
+        <p:cNvGrpSpPr/>
+        <p:nvPr/>
+      </p:nvGrpSpPr>
+      <p:grpSpPr>
+        <a:xfrm>
+          <a:off x="0" y="0"/>
+          <a:ext cx="0" cy="0"/>
+          <a:chOff x="0" y="0"/>
+          <a:chExt cx="0" cy="0"/>
+        </a:xfrm>
+      </p:grpSpPr>
+      <p:sp>
+        <p:nvSpPr>
+          <p:cNvPr id="3" name="Объект 2"/>
+          <p:cNvSpPr>
+            <a:spLocks noGrp="1"/>
+          </p:cNvSpPr>
+          <p:nvPr>
+            <p:ph idx="1"/>
+          </p:nvPr>
+        </p:nvSpPr>
+        <p:spPr>
+          <a:xfrm>
+            <a:off x="188007" y="1324598"/>
+            <a:ext cx="12003993" cy="4852365"/>
+          </a:xfrm>
+        </p:spPr>
+        <p:txBody>
+          <a:bodyPr numCol="2">
+            <a:normAutofit/>
+          </a:bodyPr>
+          <a:lstStyle/>
+          <a:p>
+            <a:pPr marL="0" indent="0">
+              <a:buNone/>
+            </a:pPr>
+            <a:r>
+              <a:rPr lang="en-US" dirty="0">
+                <a:solidFill>
+                  <a:srgbClr val="00B050"/>
+                </a:solidFill>
+              </a:rPr>
+              <a:t>@bread</a:t>
+            </a:r>
+          </a:p>
+          <a:p>
+            <a:pPr marL="0" indent="0">
+              <a:buNone/>
+            </a:pPr>
+            <a:r>
+              <a:rPr lang="en-US" dirty="0">
+                <a:solidFill>
+                  <a:srgbClr val="00B050"/>
+                </a:solidFill>
+              </a:rPr>
+              <a:t>@ingredients</a:t>
+            </a:r>
+          </a:p>
+          <a:p>
+            <a:pPr marL="0" indent="0">
+              <a:buNone/>
+            </a:pPr>
+            <a:r>
+              <a:rPr lang="en-US" dirty="0" err="1">
+                <a:solidFill>
+                  <a:srgbClr val="00B050"/>
+                </a:solidFill>
+              </a:rPr>
+              <a:t>def</a:t>
+            </a:r>
+            <a:r>
+              <a:rPr lang="en-US" dirty="0">
+                <a:solidFill>
+                  <a:srgbClr val="00B050"/>
+                </a:solidFill>
+              </a:rPr>
+              <a:t> sandwich(food="--</a:t>
+            </a:r>
+            <a:r>
+              <a:rPr lang="ru-RU" dirty="0">
+                <a:solidFill>
+                  <a:srgbClr val="00B050"/>
+                </a:solidFill>
+              </a:rPr>
+              <a:t>ветчина--"):</a:t>
+            </a:r>
+          </a:p>
+          <a:p>
+            <a:pPr marL="0" indent="0">
+              <a:buNone/>
+            </a:pPr>
+            <a:r>
+              <a:rPr lang="ru-RU" dirty="0">
+                <a:solidFill>
+                  <a:srgbClr val="00B050"/>
+                </a:solidFill>
+              </a:rPr>
+              <a:t>    </a:t>
+            </a:r>
+            <a:r>
+              <a:rPr lang="en-US" dirty="0">
+                <a:solidFill>
+                  <a:srgbClr val="00B050"/>
+                </a:solidFill>
+              </a:rPr>
+              <a:t>print(food)</a:t>
+            </a:r>
+          </a:p>
+          <a:p>
+            <a:pPr marL="0" indent="0">
+              <a:buNone/>
+            </a:pPr>
+            <a:endParaRPr lang="en-US" dirty="0">
+              <a:solidFill>
+                <a:srgbClr val="00B050"/>
+              </a:solidFill>
+            </a:endParaRPr>
+          </a:p>
+          <a:p>
+            <a:pPr marL="0" indent="0">
+              <a:buNone/>
+            </a:pPr>
+            <a:r>
+              <a:rPr lang="en-US" dirty="0">
+                <a:solidFill>
+                  <a:srgbClr val="00B050"/>
+                </a:solidFill>
+              </a:rPr>
+              <a:t>sandwich()</a:t>
+            </a:r>
+          </a:p>
+          <a:p>
+            <a:pPr marL="0" indent="0">
+              <a:buNone/>
+            </a:pPr>
+            <a:endParaRPr lang="en-US" dirty="0" smtClean="0"/>
+          </a:p>
+          <a:p>
+            <a:pPr marL="0" indent="0">
+              <a:buNone/>
+            </a:pPr>
+            <a:endParaRPr lang="en-US" dirty="0"/>
+          </a:p>
+          <a:p>
+            <a:pPr marL="0" indent="0">
+              <a:buNone/>
+            </a:pPr>
+            <a:endParaRPr lang="en-US" dirty="0"/>
+          </a:p>
+          <a:p>
+            <a:pPr marL="0" indent="0">
+              <a:buNone/>
+            </a:pPr>
+            <a:r>
+              <a:rPr lang="en-US" dirty="0">
+                <a:solidFill>
+                  <a:srgbClr val="FF0000"/>
+                </a:solidFill>
+              </a:rPr>
+              <a:t>@ingredients</a:t>
+            </a:r>
+          </a:p>
+          <a:p>
+            <a:pPr marL="0" indent="0">
+              <a:buNone/>
+            </a:pPr>
+            <a:r>
+              <a:rPr lang="en-US" dirty="0">
+                <a:solidFill>
+                  <a:srgbClr val="FF0000"/>
+                </a:solidFill>
+              </a:rPr>
+              <a:t>@bread</a:t>
+            </a:r>
+          </a:p>
+          <a:p>
+            <a:pPr marL="0" indent="0">
+              <a:buNone/>
+            </a:pPr>
+            <a:r>
+              <a:rPr lang="en-US" dirty="0" err="1">
+                <a:solidFill>
+                  <a:srgbClr val="FF0000"/>
+                </a:solidFill>
+              </a:rPr>
+              <a:t>def</a:t>
+            </a:r>
+            <a:r>
+              <a:rPr lang="en-US" dirty="0">
+                <a:solidFill>
+                  <a:srgbClr val="FF0000"/>
+                </a:solidFill>
+              </a:rPr>
+              <a:t> sandwich(food="--</a:t>
+            </a:r>
+            <a:r>
+              <a:rPr lang="ru-RU" dirty="0">
+                <a:solidFill>
+                  <a:srgbClr val="FF0000"/>
+                </a:solidFill>
+              </a:rPr>
+              <a:t>ветчина--"):</a:t>
+            </a:r>
+          </a:p>
+          <a:p>
+            <a:pPr marL="0" indent="0">
+              <a:buNone/>
+            </a:pPr>
+            <a:r>
+              <a:rPr lang="ru-RU" dirty="0">
+                <a:solidFill>
+                  <a:srgbClr val="FF0000"/>
+                </a:solidFill>
+              </a:rPr>
+              <a:t>    </a:t>
+            </a:r>
+            <a:r>
+              <a:rPr lang="en-US" dirty="0">
+                <a:solidFill>
+                  <a:srgbClr val="FF0000"/>
+                </a:solidFill>
+              </a:rPr>
+              <a:t>print(food)</a:t>
+            </a:r>
+          </a:p>
+          <a:p>
+            <a:pPr marL="0" indent="0">
+              <a:buNone/>
+            </a:pPr>
+            <a:endParaRPr lang="en-US" dirty="0">
+              <a:solidFill>
+                <a:srgbClr val="FF0000"/>
+              </a:solidFill>
+            </a:endParaRPr>
+          </a:p>
+          <a:p>
+            <a:pPr marL="0" indent="0">
+              <a:buNone/>
+            </a:pPr>
+            <a:r>
+              <a:rPr lang="en-US" dirty="0">
+                <a:solidFill>
+                  <a:srgbClr val="FF0000"/>
+                </a:solidFill>
+              </a:rPr>
+              <a:t>sandwich()</a:t>
+            </a:r>
+            <a:endParaRPr lang="ru-RU" dirty="0">
+              <a:solidFill>
+                <a:srgbClr val="FF0000"/>
+              </a:solidFill>
+            </a:endParaRPr>
+          </a:p>
+        </p:txBody>
+      </p:sp>
+    </p:spTree>
+    <p:extLst>
+      <p:ext uri="{BB962C8B-B14F-4D97-AF65-F5344CB8AC3E}">
+        <p14:creationId xmlns:p14="http://schemas.microsoft.com/office/powerpoint/2010/main" val="2306906242"/>
+      </p:ext>
+    </p:extLst>
+  </p:cSld>
+  <p:clrMapOvr>
+    <a:masterClrMapping/>
+  </p:clrMapOvr>
+</p:sld>
+</file>
+
+<file path=ppt/slides/slide64.xml><?xml version="1.0" encoding="utf-8"?>
+<p:sld xmlns:a="http://schemas.openxmlformats.org/drawingml/2006/main" xmlns:r="http://schemas.openxmlformats.org/officeDocument/2006/relationships" xmlns:p="http://schemas.openxmlformats.org/presentationml/2006/main">
+  <p:cSld>
+    <p:spTree>
+      <p:nvGrpSpPr>
+        <p:cNvPr id="1" name=""/>
+        <p:cNvGrpSpPr/>
+        <p:nvPr/>
+      </p:nvGrpSpPr>
+      <p:grpSpPr>
+        <a:xfrm>
+          <a:off x="0" y="0"/>
+          <a:ext cx="0" cy="0"/>
+          <a:chOff x="0" y="0"/>
+          <a:chExt cx="0" cy="0"/>
+        </a:xfrm>
+      </p:grpSpPr>
+      <p:sp>
+        <p:nvSpPr>
+          <p:cNvPr id="2" name="Заголовок 1"/>
+          <p:cNvSpPr>
+            <a:spLocks noGrp="1"/>
+          </p:cNvSpPr>
+          <p:nvPr>
+            <p:ph type="title"/>
+          </p:nvPr>
+        </p:nvSpPr>
+        <p:spPr/>
+        <p:txBody>
+          <a:bodyPr>
+            <a:normAutofit/>
+          </a:bodyPr>
+          <a:lstStyle/>
+          <a:p>
+            <a:r>
+              <a:rPr lang="ru-RU" b="1" dirty="0"/>
+              <a:t>Передача декоратором аргументов в </a:t>
+            </a:r>
+            <a:r>
+              <a:rPr lang="ru-RU" b="1" dirty="0" smtClean="0"/>
+              <a:t>функцию</a:t>
+            </a:r>
+            <a:endParaRPr lang="ru-RU" dirty="0"/>
+          </a:p>
+        </p:txBody>
+      </p:sp>
+      <p:sp>
+        <p:nvSpPr>
+          <p:cNvPr id="5" name="Объект 4"/>
+          <p:cNvSpPr>
+            <a:spLocks noGrp="1"/>
+          </p:cNvSpPr>
+          <p:nvPr>
+            <p:ph idx="1"/>
+          </p:nvPr>
+        </p:nvSpPr>
+        <p:spPr/>
+        <p:txBody>
+          <a:bodyPr>
+            <a:normAutofit fontScale="77500" lnSpcReduction="20000"/>
+          </a:bodyPr>
+          <a:lstStyle/>
+          <a:p>
+            <a:pPr marL="0" indent="0">
+              <a:buNone/>
+            </a:pPr>
+            <a:r>
+              <a:rPr lang="en-US" dirty="0" err="1"/>
+              <a:t>def</a:t>
+            </a:r>
+            <a:r>
+              <a:rPr lang="en-US" dirty="0"/>
+              <a:t> decorator(</a:t>
+            </a:r>
+            <a:r>
+              <a:rPr lang="en-US" dirty="0" err="1"/>
+              <a:t>func</a:t>
+            </a:r>
+            <a:r>
+              <a:rPr lang="en-US" dirty="0"/>
+              <a:t>):</a:t>
+            </a:r>
+          </a:p>
+          <a:p>
+            <a:pPr marL="0" indent="0">
+              <a:buNone/>
+            </a:pPr>
+            <a:r>
+              <a:rPr lang="en-US" dirty="0"/>
+              <a:t>    </a:t>
+            </a:r>
+            <a:r>
+              <a:rPr lang="en-US" dirty="0" err="1"/>
+              <a:t>def</a:t>
+            </a:r>
+            <a:r>
+              <a:rPr lang="en-US" dirty="0"/>
+              <a:t> wrapper(*</a:t>
+            </a:r>
+            <a:r>
+              <a:rPr lang="en-US" dirty="0" err="1"/>
+              <a:t>args</a:t>
+            </a:r>
+            <a:r>
+              <a:rPr lang="en-US" dirty="0"/>
+              <a:t>, **</a:t>
+            </a:r>
+            <a:r>
+              <a:rPr lang="en-US" dirty="0" err="1"/>
+              <a:t>kwargs</a:t>
+            </a:r>
+            <a:r>
+              <a:rPr lang="en-US" dirty="0"/>
+              <a:t>):</a:t>
+            </a:r>
+          </a:p>
+          <a:p>
+            <a:pPr marL="0" indent="0">
+              <a:buNone/>
+            </a:pPr>
+            <a:r>
+              <a:rPr lang="en-US" dirty="0"/>
+              <a:t>        result = </a:t>
+            </a:r>
+            <a:r>
+              <a:rPr lang="en-US" dirty="0" err="1"/>
+              <a:t>func</a:t>
+            </a:r>
+            <a:r>
+              <a:rPr lang="en-US" dirty="0"/>
+              <a:t>(*</a:t>
+            </a:r>
+            <a:r>
+              <a:rPr lang="en-US" dirty="0" err="1"/>
+              <a:t>args</a:t>
+            </a:r>
+            <a:r>
+              <a:rPr lang="en-US" dirty="0"/>
+              <a:t>, **</a:t>
+            </a:r>
+            <a:r>
+              <a:rPr lang="en-US" dirty="0" err="1"/>
+              <a:t>kwargs</a:t>
+            </a:r>
+            <a:r>
+              <a:rPr lang="en-US" dirty="0" smtClean="0"/>
+              <a:t>)</a:t>
+            </a:r>
+            <a:endParaRPr lang="en-US" dirty="0"/>
+          </a:p>
+          <a:p>
+            <a:pPr marL="0" indent="0">
+              <a:buNone/>
+            </a:pPr>
+            <a:r>
+              <a:rPr lang="en-US" dirty="0"/>
+              <a:t>        return result</a:t>
+            </a:r>
+          </a:p>
+          <a:p>
+            <a:pPr marL="0" indent="0">
+              <a:buNone/>
+            </a:pPr>
+            <a:r>
+              <a:rPr lang="en-US" dirty="0"/>
+              <a:t>    return wrapper</a:t>
+            </a:r>
+          </a:p>
+          <a:p>
+            <a:pPr marL="0" indent="0">
+              <a:buNone/>
+            </a:pPr>
+            <a:endParaRPr lang="en-US" dirty="0"/>
+          </a:p>
+          <a:p>
+            <a:pPr marL="0" indent="0">
+              <a:buNone/>
+            </a:pPr>
+            <a:endParaRPr lang="en-US" dirty="0"/>
+          </a:p>
+          <a:p>
+            <a:pPr marL="0" indent="0">
+              <a:buNone/>
+            </a:pPr>
+            <a:r>
+              <a:rPr lang="en-US" dirty="0"/>
+              <a:t>@decorator</a:t>
+            </a:r>
+          </a:p>
+          <a:p>
+            <a:pPr marL="0" indent="0">
+              <a:buNone/>
+            </a:pPr>
+            <a:r>
+              <a:rPr lang="en-US" dirty="0" err="1"/>
+              <a:t>def</a:t>
+            </a:r>
+            <a:r>
+              <a:rPr lang="en-US" dirty="0"/>
+              <a:t> add(a, b):</a:t>
+            </a:r>
+          </a:p>
+          <a:p>
+            <a:pPr marL="0" indent="0">
+              <a:buNone/>
+            </a:pPr>
+            <a:r>
+              <a:rPr lang="en-US" dirty="0"/>
+              <a:t>    return a + b</a:t>
+            </a:r>
+          </a:p>
+          <a:p>
+            <a:pPr marL="0" indent="0">
+              <a:buNone/>
+            </a:pPr>
+            <a:endParaRPr lang="en-US" dirty="0"/>
+          </a:p>
+          <a:p>
+            <a:pPr marL="0" indent="0">
+              <a:buNone/>
+            </a:pPr>
+            <a:r>
+              <a:rPr lang="en-US" dirty="0"/>
+              <a:t>print(add(3, 4))</a:t>
+            </a:r>
+            <a:endParaRPr lang="ru-RU" dirty="0"/>
+          </a:p>
+        </p:txBody>
+      </p:sp>
+    </p:spTree>
+    <p:extLst>
+      <p:ext uri="{BB962C8B-B14F-4D97-AF65-F5344CB8AC3E}">
+        <p14:creationId xmlns:p14="http://schemas.microsoft.com/office/powerpoint/2010/main" val="3743539144"/>
+      </p:ext>
+    </p:extLst>
+  </p:cSld>
+  <p:clrMapOvr>
+    <a:masterClrMapping/>
+  </p:clrMapOvr>
+</p:sld>
+</file>
+
+<file path=ppt/slides/slide65.xml><?xml version="1.0" encoding="utf-8"?>
+<p:sld xmlns:a="http://schemas.openxmlformats.org/drawingml/2006/main" xmlns:r="http://schemas.openxmlformats.org/officeDocument/2006/relationships" xmlns:p="http://schemas.openxmlformats.org/presentationml/2006/main">
+  <p:cSld>
+    <p:spTree>
+      <p:nvGrpSpPr>
+        <p:cNvPr id="1" name=""/>
+        <p:cNvGrpSpPr/>
+        <p:nvPr/>
+      </p:nvGrpSpPr>
+      <p:grpSpPr>
+        <a:xfrm>
+          <a:off x="0" y="0"/>
+          <a:ext cx="0" cy="0"/>
+          <a:chOff x="0" y="0"/>
+          <a:chExt cx="0" cy="0"/>
+        </a:xfrm>
+      </p:grpSpPr>
+      <p:sp>
+        <p:nvSpPr>
+          <p:cNvPr id="5" name="Объект 4"/>
+          <p:cNvSpPr>
+            <a:spLocks noGrp="1"/>
+          </p:cNvSpPr>
+          <p:nvPr>
+            <p:ph idx="1"/>
+          </p:nvPr>
+        </p:nvSpPr>
+        <p:spPr>
+          <a:xfrm>
+            <a:off x="539097" y="372840"/>
+            <a:ext cx="10515600" cy="6104872"/>
+          </a:xfrm>
+        </p:spPr>
+        <p:txBody>
+          <a:bodyPr>
+            <a:normAutofit fontScale="85000" lnSpcReduction="20000"/>
+          </a:bodyPr>
+          <a:lstStyle/>
+          <a:p>
+            <a:pPr marL="0" indent="0">
+              <a:buNone/>
+            </a:pPr>
+            <a:r>
+              <a:rPr lang="ru-RU" sz="5200" b="1" dirty="0"/>
+              <a:t>Декораторы с </a:t>
+            </a:r>
+            <a:r>
+              <a:rPr lang="ru-RU" sz="5200" b="1" dirty="0" smtClean="0"/>
+              <a:t>аргументами</a:t>
+            </a:r>
+            <a:endParaRPr lang="en-US" sz="5200" b="1" dirty="0" smtClean="0"/>
+          </a:p>
+          <a:p>
+            <a:pPr marL="0" indent="0">
+              <a:buNone/>
+            </a:pPr>
+            <a:endParaRPr lang="en-US" sz="4800" dirty="0" smtClean="0"/>
+          </a:p>
+          <a:p>
+            <a:pPr marL="0" indent="0">
+              <a:buNone/>
+            </a:pPr>
+            <a:r>
+              <a:rPr lang="en-US" dirty="0" err="1" smtClean="0"/>
+              <a:t>def</a:t>
+            </a:r>
+            <a:r>
+              <a:rPr lang="en-US" dirty="0" smtClean="0"/>
+              <a:t> </a:t>
+            </a:r>
+            <a:r>
+              <a:rPr lang="en-US" dirty="0" err="1"/>
+              <a:t>multiply_result</a:t>
+            </a:r>
+            <a:r>
+              <a:rPr lang="en-US" dirty="0"/>
+              <a:t>(multiplier</a:t>
+            </a:r>
+            <a:r>
+              <a:rPr lang="en-US" dirty="0" smtClean="0"/>
+              <a:t>):</a:t>
+            </a:r>
+          </a:p>
+          <a:p>
+            <a:pPr marL="0" indent="0">
+              <a:buNone/>
+            </a:pPr>
+            <a:r>
+              <a:rPr lang="en-US" dirty="0" smtClean="0"/>
+              <a:t>	</a:t>
+            </a:r>
+            <a:r>
+              <a:rPr lang="en-US" dirty="0" err="1" smtClean="0"/>
+              <a:t>def</a:t>
+            </a:r>
+            <a:r>
+              <a:rPr lang="en-US" dirty="0" smtClean="0"/>
+              <a:t> </a:t>
+            </a:r>
+            <a:r>
+              <a:rPr lang="en-US" dirty="0"/>
+              <a:t>decorator(</a:t>
+            </a:r>
+            <a:r>
+              <a:rPr lang="en-US" dirty="0" err="1"/>
+              <a:t>func</a:t>
+            </a:r>
+            <a:r>
+              <a:rPr lang="en-US" dirty="0" smtClean="0"/>
+              <a:t>):</a:t>
+            </a:r>
+          </a:p>
+          <a:p>
+            <a:pPr marL="0" indent="0">
+              <a:buNone/>
+            </a:pPr>
+            <a:r>
+              <a:rPr lang="en-US" dirty="0"/>
+              <a:t>	</a:t>
+            </a:r>
+            <a:r>
+              <a:rPr lang="en-US" dirty="0" smtClean="0"/>
+              <a:t>	</a:t>
+            </a:r>
+            <a:r>
+              <a:rPr lang="en-US" dirty="0" err="1" smtClean="0"/>
+              <a:t>def</a:t>
+            </a:r>
+            <a:r>
+              <a:rPr lang="en-US" dirty="0" smtClean="0"/>
+              <a:t> </a:t>
+            </a:r>
+            <a:r>
+              <a:rPr lang="en-US" dirty="0"/>
+              <a:t>wrapper(*</a:t>
+            </a:r>
+            <a:r>
+              <a:rPr lang="en-US" dirty="0" err="1"/>
+              <a:t>args</a:t>
+            </a:r>
+            <a:r>
+              <a:rPr lang="en-US" dirty="0"/>
+              <a:t>, **</a:t>
+            </a:r>
+            <a:r>
+              <a:rPr lang="en-US" dirty="0" err="1"/>
+              <a:t>kwargs</a:t>
+            </a:r>
+            <a:r>
+              <a:rPr lang="en-US" dirty="0" smtClean="0"/>
+              <a:t>):</a:t>
+            </a:r>
+          </a:p>
+          <a:p>
+            <a:pPr marL="0" indent="0">
+              <a:buNone/>
+            </a:pPr>
+            <a:r>
+              <a:rPr lang="en-US" dirty="0"/>
+              <a:t>	</a:t>
+            </a:r>
+            <a:r>
+              <a:rPr lang="en-US" dirty="0" smtClean="0"/>
+              <a:t>		 </a:t>
+            </a:r>
+            <a:r>
+              <a:rPr lang="en-US" dirty="0"/>
+              <a:t>result = </a:t>
+            </a:r>
+            <a:r>
+              <a:rPr lang="en-US" dirty="0" err="1"/>
+              <a:t>func</a:t>
+            </a:r>
+            <a:r>
+              <a:rPr lang="en-US" dirty="0"/>
+              <a:t>(*</a:t>
+            </a:r>
+            <a:r>
+              <a:rPr lang="en-US" dirty="0" err="1"/>
+              <a:t>args</a:t>
+            </a:r>
+            <a:r>
+              <a:rPr lang="en-US" dirty="0"/>
+              <a:t>, **</a:t>
+            </a:r>
+            <a:r>
+              <a:rPr lang="en-US" dirty="0" err="1" smtClean="0"/>
+              <a:t>kwargs</a:t>
+            </a:r>
+            <a:r>
+              <a:rPr lang="en-US" dirty="0" smtClean="0"/>
+              <a:t>)</a:t>
+            </a:r>
+          </a:p>
+          <a:p>
+            <a:pPr marL="0" indent="0">
+              <a:buNone/>
+            </a:pPr>
+            <a:r>
+              <a:rPr lang="en-US" dirty="0"/>
+              <a:t>	</a:t>
+            </a:r>
+            <a:r>
+              <a:rPr lang="en-US" dirty="0" smtClean="0"/>
+              <a:t>		return </a:t>
+            </a:r>
+            <a:r>
+              <a:rPr lang="en-US" dirty="0"/>
+              <a:t>result * </a:t>
+            </a:r>
+            <a:r>
+              <a:rPr lang="en-US" dirty="0" smtClean="0"/>
+              <a:t>multiplier</a:t>
+            </a:r>
+          </a:p>
+          <a:p>
+            <a:pPr marL="0" indent="0">
+              <a:buNone/>
+            </a:pPr>
+            <a:r>
+              <a:rPr lang="en-US" dirty="0"/>
+              <a:t>	</a:t>
+            </a:r>
+            <a:r>
+              <a:rPr lang="en-US" dirty="0" smtClean="0"/>
+              <a:t>	return wrapper</a:t>
+            </a:r>
+          </a:p>
+          <a:p>
+            <a:pPr marL="0" indent="0">
+              <a:buNone/>
+            </a:pPr>
+            <a:r>
+              <a:rPr lang="en-US" dirty="0"/>
+              <a:t>	</a:t>
+            </a:r>
+            <a:r>
+              <a:rPr lang="en-US" dirty="0" smtClean="0"/>
+              <a:t>return decorator</a:t>
+            </a:r>
+          </a:p>
+          <a:p>
+            <a:pPr marL="0" indent="0">
+              <a:buNone/>
+            </a:pPr>
+            <a:endParaRPr lang="en-US" dirty="0"/>
+          </a:p>
+          <a:p>
+            <a:pPr marL="0" indent="0">
+              <a:buNone/>
+            </a:pPr>
+            <a:r>
+              <a:rPr lang="en-US" dirty="0"/>
+              <a:t>@</a:t>
+            </a:r>
+            <a:r>
+              <a:rPr lang="en-US" dirty="0" err="1"/>
+              <a:t>multiply_result</a:t>
+            </a:r>
+            <a:r>
+              <a:rPr lang="en-US" dirty="0"/>
+              <a:t>(2)</a:t>
+            </a:r>
+          </a:p>
+          <a:p>
+            <a:pPr marL="0" indent="0">
+              <a:buNone/>
+            </a:pPr>
+            <a:r>
+              <a:rPr lang="en-US" dirty="0" err="1"/>
+              <a:t>def</a:t>
+            </a:r>
+            <a:r>
+              <a:rPr lang="en-US" dirty="0"/>
+              <a:t> add(a, b):</a:t>
+            </a:r>
+          </a:p>
+          <a:p>
+            <a:pPr marL="0" indent="0">
+              <a:buNone/>
+            </a:pPr>
+            <a:r>
+              <a:rPr lang="en-US" dirty="0"/>
+              <a:t>    return a + b</a:t>
+            </a:r>
+          </a:p>
+          <a:p>
+            <a:pPr marL="0" indent="0">
+              <a:buNone/>
+            </a:pPr>
+            <a:endParaRPr lang="en-US" dirty="0"/>
+          </a:p>
+          <a:p>
+            <a:pPr marL="0" indent="0">
+              <a:buNone/>
+            </a:pPr>
+            <a:r>
+              <a:rPr lang="en-US" dirty="0" smtClean="0"/>
+              <a:t>print(add(3</a:t>
+            </a:r>
+            <a:r>
+              <a:rPr lang="en-US" dirty="0"/>
+              <a:t>, </a:t>
+            </a:r>
+            <a:r>
+              <a:rPr lang="en-US" dirty="0" smtClean="0"/>
+              <a:t>4))</a:t>
+            </a:r>
+            <a:endParaRPr lang="ru-RU" dirty="0"/>
+          </a:p>
+        </p:txBody>
+      </p:sp>
+    </p:spTree>
+    <p:extLst>
+      <p:ext uri="{BB962C8B-B14F-4D97-AF65-F5344CB8AC3E}">
+        <p14:creationId xmlns:p14="http://schemas.microsoft.com/office/powerpoint/2010/main" val="2529898979"/>
       </p:ext>
     </p:extLst>
   </p:cSld>
